--- a/翻转课堂/翻转课堂4+1View.pptx
+++ b/翻转课堂/翻转课堂4+1View.pptx
@@ -5,7 +5,7 @@
     <p:sldMasterId id="2147483648" r:id="rId1"/>
   </p:sldMasterIdLst>
   <p:notesMasterIdLst>
-    <p:notesMasterId r:id="rId26"/>
+    <p:notesMasterId r:id="rId18"/>
   </p:notesMasterIdLst>
   <p:sldIdLst>
     <p:sldId id="299" r:id="rId3"/>
@@ -23,14 +23,22 @@
     <p:sldId id="361" r:id="rId15"/>
     <p:sldId id="363" r:id="rId16"/>
     <p:sldId id="364" r:id="rId17"/>
-    <p:sldId id="366" r:id="rId18"/>
-    <p:sldId id="367" r:id="rId19"/>
-    <p:sldId id="370" r:id="rId20"/>
-    <p:sldId id="316" r:id="rId21"/>
-    <p:sldId id="317" r:id="rId22"/>
-    <p:sldId id="318" r:id="rId23"/>
-    <p:sldId id="319" r:id="rId24"/>
-    <p:sldId id="305" r:id="rId25"/>
+    <p:sldId id="366" r:id="rId19"/>
+    <p:sldId id="367" r:id="rId20"/>
+    <p:sldId id="370" r:id="rId21"/>
+    <p:sldId id="377" r:id="rId22"/>
+    <p:sldId id="378" r:id="rId23"/>
+    <p:sldId id="380" r:id="rId24"/>
+    <p:sldId id="381" r:id="rId25"/>
+    <p:sldId id="384" r:id="rId26"/>
+    <p:sldId id="383" r:id="rId27"/>
+    <p:sldId id="385" r:id="rId28"/>
+    <p:sldId id="379" r:id="rId29"/>
+    <p:sldId id="316" r:id="rId30"/>
+    <p:sldId id="317" r:id="rId31"/>
+    <p:sldId id="318" r:id="rId32"/>
+    <p:sldId id="319" r:id="rId33"/>
+    <p:sldId id="305" r:id="rId34"/>
   </p:sldIdLst>
   <p:sldSz cx="12192000" cy="6858000"/>
   <p:notesSz cx="6858000" cy="9144000"/>
@@ -507,6 +515,50 @@
     </a:lvl9pPr>
   </p:notesStyle>
 </p:notesMaster>
+</file>
+
+<file path=ppt/notesSlides/notesSlide1.xml><?xml version="1.0" encoding="utf-8"?>
+<p:notes xmlns:a="http://schemas.openxmlformats.org/drawingml/2006/main" xmlns:r="http://schemas.openxmlformats.org/officeDocument/2006/relationships" xmlns:p="http://schemas.openxmlformats.org/presentationml/2006/main">
+  <p:cSld>
+    <p:spTree>
+      <p:nvGrpSpPr>
+        <p:cNvPr id="1" name=""/>
+        <p:cNvGrpSpPr/>
+        <p:nvPr/>
+      </p:nvGrpSpPr>
+      <p:grpSpPr/>
+      <p:sp>
+        <p:nvSpPr>
+          <p:cNvPr id="2" name="幻灯片图像占位符 1"/>
+          <p:cNvSpPr/>
+          <p:nvPr>
+            <p:ph type="sldImg" idx="2"/>
+          </p:nvPr>
+        </p:nvSpPr>
+        <p:spPr/>
+      </p:sp>
+      <p:sp>
+        <p:nvSpPr>
+          <p:cNvPr id="3" name="文本占位符 2"/>
+          <p:cNvSpPr/>
+          <p:nvPr>
+            <p:ph type="body" idx="3"/>
+          </p:nvPr>
+        </p:nvSpPr>
+        <p:spPr/>
+        <p:txBody>
+          <a:bodyPr/>
+          <a:p>
+            <a:endParaRPr lang="zh-CN" altLang="en-US"/>
+          </a:p>
+        </p:txBody>
+      </p:sp>
+    </p:spTree>
+  </p:cSld>
+  <p:clrMapOvr>
+    <a:masterClrMapping/>
+  </p:clrMapOvr>
+</p:notes>
 </file>
 
 <file path=ppt/slideLayouts/slideLayout1.xml><?xml version="1.0" encoding="utf-8"?>
@@ -3024,7 +3076,7 @@
                   <a:schemeClr val="tx1"/>
                 </a:solidFill>
               </a:rPr>
-              <a:t>04</a:t>
+              <a:t>4</a:t>
             </a:r>
             <a:endParaRPr lang="zh-CN" altLang="en-US" sz="6000" dirty="0">
               <a:solidFill>
@@ -3842,7 +3894,26 @@
                 </a:solidFill>
                 <a:ea typeface="幼圆" panose="02010509060101010101" pitchFamily="49" charset="-122"/>
               </a:rPr>
-              <a:t>服务于系统集成人员，方便后续性能测试。强调并发性、分布性、集成性、鲁棒性（容错）、可扩充性、吞吐量等。定义逻辑视图中的各个类的具体操作是在哪一个线程（Thread）中被执行。</a:t>
+              <a:t>服务于系统集成人员，方便后续性能测试。强调并发性、分布性、集成性、鲁棒性（容错）、可扩充性、吞吐量等。定义逻辑视图中的各个类的具体操作是在哪一个线程（</a:t>
+            </a:r>
+            <a:r>
+              <a:rPr lang="en-US" sz="2000" dirty="0" smtClean="0">
+                <a:solidFill>
+                  <a:schemeClr val="tx1"/>
+                </a:solidFill>
+                <a:latin typeface="+mj-ea"/>
+                <a:ea typeface="+mj-ea"/>
+              </a:rPr>
+              <a:t>thread</a:t>
+            </a:r>
+            <a:r>
+              <a:rPr sz="2000" dirty="0" smtClean="0">
+                <a:solidFill>
+                  <a:schemeClr val="tx1"/>
+                </a:solidFill>
+                <a:ea typeface="幼圆" panose="02010509060101010101" pitchFamily="49" charset="-122"/>
+              </a:rPr>
+              <a:t>）中被执行。</a:t>
             </a:r>
             <a:endParaRPr sz="2000" dirty="0" smtClean="0">
               <a:solidFill>
@@ -5167,7 +5238,7 @@
         </p:blipFill>
         <p:spPr>
           <a:xfrm>
-            <a:off x="3752215" y="2142490"/>
+            <a:off x="3493135" y="2143125"/>
             <a:ext cx="4686935" cy="2572385"/>
           </a:xfrm>
           <a:prstGeom prst="rect">
@@ -5940,14 +6011,14 @@
           <a:p>
             <a:pPr algn="ctr"/>
             <a:r>
-              <a:rPr lang="en-US" altLang="zh-CN" sz="6000" dirty="0" smtClean="0">
+              <a:rPr lang="en-US" altLang="zh-CN" sz="6000" dirty="0">
                 <a:solidFill>
                   <a:schemeClr val="tx1"/>
                 </a:solidFill>
               </a:rPr>
-              <a:t>05</a:t>
+              <a:t>5</a:t>
             </a:r>
-            <a:endParaRPr lang="zh-CN" altLang="en-US" sz="6000" dirty="0">
+            <a:endParaRPr lang="en-US" altLang="zh-CN" sz="6000" dirty="0">
               <a:solidFill>
                 <a:schemeClr val="tx1"/>
               </a:solidFill>
@@ -6042,692 +6113,6 @@
           </a:p>
         </p:txBody>
       </p:sp>
-      <p:grpSp>
-        <p:nvGrpSpPr>
-          <p:cNvPr id="15" name="组合 14"/>
-          <p:cNvGrpSpPr/>
-          <p:nvPr/>
-        </p:nvGrpSpPr>
-        <p:grpSpPr>
-          <a:xfrm rot="5400000">
-            <a:off x="1675704" y="5773417"/>
-            <a:ext cx="868566" cy="713377"/>
-            <a:chOff x="4972050" y="2667658"/>
-            <a:chExt cx="2247900" cy="1846262"/>
-          </a:xfrm>
-        </p:grpSpPr>
-        <p:sp>
-          <p:nvSpPr>
-            <p:cNvPr id="16" name="자유형 24"/>
-            <p:cNvSpPr/>
-            <p:nvPr/>
-          </p:nvSpPr>
-          <p:spPr bwMode="auto">
-            <a:xfrm rot="19844698" flipH="1">
-              <a:off x="4978400" y="3628095"/>
-              <a:ext cx="2014537" cy="469900"/>
-            </a:xfrm>
-            <a:custGeom>
-              <a:avLst/>
-              <a:gdLst>
-                <a:gd name="connsiteX0" fmla="*/ 0 w 2961540"/>
-                <a:gd name="connsiteY0" fmla="*/ 0 h 648072"/>
-                <a:gd name="connsiteX1" fmla="*/ 2961540 w 2961540"/>
-                <a:gd name="connsiteY1" fmla="*/ 0 h 648072"/>
-                <a:gd name="connsiteX2" fmla="*/ 2961540 w 2961540"/>
-                <a:gd name="connsiteY2" fmla="*/ 648072 h 648072"/>
-                <a:gd name="connsiteX3" fmla="*/ 0 w 2961540"/>
-                <a:gd name="connsiteY3" fmla="*/ 648072 h 648072"/>
-                <a:gd name="connsiteX4" fmla="*/ 0 w 2961540"/>
-                <a:gd name="connsiteY4" fmla="*/ 0 h 648072"/>
-                <a:gd name="connsiteX0-1" fmla="*/ 203047 w 3164587"/>
-                <a:gd name="connsiteY0-2" fmla="*/ 0 h 650470"/>
-                <a:gd name="connsiteX1-3" fmla="*/ 3164587 w 3164587"/>
-                <a:gd name="connsiteY1-4" fmla="*/ 0 h 650470"/>
-                <a:gd name="connsiteX2-5" fmla="*/ 3164587 w 3164587"/>
-                <a:gd name="connsiteY2-6" fmla="*/ 648072 h 650470"/>
-                <a:gd name="connsiteX3-7" fmla="*/ 0 w 3164587"/>
-                <a:gd name="connsiteY3-8" fmla="*/ 650470 h 650470"/>
-                <a:gd name="connsiteX4-9" fmla="*/ 203047 w 3164587"/>
-                <a:gd name="connsiteY4-10" fmla="*/ 0 h 650470"/>
-                <a:gd name="connsiteX0-11" fmla="*/ 407488 w 3164587"/>
-                <a:gd name="connsiteY0-12" fmla="*/ 0 h 655811"/>
-                <a:gd name="connsiteX1-13" fmla="*/ 3164587 w 3164587"/>
-                <a:gd name="connsiteY1-14" fmla="*/ 5341 h 655811"/>
-                <a:gd name="connsiteX2-15" fmla="*/ 3164587 w 3164587"/>
-                <a:gd name="connsiteY2-16" fmla="*/ 653413 h 655811"/>
-                <a:gd name="connsiteX3-17" fmla="*/ 0 w 3164587"/>
-                <a:gd name="connsiteY3-18" fmla="*/ 655811 h 655811"/>
-                <a:gd name="connsiteX4-19" fmla="*/ 407488 w 3164587"/>
-                <a:gd name="connsiteY4-20" fmla="*/ 0 h 655811"/>
-                <a:gd name="connsiteX0-21" fmla="*/ 407488 w 3164587"/>
-                <a:gd name="connsiteY0-22" fmla="*/ 0 h 655811"/>
-                <a:gd name="connsiteX1-23" fmla="*/ 2615502 w 3164587"/>
-                <a:gd name="connsiteY1-24" fmla="*/ 57122 h 655811"/>
-                <a:gd name="connsiteX2-25" fmla="*/ 3164587 w 3164587"/>
-                <a:gd name="connsiteY2-26" fmla="*/ 653413 h 655811"/>
-                <a:gd name="connsiteX3-27" fmla="*/ 0 w 3164587"/>
-                <a:gd name="connsiteY3-28" fmla="*/ 655811 h 655811"/>
-                <a:gd name="connsiteX4-29" fmla="*/ 407488 w 3164587"/>
-                <a:gd name="connsiteY4-30" fmla="*/ 0 h 655811"/>
-                <a:gd name="connsiteX0-31" fmla="*/ 407488 w 2967403"/>
-                <a:gd name="connsiteY0-32" fmla="*/ 0 h 685357"/>
-                <a:gd name="connsiteX1-33" fmla="*/ 2615502 w 2967403"/>
-                <a:gd name="connsiteY1-34" fmla="*/ 57122 h 685357"/>
-                <a:gd name="connsiteX2-35" fmla="*/ 2967403 w 2967403"/>
-                <a:gd name="connsiteY2-36" fmla="*/ 685357 h 685357"/>
-                <a:gd name="connsiteX3-37" fmla="*/ 0 w 2967403"/>
-                <a:gd name="connsiteY3-38" fmla="*/ 655811 h 685357"/>
-                <a:gd name="connsiteX4-39" fmla="*/ 407488 w 2967403"/>
-                <a:gd name="connsiteY4-40" fmla="*/ 0 h 685357"/>
-                <a:gd name="connsiteX0-41" fmla="*/ 407488 w 2967403"/>
-                <a:gd name="connsiteY0-42" fmla="*/ 0 h 685357"/>
-                <a:gd name="connsiteX1-43" fmla="*/ 2583917 w 2967403"/>
-                <a:gd name="connsiteY1-44" fmla="*/ 20227 h 685357"/>
-                <a:gd name="connsiteX2-45" fmla="*/ 2967403 w 2967403"/>
-                <a:gd name="connsiteY2-46" fmla="*/ 685357 h 685357"/>
-                <a:gd name="connsiteX3-47" fmla="*/ 0 w 2967403"/>
-                <a:gd name="connsiteY3-48" fmla="*/ 655811 h 685357"/>
-                <a:gd name="connsiteX4-49" fmla="*/ 407488 w 2967403"/>
-                <a:gd name="connsiteY4-50" fmla="*/ 0 h 685357"/>
-                <a:gd name="connsiteX0-51" fmla="*/ 407488 w 2967403"/>
-                <a:gd name="connsiteY0-52" fmla="*/ 5703 h 691060"/>
-                <a:gd name="connsiteX1-53" fmla="*/ 2591228 w 2967403"/>
-                <a:gd name="connsiteY1-54" fmla="*/ 0 h 691060"/>
-                <a:gd name="connsiteX2-55" fmla="*/ 2967403 w 2967403"/>
-                <a:gd name="connsiteY2-56" fmla="*/ 691060 h 691060"/>
-                <a:gd name="connsiteX3-57" fmla="*/ 0 w 2967403"/>
-                <a:gd name="connsiteY3-58" fmla="*/ 661514 h 691060"/>
-                <a:gd name="connsiteX4-59" fmla="*/ 407488 w 2967403"/>
-                <a:gd name="connsiteY4-60" fmla="*/ 5703 h 691060"/>
-              </a:gdLst>
-              <a:ahLst/>
-              <a:cxnLst>
-                <a:cxn ang="0">
-                  <a:pos x="connsiteX0-1" y="connsiteY0-2"/>
-                </a:cxn>
-                <a:cxn ang="0">
-                  <a:pos x="connsiteX1-3" y="connsiteY1-4"/>
-                </a:cxn>
-                <a:cxn ang="0">
-                  <a:pos x="connsiteX2-5" y="connsiteY2-6"/>
-                </a:cxn>
-                <a:cxn ang="0">
-                  <a:pos x="connsiteX3-7" y="connsiteY3-8"/>
-                </a:cxn>
-                <a:cxn ang="0">
-                  <a:pos x="connsiteX4-9" y="connsiteY4-10"/>
-                </a:cxn>
-              </a:cxnLst>
-              <a:rect l="l" t="t" r="r" b="b"/>
-              <a:pathLst>
-                <a:path w="2967403" h="691060">
-                  <a:moveTo>
-                    <a:pt x="407488" y="5703"/>
-                  </a:moveTo>
-                  <a:lnTo>
-                    <a:pt x="2591228" y="0"/>
-                  </a:lnTo>
-                  <a:lnTo>
-                    <a:pt x="2967403" y="691060"/>
-                  </a:lnTo>
-                  <a:lnTo>
-                    <a:pt x="0" y="661514"/>
-                  </a:lnTo>
-                  <a:lnTo>
-                    <a:pt x="407488" y="5703"/>
-                  </a:lnTo>
-                  <a:close/>
-                </a:path>
-              </a:pathLst>
-            </a:custGeom>
-            <a:solidFill>
-              <a:schemeClr val="accent1">
-                <a:lumMod val="60000"/>
-                <a:lumOff val="40000"/>
-              </a:schemeClr>
-            </a:solidFill>
-            <a:ln>
-              <a:noFill/>
-            </a:ln>
-          </p:spPr>
-          <p:style>
-            <a:lnRef idx="2">
-              <a:schemeClr val="accent1">
-                <a:shade val="50000"/>
-              </a:schemeClr>
-            </a:lnRef>
-            <a:fillRef idx="1">
-              <a:schemeClr val="accent1"/>
-            </a:fillRef>
-            <a:effectRef idx="0">
-              <a:schemeClr val="accent1"/>
-            </a:effectRef>
-            <a:fontRef idx="minor">
-              <a:schemeClr val="lt1"/>
-            </a:fontRef>
-          </p:style>
-          <p:txBody>
-            <a:bodyPr anchor="ctr"/>
-            <a:lstStyle/>
-            <a:p>
-              <a:pPr algn="ctr">
-                <a:defRPr/>
-              </a:pPr>
-              <a:endParaRPr lang="ko-KR" altLang="en-US"/>
-            </a:p>
-          </p:txBody>
-        </p:sp>
-        <p:sp>
-          <p:nvSpPr>
-            <p:cNvPr id="17" name="자유형 32"/>
-            <p:cNvSpPr/>
-            <p:nvPr/>
-          </p:nvSpPr>
-          <p:spPr bwMode="auto">
-            <a:xfrm rot="1755302">
-              <a:off x="5002212" y="2667658"/>
-              <a:ext cx="2212975" cy="428625"/>
-            </a:xfrm>
-            <a:custGeom>
-              <a:avLst/>
-              <a:gdLst>
-                <a:gd name="connsiteX0" fmla="*/ 0 w 2961540"/>
-                <a:gd name="connsiteY0" fmla="*/ 0 h 648072"/>
-                <a:gd name="connsiteX1" fmla="*/ 2961540 w 2961540"/>
-                <a:gd name="connsiteY1" fmla="*/ 0 h 648072"/>
-                <a:gd name="connsiteX2" fmla="*/ 2961540 w 2961540"/>
-                <a:gd name="connsiteY2" fmla="*/ 648072 h 648072"/>
-                <a:gd name="connsiteX3" fmla="*/ 0 w 2961540"/>
-                <a:gd name="connsiteY3" fmla="*/ 648072 h 648072"/>
-                <a:gd name="connsiteX4" fmla="*/ 0 w 2961540"/>
-                <a:gd name="connsiteY4" fmla="*/ 0 h 648072"/>
-                <a:gd name="connsiteX0-1" fmla="*/ 0 w 2961540"/>
-                <a:gd name="connsiteY0-2" fmla="*/ 0 h 648072"/>
-                <a:gd name="connsiteX1-3" fmla="*/ 2605255 w 2961540"/>
-                <a:gd name="connsiteY1-4" fmla="*/ 15401 h 648072"/>
-                <a:gd name="connsiteX2-5" fmla="*/ 2961540 w 2961540"/>
-                <a:gd name="connsiteY2-6" fmla="*/ 648072 h 648072"/>
-                <a:gd name="connsiteX3-7" fmla="*/ 0 w 2961540"/>
-                <a:gd name="connsiteY3-8" fmla="*/ 648072 h 648072"/>
-                <a:gd name="connsiteX4-9" fmla="*/ 0 w 2961540"/>
-                <a:gd name="connsiteY4-10" fmla="*/ 0 h 648072"/>
-                <a:gd name="connsiteX0-11" fmla="*/ 0 w 3260319"/>
-                <a:gd name="connsiteY0-12" fmla="*/ 58505 h 632671"/>
-                <a:gd name="connsiteX1-13" fmla="*/ 2904034 w 3260319"/>
-                <a:gd name="connsiteY1-14" fmla="*/ 0 h 632671"/>
-                <a:gd name="connsiteX2-15" fmla="*/ 3260319 w 3260319"/>
-                <a:gd name="connsiteY2-16" fmla="*/ 632671 h 632671"/>
-                <a:gd name="connsiteX3-17" fmla="*/ 298779 w 3260319"/>
-                <a:gd name="connsiteY3-18" fmla="*/ 632671 h 632671"/>
-                <a:gd name="connsiteX4-19" fmla="*/ 0 w 3260319"/>
-                <a:gd name="connsiteY4-20" fmla="*/ 58505 h 632671"/>
-              </a:gdLst>
-              <a:ahLst/>
-              <a:cxnLst>
-                <a:cxn ang="0">
-                  <a:pos x="connsiteX0-1" y="connsiteY0-2"/>
-                </a:cxn>
-                <a:cxn ang="0">
-                  <a:pos x="connsiteX1-3" y="connsiteY1-4"/>
-                </a:cxn>
-                <a:cxn ang="0">
-                  <a:pos x="connsiteX2-5" y="connsiteY2-6"/>
-                </a:cxn>
-                <a:cxn ang="0">
-                  <a:pos x="connsiteX3-7" y="connsiteY3-8"/>
-                </a:cxn>
-                <a:cxn ang="0">
-                  <a:pos x="connsiteX4-9" y="connsiteY4-10"/>
-                </a:cxn>
-              </a:cxnLst>
-              <a:rect l="l" t="t" r="r" b="b"/>
-              <a:pathLst>
-                <a:path w="3260319" h="632671">
-                  <a:moveTo>
-                    <a:pt x="0" y="58505"/>
-                  </a:moveTo>
-                  <a:lnTo>
-                    <a:pt x="2904034" y="0"/>
-                  </a:lnTo>
-                  <a:lnTo>
-                    <a:pt x="3260319" y="632671"/>
-                  </a:lnTo>
-                  <a:lnTo>
-                    <a:pt x="298779" y="632671"/>
-                  </a:lnTo>
-                  <a:lnTo>
-                    <a:pt x="0" y="58505"/>
-                  </a:lnTo>
-                  <a:close/>
-                </a:path>
-              </a:pathLst>
-            </a:custGeom>
-            <a:solidFill>
-              <a:schemeClr val="accent1">
-                <a:lumMod val="75000"/>
-              </a:schemeClr>
-            </a:solidFill>
-            <a:ln>
-              <a:noFill/>
-            </a:ln>
-          </p:spPr>
-          <p:style>
-            <a:lnRef idx="2">
-              <a:schemeClr val="accent1">
-                <a:shade val="50000"/>
-              </a:schemeClr>
-            </a:lnRef>
-            <a:fillRef idx="1">
-              <a:schemeClr val="accent1"/>
-            </a:fillRef>
-            <a:effectRef idx="0">
-              <a:schemeClr val="accent1"/>
-            </a:effectRef>
-            <a:fontRef idx="minor">
-              <a:schemeClr val="lt1"/>
-            </a:fontRef>
-          </p:style>
-          <p:txBody>
-            <a:bodyPr anchor="ctr"/>
-            <a:lstStyle/>
-            <a:p>
-              <a:pPr algn="ctr">
-                <a:defRPr/>
-              </a:pPr>
-              <a:endParaRPr lang="ko-KR" altLang="en-US"/>
-            </a:p>
-          </p:txBody>
-        </p:sp>
-        <p:sp>
-          <p:nvSpPr>
-            <p:cNvPr id="18" name="자유형 17"/>
-            <p:cNvSpPr/>
-            <p:nvPr/>
-          </p:nvSpPr>
-          <p:spPr bwMode="auto">
-            <a:xfrm rot="1755302">
-              <a:off x="4984750" y="3118508"/>
-              <a:ext cx="2224087" cy="428625"/>
-            </a:xfrm>
-            <a:custGeom>
-              <a:avLst/>
-              <a:gdLst>
-                <a:gd name="connsiteX0" fmla="*/ 0 w 2961540"/>
-                <a:gd name="connsiteY0" fmla="*/ 0 h 648072"/>
-                <a:gd name="connsiteX1" fmla="*/ 2961540 w 2961540"/>
-                <a:gd name="connsiteY1" fmla="*/ 0 h 648072"/>
-                <a:gd name="connsiteX2" fmla="*/ 2961540 w 2961540"/>
-                <a:gd name="connsiteY2" fmla="*/ 648072 h 648072"/>
-                <a:gd name="connsiteX3" fmla="*/ 0 w 2961540"/>
-                <a:gd name="connsiteY3" fmla="*/ 648072 h 648072"/>
-                <a:gd name="connsiteX4" fmla="*/ 0 w 2961540"/>
-                <a:gd name="connsiteY4" fmla="*/ 0 h 648072"/>
-                <a:gd name="connsiteX0-1" fmla="*/ 0 w 2961540"/>
-                <a:gd name="connsiteY0-2" fmla="*/ 0 h 648072"/>
-                <a:gd name="connsiteX1-3" fmla="*/ 2605255 w 2961540"/>
-                <a:gd name="connsiteY1-4" fmla="*/ 15401 h 648072"/>
-                <a:gd name="connsiteX2-5" fmla="*/ 2961540 w 2961540"/>
-                <a:gd name="connsiteY2-6" fmla="*/ 648072 h 648072"/>
-                <a:gd name="connsiteX3-7" fmla="*/ 0 w 2961540"/>
-                <a:gd name="connsiteY3-8" fmla="*/ 648072 h 648072"/>
-                <a:gd name="connsiteX4-9" fmla="*/ 0 w 2961540"/>
-                <a:gd name="connsiteY4-10" fmla="*/ 0 h 648072"/>
-                <a:gd name="connsiteX0-11" fmla="*/ 0 w 3260319"/>
-                <a:gd name="connsiteY0-12" fmla="*/ 58505 h 632671"/>
-                <a:gd name="connsiteX1-13" fmla="*/ 2904034 w 3260319"/>
-                <a:gd name="connsiteY1-14" fmla="*/ 0 h 632671"/>
-                <a:gd name="connsiteX2-15" fmla="*/ 3260319 w 3260319"/>
-                <a:gd name="connsiteY2-16" fmla="*/ 632671 h 632671"/>
-                <a:gd name="connsiteX3-17" fmla="*/ 298779 w 3260319"/>
-                <a:gd name="connsiteY3-18" fmla="*/ 632671 h 632671"/>
-                <a:gd name="connsiteX4-19" fmla="*/ 0 w 3260319"/>
-                <a:gd name="connsiteY4-20" fmla="*/ 58505 h 632671"/>
-                <a:gd name="connsiteX0-21" fmla="*/ 0 w 3277939"/>
-                <a:gd name="connsiteY0-22" fmla="*/ 46540 h 632671"/>
-                <a:gd name="connsiteX1-23" fmla="*/ 2921654 w 3277939"/>
-                <a:gd name="connsiteY1-24" fmla="*/ 0 h 632671"/>
-                <a:gd name="connsiteX2-25" fmla="*/ 3277939 w 3277939"/>
-                <a:gd name="connsiteY2-26" fmla="*/ 632671 h 632671"/>
-                <a:gd name="connsiteX3-27" fmla="*/ 316399 w 3277939"/>
-                <a:gd name="connsiteY3-28" fmla="*/ 632671 h 632671"/>
-                <a:gd name="connsiteX4-29" fmla="*/ 0 w 3277939"/>
-                <a:gd name="connsiteY4-30" fmla="*/ 46540 h 632671"/>
-              </a:gdLst>
-              <a:ahLst/>
-              <a:cxnLst>
-                <a:cxn ang="0">
-                  <a:pos x="connsiteX0-1" y="connsiteY0-2"/>
-                </a:cxn>
-                <a:cxn ang="0">
-                  <a:pos x="connsiteX1-3" y="connsiteY1-4"/>
-                </a:cxn>
-                <a:cxn ang="0">
-                  <a:pos x="connsiteX2-5" y="connsiteY2-6"/>
-                </a:cxn>
-                <a:cxn ang="0">
-                  <a:pos x="connsiteX3-7" y="connsiteY3-8"/>
-                </a:cxn>
-                <a:cxn ang="0">
-                  <a:pos x="connsiteX4-9" y="connsiteY4-10"/>
-                </a:cxn>
-              </a:cxnLst>
-              <a:rect l="l" t="t" r="r" b="b"/>
-              <a:pathLst>
-                <a:path w="3277939" h="632671">
-                  <a:moveTo>
-                    <a:pt x="0" y="46540"/>
-                  </a:moveTo>
-                  <a:lnTo>
-                    <a:pt x="2921654" y="0"/>
-                  </a:lnTo>
-                  <a:lnTo>
-                    <a:pt x="3277939" y="632671"/>
-                  </a:lnTo>
-                  <a:lnTo>
-                    <a:pt x="316399" y="632671"/>
-                  </a:lnTo>
-                  <a:lnTo>
-                    <a:pt x="0" y="46540"/>
-                  </a:lnTo>
-                  <a:close/>
-                </a:path>
-              </a:pathLst>
-            </a:custGeom>
-            <a:solidFill>
-              <a:schemeClr val="accent1"/>
-            </a:solidFill>
-            <a:ln>
-              <a:noFill/>
-            </a:ln>
-          </p:spPr>
-          <p:style>
-            <a:lnRef idx="2">
-              <a:schemeClr val="accent1">
-                <a:shade val="50000"/>
-              </a:schemeClr>
-            </a:lnRef>
-            <a:fillRef idx="1">
-              <a:schemeClr val="accent1"/>
-            </a:fillRef>
-            <a:effectRef idx="0">
-              <a:schemeClr val="accent1"/>
-            </a:effectRef>
-            <a:fontRef idx="minor">
-              <a:schemeClr val="lt1"/>
-            </a:fontRef>
-          </p:style>
-          <p:txBody>
-            <a:bodyPr anchor="ctr"/>
-            <a:lstStyle/>
-            <a:p>
-              <a:pPr algn="ctr">
-                <a:defRPr/>
-              </a:pPr>
-              <a:endParaRPr lang="ko-KR" altLang="en-US"/>
-            </a:p>
-          </p:txBody>
-        </p:sp>
-        <p:sp>
-          <p:nvSpPr>
-            <p:cNvPr id="19" name="자유형 19"/>
-            <p:cNvSpPr/>
-            <p:nvPr/>
-          </p:nvSpPr>
-          <p:spPr bwMode="auto">
-            <a:xfrm rot="19844698" flipH="1">
-              <a:off x="4972050" y="4074183"/>
-              <a:ext cx="2247900" cy="439737"/>
-            </a:xfrm>
-            <a:custGeom>
-              <a:avLst/>
-              <a:gdLst>
-                <a:gd name="connsiteX0" fmla="*/ 0 w 2961540"/>
-                <a:gd name="connsiteY0" fmla="*/ 0 h 648072"/>
-                <a:gd name="connsiteX1" fmla="*/ 2961540 w 2961540"/>
-                <a:gd name="connsiteY1" fmla="*/ 0 h 648072"/>
-                <a:gd name="connsiteX2" fmla="*/ 2961540 w 2961540"/>
-                <a:gd name="connsiteY2" fmla="*/ 648072 h 648072"/>
-                <a:gd name="connsiteX3" fmla="*/ 0 w 2961540"/>
-                <a:gd name="connsiteY3" fmla="*/ 648072 h 648072"/>
-                <a:gd name="connsiteX4" fmla="*/ 0 w 2961540"/>
-                <a:gd name="connsiteY4" fmla="*/ 0 h 648072"/>
-                <a:gd name="connsiteX0-1" fmla="*/ 0 w 2961540"/>
-                <a:gd name="connsiteY0-2" fmla="*/ 0 h 648072"/>
-                <a:gd name="connsiteX1-3" fmla="*/ 2961540 w 2961540"/>
-                <a:gd name="connsiteY1-4" fmla="*/ 0 h 648072"/>
-                <a:gd name="connsiteX2-5" fmla="*/ 2961540 w 2961540"/>
-                <a:gd name="connsiteY2-6" fmla="*/ 648072 h 648072"/>
-                <a:gd name="connsiteX3-7" fmla="*/ 383001 w 2961540"/>
-                <a:gd name="connsiteY3-8" fmla="*/ 645803 h 648072"/>
-                <a:gd name="connsiteX4-9" fmla="*/ 0 w 2961540"/>
-                <a:gd name="connsiteY4-10" fmla="*/ 0 h 648072"/>
-                <a:gd name="connsiteX0-11" fmla="*/ 0 w 3311251"/>
-                <a:gd name="connsiteY0-12" fmla="*/ 0 h 648698"/>
-                <a:gd name="connsiteX1-13" fmla="*/ 2961540 w 3311251"/>
-                <a:gd name="connsiteY1-14" fmla="*/ 0 h 648698"/>
-                <a:gd name="connsiteX2-15" fmla="*/ 3311251 w 3311251"/>
-                <a:gd name="connsiteY2-16" fmla="*/ 648698 h 648698"/>
-                <a:gd name="connsiteX3-17" fmla="*/ 383001 w 3311251"/>
-                <a:gd name="connsiteY3-18" fmla="*/ 645803 h 648698"/>
-                <a:gd name="connsiteX4-19" fmla="*/ 0 w 3311251"/>
-                <a:gd name="connsiteY4-20" fmla="*/ 0 h 648698"/>
-              </a:gdLst>
-              <a:ahLst/>
-              <a:cxnLst>
-                <a:cxn ang="0">
-                  <a:pos x="connsiteX0-1" y="connsiteY0-2"/>
-                </a:cxn>
-                <a:cxn ang="0">
-                  <a:pos x="connsiteX1-3" y="connsiteY1-4"/>
-                </a:cxn>
-                <a:cxn ang="0">
-                  <a:pos x="connsiteX2-5" y="connsiteY2-6"/>
-                </a:cxn>
-                <a:cxn ang="0">
-                  <a:pos x="connsiteX3-7" y="connsiteY3-8"/>
-                </a:cxn>
-                <a:cxn ang="0">
-                  <a:pos x="connsiteX4-9" y="connsiteY4-10"/>
-                </a:cxn>
-              </a:cxnLst>
-              <a:rect l="l" t="t" r="r" b="b"/>
-              <a:pathLst>
-                <a:path w="3311251" h="648698">
-                  <a:moveTo>
-                    <a:pt x="0" y="0"/>
-                  </a:moveTo>
-                  <a:lnTo>
-                    <a:pt x="2961540" y="0"/>
-                  </a:lnTo>
-                  <a:lnTo>
-                    <a:pt x="3311251" y="648698"/>
-                  </a:lnTo>
-                  <a:lnTo>
-                    <a:pt x="383001" y="645803"/>
-                  </a:lnTo>
-                  <a:lnTo>
-                    <a:pt x="0" y="0"/>
-                  </a:lnTo>
-                  <a:close/>
-                </a:path>
-              </a:pathLst>
-            </a:custGeom>
-            <a:solidFill>
-              <a:schemeClr val="accent1">
-                <a:lumMod val="40000"/>
-                <a:lumOff val="60000"/>
-              </a:schemeClr>
-            </a:solidFill>
-            <a:ln>
-              <a:noFill/>
-            </a:ln>
-          </p:spPr>
-          <p:style>
-            <a:lnRef idx="2">
-              <a:schemeClr val="accent1">
-                <a:shade val="50000"/>
-              </a:schemeClr>
-            </a:lnRef>
-            <a:fillRef idx="1">
-              <a:schemeClr val="accent1"/>
-            </a:fillRef>
-            <a:effectRef idx="0">
-              <a:schemeClr val="accent1"/>
-            </a:effectRef>
-            <a:fontRef idx="minor">
-              <a:schemeClr val="lt1"/>
-            </a:fontRef>
-          </p:style>
-          <p:txBody>
-            <a:bodyPr anchor="ctr"/>
-            <a:lstStyle/>
-            <a:p>
-              <a:pPr algn="ctr">
-                <a:defRPr/>
-              </a:pPr>
-              <a:endParaRPr lang="ko-KR" altLang="en-US" dirty="0"/>
-            </a:p>
-          </p:txBody>
-        </p:sp>
-      </p:grpSp>
-      <p:sp>
-        <p:nvSpPr>
-          <p:cNvPr id="20" name="矩形: 圆角 19"/>
-          <p:cNvSpPr/>
-          <p:nvPr/>
-        </p:nvSpPr>
-        <p:spPr>
-          <a:xfrm>
-            <a:off x="1510019" y="5602404"/>
-            <a:ext cx="1208015" cy="107355"/>
-          </a:xfrm>
-          <a:prstGeom prst="roundRect">
-            <a:avLst>
-              <a:gd name="adj" fmla="val 50000"/>
-            </a:avLst>
-          </a:prstGeom>
-          <a:solidFill>
-            <a:schemeClr val="tx1"/>
-          </a:solidFill>
-          <a:ln>
-            <a:noFill/>
-          </a:ln>
-          <a:effectLst>
-            <a:outerShdw blurRad="50800" dist="38100" dir="5400000" algn="t" rotWithShape="0">
-              <a:prstClr val="black">
-                <a:alpha val="40000"/>
-              </a:prstClr>
-            </a:outerShdw>
-          </a:effectLst>
-        </p:spPr>
-        <p:style>
-          <a:lnRef idx="2">
-            <a:schemeClr val="accent1">
-              <a:shade val="50000"/>
-            </a:schemeClr>
-          </a:lnRef>
-          <a:fillRef idx="1">
-            <a:schemeClr val="accent1"/>
-          </a:fillRef>
-          <a:effectRef idx="0">
-            <a:schemeClr val="accent1"/>
-          </a:effectRef>
-          <a:fontRef idx="minor">
-            <a:schemeClr val="lt1"/>
-          </a:fontRef>
-        </p:style>
-        <p:txBody>
-          <a:bodyPr rtlCol="0" anchor="ctr"/>
-          <a:lstStyle/>
-          <a:p>
-            <a:pPr algn="ctr"/>
-            <a:endParaRPr lang="zh-CN" altLang="en-US"/>
-          </a:p>
-        </p:txBody>
-      </p:sp>
-      <p:sp>
-        <p:nvSpPr>
-          <p:cNvPr id="21" name="矩形 20"/>
-          <p:cNvSpPr/>
-          <p:nvPr/>
-        </p:nvSpPr>
-        <p:spPr>
-          <a:xfrm>
-            <a:off x="358140" y="1219835"/>
-            <a:ext cx="3532505" cy="3822065"/>
-          </a:xfrm>
-          <a:prstGeom prst="rect">
-            <a:avLst/>
-          </a:prstGeom>
-          <a:noFill/>
-          <a:ln>
-            <a:noFill/>
-          </a:ln>
-        </p:spPr>
-        <p:style>
-          <a:lnRef idx="2">
-            <a:schemeClr val="accent1">
-              <a:shade val="50000"/>
-            </a:schemeClr>
-          </a:lnRef>
-          <a:fillRef idx="1">
-            <a:schemeClr val="accent1"/>
-          </a:fillRef>
-          <a:effectRef idx="0">
-            <a:schemeClr val="accent1"/>
-          </a:effectRef>
-          <a:fontRef idx="minor">
-            <a:schemeClr val="lt1"/>
-          </a:fontRef>
-        </p:style>
-        <p:txBody>
-          <a:bodyPr rtlCol="0" anchor="ctr">
-            <a:noAutofit/>
-          </a:bodyPr>
-          <a:lstStyle/>
-          <a:p>
-            <a:pPr algn="ctr">
-              <a:lnSpc>
-                <a:spcPct val="150000"/>
-              </a:lnSpc>
-            </a:pPr>
-            <a:r>
-              <a:rPr lang="zh-CN" sz="2000" dirty="0" smtClean="0">
-                <a:solidFill>
-                  <a:schemeClr val="tx1"/>
-                </a:solidFill>
-                <a:ea typeface="幼圆" panose="02010509060101010101" pitchFamily="49" charset="-122"/>
-              </a:rPr>
-              <a:t>物理视图（</a:t>
-            </a:r>
-            <a:r>
-              <a:rPr lang="en-US" altLang="zh-CN" sz="2000" dirty="0" smtClean="0">
-                <a:solidFill>
-                  <a:schemeClr val="tx1"/>
-                </a:solidFill>
-                <a:ea typeface="幼圆" panose="02010509060101010101" pitchFamily="49" charset="-122"/>
-              </a:rPr>
-              <a:t>Physic View</a:t>
-            </a:r>
-            <a:r>
-              <a:rPr lang="zh-CN" altLang="en-US" sz="2000" dirty="0" smtClean="0">
-                <a:solidFill>
-                  <a:schemeClr val="tx1"/>
-                </a:solidFill>
-                <a:ea typeface="幼圆" panose="02010509060101010101" pitchFamily="49" charset="-122"/>
-              </a:rPr>
-              <a:t>）</a:t>
-            </a:r>
-            <a:endParaRPr lang="zh-CN" altLang="en-US" sz="2000" dirty="0" smtClean="0">
-              <a:solidFill>
-                <a:schemeClr val="tx1"/>
-              </a:solidFill>
-              <a:ea typeface="幼圆" panose="02010509060101010101" pitchFamily="49" charset="-122"/>
-            </a:endParaRPr>
-          </a:p>
-        </p:txBody>
-      </p:sp>
       <p:sp>
         <p:nvSpPr>
           <p:cNvPr id="41" name="矩形 40"/>
@@ -6736,7 +6121,7 @@
         </p:nvSpPr>
         <p:spPr>
           <a:xfrm>
-            <a:off x="4291711" y="1434517"/>
+            <a:off x="2664841" y="1468172"/>
             <a:ext cx="3954667" cy="3867325"/>
           </a:xfrm>
           <a:prstGeom prst="rect">
@@ -6821,7 +6206,7 @@
         </p:nvSpPr>
         <p:spPr>
           <a:xfrm>
-            <a:off x="8342949" y="1672636"/>
+            <a:off x="7599364" y="1672636"/>
             <a:ext cx="3491132" cy="3662761"/>
           </a:xfrm>
           <a:prstGeom prst="rect">
@@ -6911,7 +6296,7 @@
         </p:nvGrpSpPr>
         <p:grpSpPr>
           <a:xfrm rot="5400000">
-            <a:off x="5863211" y="5832139"/>
+            <a:off x="4204591" y="5775624"/>
             <a:ext cx="868566" cy="713377"/>
             <a:chOff x="4972050" y="2667658"/>
             <a:chExt cx="2247900" cy="1846262"/>
@@ -7460,7 +6845,7 @@
         </p:nvSpPr>
         <p:spPr>
           <a:xfrm>
-            <a:off x="5697526" y="5661126"/>
+            <a:off x="4038906" y="5604611"/>
             <a:ext cx="1208015" cy="107355"/>
           </a:xfrm>
           <a:prstGeom prst="roundRect">
@@ -7515,7 +6900,7 @@
         </p:nvGrpSpPr>
         <p:grpSpPr>
           <a:xfrm rot="5400000">
-            <a:off x="9806037" y="5781804"/>
+            <a:off x="9015462" y="5769104"/>
             <a:ext cx="868566" cy="713377"/>
             <a:chOff x="4972050" y="2667658"/>
             <a:chExt cx="2247900" cy="1846262"/>
@@ -8064,7 +7449,7 @@
         </p:nvSpPr>
         <p:spPr>
           <a:xfrm>
-            <a:off x="9640352" y="5610791"/>
+            <a:off x="8849777" y="5598091"/>
             <a:ext cx="1208015" cy="107355"/>
           </a:xfrm>
           <a:prstGeom prst="roundRect">
@@ -8127,7 +7512,7 @@
         </p:blipFill>
         <p:spPr>
           <a:xfrm>
-            <a:off x="2717800" y="1739900"/>
+            <a:off x="948690" y="2010410"/>
             <a:ext cx="6192520" cy="2782570"/>
           </a:xfrm>
           <a:prstGeom prst="rect">
@@ -8328,14 +7713,14 @@
           <a:p>
             <a:pPr algn="ctr"/>
             <a:r>
-              <a:rPr lang="en-US" altLang="zh-CN" sz="6000" dirty="0" smtClean="0">
+              <a:rPr lang="en-US" altLang="zh-CN" sz="6000" dirty="0">
                 <a:solidFill>
                   <a:schemeClr val="tx1"/>
                 </a:solidFill>
               </a:rPr>
-              <a:t>05</a:t>
+              <a:t>6</a:t>
             </a:r>
-            <a:endParaRPr lang="zh-CN" altLang="en-US" sz="6000" dirty="0">
+            <a:endParaRPr lang="en-US" altLang="zh-CN" sz="6000" dirty="0">
               <a:solidFill>
                 <a:schemeClr val="tx1"/>
               </a:solidFill>
@@ -8430,610 +7815,6 @@
           </a:p>
         </p:txBody>
       </p:sp>
-      <p:grpSp>
-        <p:nvGrpSpPr>
-          <p:cNvPr id="15" name="组合 14"/>
-          <p:cNvGrpSpPr/>
-          <p:nvPr/>
-        </p:nvGrpSpPr>
-        <p:grpSpPr>
-          <a:xfrm rot="5400000">
-            <a:off x="1675704" y="5773417"/>
-            <a:ext cx="868566" cy="713377"/>
-            <a:chOff x="4972050" y="2667658"/>
-            <a:chExt cx="2247900" cy="1846262"/>
-          </a:xfrm>
-        </p:grpSpPr>
-        <p:sp>
-          <p:nvSpPr>
-            <p:cNvPr id="16" name="자유형 24"/>
-            <p:cNvSpPr/>
-            <p:nvPr/>
-          </p:nvSpPr>
-          <p:spPr bwMode="auto">
-            <a:xfrm rot="19844698" flipH="1">
-              <a:off x="4978400" y="3628095"/>
-              <a:ext cx="2014537" cy="469900"/>
-            </a:xfrm>
-            <a:custGeom>
-              <a:avLst/>
-              <a:gdLst>
-                <a:gd name="connsiteX0" fmla="*/ 0 w 2961540"/>
-                <a:gd name="connsiteY0" fmla="*/ 0 h 648072"/>
-                <a:gd name="connsiteX1" fmla="*/ 2961540 w 2961540"/>
-                <a:gd name="connsiteY1" fmla="*/ 0 h 648072"/>
-                <a:gd name="connsiteX2" fmla="*/ 2961540 w 2961540"/>
-                <a:gd name="connsiteY2" fmla="*/ 648072 h 648072"/>
-                <a:gd name="connsiteX3" fmla="*/ 0 w 2961540"/>
-                <a:gd name="connsiteY3" fmla="*/ 648072 h 648072"/>
-                <a:gd name="connsiteX4" fmla="*/ 0 w 2961540"/>
-                <a:gd name="connsiteY4" fmla="*/ 0 h 648072"/>
-                <a:gd name="connsiteX0-1" fmla="*/ 203047 w 3164587"/>
-                <a:gd name="connsiteY0-2" fmla="*/ 0 h 650470"/>
-                <a:gd name="connsiteX1-3" fmla="*/ 3164587 w 3164587"/>
-                <a:gd name="connsiteY1-4" fmla="*/ 0 h 650470"/>
-                <a:gd name="connsiteX2-5" fmla="*/ 3164587 w 3164587"/>
-                <a:gd name="connsiteY2-6" fmla="*/ 648072 h 650470"/>
-                <a:gd name="connsiteX3-7" fmla="*/ 0 w 3164587"/>
-                <a:gd name="connsiteY3-8" fmla="*/ 650470 h 650470"/>
-                <a:gd name="connsiteX4-9" fmla="*/ 203047 w 3164587"/>
-                <a:gd name="connsiteY4-10" fmla="*/ 0 h 650470"/>
-                <a:gd name="connsiteX0-11" fmla="*/ 407488 w 3164587"/>
-                <a:gd name="connsiteY0-12" fmla="*/ 0 h 655811"/>
-                <a:gd name="connsiteX1-13" fmla="*/ 3164587 w 3164587"/>
-                <a:gd name="connsiteY1-14" fmla="*/ 5341 h 655811"/>
-                <a:gd name="connsiteX2-15" fmla="*/ 3164587 w 3164587"/>
-                <a:gd name="connsiteY2-16" fmla="*/ 653413 h 655811"/>
-                <a:gd name="connsiteX3-17" fmla="*/ 0 w 3164587"/>
-                <a:gd name="connsiteY3-18" fmla="*/ 655811 h 655811"/>
-                <a:gd name="connsiteX4-19" fmla="*/ 407488 w 3164587"/>
-                <a:gd name="connsiteY4-20" fmla="*/ 0 h 655811"/>
-                <a:gd name="connsiteX0-21" fmla="*/ 407488 w 3164587"/>
-                <a:gd name="connsiteY0-22" fmla="*/ 0 h 655811"/>
-                <a:gd name="connsiteX1-23" fmla="*/ 2615502 w 3164587"/>
-                <a:gd name="connsiteY1-24" fmla="*/ 57122 h 655811"/>
-                <a:gd name="connsiteX2-25" fmla="*/ 3164587 w 3164587"/>
-                <a:gd name="connsiteY2-26" fmla="*/ 653413 h 655811"/>
-                <a:gd name="connsiteX3-27" fmla="*/ 0 w 3164587"/>
-                <a:gd name="connsiteY3-28" fmla="*/ 655811 h 655811"/>
-                <a:gd name="connsiteX4-29" fmla="*/ 407488 w 3164587"/>
-                <a:gd name="connsiteY4-30" fmla="*/ 0 h 655811"/>
-                <a:gd name="connsiteX0-31" fmla="*/ 407488 w 2967403"/>
-                <a:gd name="connsiteY0-32" fmla="*/ 0 h 685357"/>
-                <a:gd name="connsiteX1-33" fmla="*/ 2615502 w 2967403"/>
-                <a:gd name="connsiteY1-34" fmla="*/ 57122 h 685357"/>
-                <a:gd name="connsiteX2-35" fmla="*/ 2967403 w 2967403"/>
-                <a:gd name="connsiteY2-36" fmla="*/ 685357 h 685357"/>
-                <a:gd name="connsiteX3-37" fmla="*/ 0 w 2967403"/>
-                <a:gd name="connsiteY3-38" fmla="*/ 655811 h 685357"/>
-                <a:gd name="connsiteX4-39" fmla="*/ 407488 w 2967403"/>
-                <a:gd name="connsiteY4-40" fmla="*/ 0 h 685357"/>
-                <a:gd name="connsiteX0-41" fmla="*/ 407488 w 2967403"/>
-                <a:gd name="connsiteY0-42" fmla="*/ 0 h 685357"/>
-                <a:gd name="connsiteX1-43" fmla="*/ 2583917 w 2967403"/>
-                <a:gd name="connsiteY1-44" fmla="*/ 20227 h 685357"/>
-                <a:gd name="connsiteX2-45" fmla="*/ 2967403 w 2967403"/>
-                <a:gd name="connsiteY2-46" fmla="*/ 685357 h 685357"/>
-                <a:gd name="connsiteX3-47" fmla="*/ 0 w 2967403"/>
-                <a:gd name="connsiteY3-48" fmla="*/ 655811 h 685357"/>
-                <a:gd name="connsiteX4-49" fmla="*/ 407488 w 2967403"/>
-                <a:gd name="connsiteY4-50" fmla="*/ 0 h 685357"/>
-                <a:gd name="connsiteX0-51" fmla="*/ 407488 w 2967403"/>
-                <a:gd name="connsiteY0-52" fmla="*/ 5703 h 691060"/>
-                <a:gd name="connsiteX1-53" fmla="*/ 2591228 w 2967403"/>
-                <a:gd name="connsiteY1-54" fmla="*/ 0 h 691060"/>
-                <a:gd name="connsiteX2-55" fmla="*/ 2967403 w 2967403"/>
-                <a:gd name="connsiteY2-56" fmla="*/ 691060 h 691060"/>
-                <a:gd name="connsiteX3-57" fmla="*/ 0 w 2967403"/>
-                <a:gd name="connsiteY3-58" fmla="*/ 661514 h 691060"/>
-                <a:gd name="connsiteX4-59" fmla="*/ 407488 w 2967403"/>
-                <a:gd name="connsiteY4-60" fmla="*/ 5703 h 691060"/>
-              </a:gdLst>
-              <a:ahLst/>
-              <a:cxnLst>
-                <a:cxn ang="0">
-                  <a:pos x="connsiteX0-1" y="connsiteY0-2"/>
-                </a:cxn>
-                <a:cxn ang="0">
-                  <a:pos x="connsiteX1-3" y="connsiteY1-4"/>
-                </a:cxn>
-                <a:cxn ang="0">
-                  <a:pos x="connsiteX2-5" y="connsiteY2-6"/>
-                </a:cxn>
-                <a:cxn ang="0">
-                  <a:pos x="connsiteX3-7" y="connsiteY3-8"/>
-                </a:cxn>
-                <a:cxn ang="0">
-                  <a:pos x="connsiteX4-9" y="connsiteY4-10"/>
-                </a:cxn>
-              </a:cxnLst>
-              <a:rect l="l" t="t" r="r" b="b"/>
-              <a:pathLst>
-                <a:path w="2967403" h="691060">
-                  <a:moveTo>
-                    <a:pt x="407488" y="5703"/>
-                  </a:moveTo>
-                  <a:lnTo>
-                    <a:pt x="2591228" y="0"/>
-                  </a:lnTo>
-                  <a:lnTo>
-                    <a:pt x="2967403" y="691060"/>
-                  </a:lnTo>
-                  <a:lnTo>
-                    <a:pt x="0" y="661514"/>
-                  </a:lnTo>
-                  <a:lnTo>
-                    <a:pt x="407488" y="5703"/>
-                  </a:lnTo>
-                  <a:close/>
-                </a:path>
-              </a:pathLst>
-            </a:custGeom>
-            <a:solidFill>
-              <a:schemeClr val="accent1">
-                <a:lumMod val="60000"/>
-                <a:lumOff val="40000"/>
-              </a:schemeClr>
-            </a:solidFill>
-            <a:ln>
-              <a:noFill/>
-            </a:ln>
-          </p:spPr>
-          <p:style>
-            <a:lnRef idx="2">
-              <a:schemeClr val="accent1">
-                <a:shade val="50000"/>
-              </a:schemeClr>
-            </a:lnRef>
-            <a:fillRef idx="1">
-              <a:schemeClr val="accent1"/>
-            </a:fillRef>
-            <a:effectRef idx="0">
-              <a:schemeClr val="accent1"/>
-            </a:effectRef>
-            <a:fontRef idx="minor">
-              <a:schemeClr val="lt1"/>
-            </a:fontRef>
-          </p:style>
-          <p:txBody>
-            <a:bodyPr anchor="ctr"/>
-            <a:lstStyle/>
-            <a:p>
-              <a:pPr algn="ctr">
-                <a:defRPr/>
-              </a:pPr>
-              <a:endParaRPr lang="ko-KR" altLang="en-US"/>
-            </a:p>
-          </p:txBody>
-        </p:sp>
-        <p:sp>
-          <p:nvSpPr>
-            <p:cNvPr id="17" name="자유형 32"/>
-            <p:cNvSpPr/>
-            <p:nvPr/>
-          </p:nvSpPr>
-          <p:spPr bwMode="auto">
-            <a:xfrm rot="1755302">
-              <a:off x="5002212" y="2667658"/>
-              <a:ext cx="2212975" cy="428625"/>
-            </a:xfrm>
-            <a:custGeom>
-              <a:avLst/>
-              <a:gdLst>
-                <a:gd name="connsiteX0" fmla="*/ 0 w 2961540"/>
-                <a:gd name="connsiteY0" fmla="*/ 0 h 648072"/>
-                <a:gd name="connsiteX1" fmla="*/ 2961540 w 2961540"/>
-                <a:gd name="connsiteY1" fmla="*/ 0 h 648072"/>
-                <a:gd name="connsiteX2" fmla="*/ 2961540 w 2961540"/>
-                <a:gd name="connsiteY2" fmla="*/ 648072 h 648072"/>
-                <a:gd name="connsiteX3" fmla="*/ 0 w 2961540"/>
-                <a:gd name="connsiteY3" fmla="*/ 648072 h 648072"/>
-                <a:gd name="connsiteX4" fmla="*/ 0 w 2961540"/>
-                <a:gd name="connsiteY4" fmla="*/ 0 h 648072"/>
-                <a:gd name="connsiteX0-1" fmla="*/ 0 w 2961540"/>
-                <a:gd name="connsiteY0-2" fmla="*/ 0 h 648072"/>
-                <a:gd name="connsiteX1-3" fmla="*/ 2605255 w 2961540"/>
-                <a:gd name="connsiteY1-4" fmla="*/ 15401 h 648072"/>
-                <a:gd name="connsiteX2-5" fmla="*/ 2961540 w 2961540"/>
-                <a:gd name="connsiteY2-6" fmla="*/ 648072 h 648072"/>
-                <a:gd name="connsiteX3-7" fmla="*/ 0 w 2961540"/>
-                <a:gd name="connsiteY3-8" fmla="*/ 648072 h 648072"/>
-                <a:gd name="connsiteX4-9" fmla="*/ 0 w 2961540"/>
-                <a:gd name="connsiteY4-10" fmla="*/ 0 h 648072"/>
-                <a:gd name="connsiteX0-11" fmla="*/ 0 w 3260319"/>
-                <a:gd name="connsiteY0-12" fmla="*/ 58505 h 632671"/>
-                <a:gd name="connsiteX1-13" fmla="*/ 2904034 w 3260319"/>
-                <a:gd name="connsiteY1-14" fmla="*/ 0 h 632671"/>
-                <a:gd name="connsiteX2-15" fmla="*/ 3260319 w 3260319"/>
-                <a:gd name="connsiteY2-16" fmla="*/ 632671 h 632671"/>
-                <a:gd name="connsiteX3-17" fmla="*/ 298779 w 3260319"/>
-                <a:gd name="connsiteY3-18" fmla="*/ 632671 h 632671"/>
-                <a:gd name="connsiteX4-19" fmla="*/ 0 w 3260319"/>
-                <a:gd name="connsiteY4-20" fmla="*/ 58505 h 632671"/>
-              </a:gdLst>
-              <a:ahLst/>
-              <a:cxnLst>
-                <a:cxn ang="0">
-                  <a:pos x="connsiteX0-1" y="connsiteY0-2"/>
-                </a:cxn>
-                <a:cxn ang="0">
-                  <a:pos x="connsiteX1-3" y="connsiteY1-4"/>
-                </a:cxn>
-                <a:cxn ang="0">
-                  <a:pos x="connsiteX2-5" y="connsiteY2-6"/>
-                </a:cxn>
-                <a:cxn ang="0">
-                  <a:pos x="connsiteX3-7" y="connsiteY3-8"/>
-                </a:cxn>
-                <a:cxn ang="0">
-                  <a:pos x="connsiteX4-9" y="connsiteY4-10"/>
-                </a:cxn>
-              </a:cxnLst>
-              <a:rect l="l" t="t" r="r" b="b"/>
-              <a:pathLst>
-                <a:path w="3260319" h="632671">
-                  <a:moveTo>
-                    <a:pt x="0" y="58505"/>
-                  </a:moveTo>
-                  <a:lnTo>
-                    <a:pt x="2904034" y="0"/>
-                  </a:lnTo>
-                  <a:lnTo>
-                    <a:pt x="3260319" y="632671"/>
-                  </a:lnTo>
-                  <a:lnTo>
-                    <a:pt x="298779" y="632671"/>
-                  </a:lnTo>
-                  <a:lnTo>
-                    <a:pt x="0" y="58505"/>
-                  </a:lnTo>
-                  <a:close/>
-                </a:path>
-              </a:pathLst>
-            </a:custGeom>
-            <a:solidFill>
-              <a:schemeClr val="accent1">
-                <a:lumMod val="75000"/>
-              </a:schemeClr>
-            </a:solidFill>
-            <a:ln>
-              <a:noFill/>
-            </a:ln>
-          </p:spPr>
-          <p:style>
-            <a:lnRef idx="2">
-              <a:schemeClr val="accent1">
-                <a:shade val="50000"/>
-              </a:schemeClr>
-            </a:lnRef>
-            <a:fillRef idx="1">
-              <a:schemeClr val="accent1"/>
-            </a:fillRef>
-            <a:effectRef idx="0">
-              <a:schemeClr val="accent1"/>
-            </a:effectRef>
-            <a:fontRef idx="minor">
-              <a:schemeClr val="lt1"/>
-            </a:fontRef>
-          </p:style>
-          <p:txBody>
-            <a:bodyPr anchor="ctr"/>
-            <a:lstStyle/>
-            <a:p>
-              <a:pPr algn="ctr">
-                <a:defRPr/>
-              </a:pPr>
-              <a:endParaRPr lang="ko-KR" altLang="en-US"/>
-            </a:p>
-          </p:txBody>
-        </p:sp>
-        <p:sp>
-          <p:nvSpPr>
-            <p:cNvPr id="18" name="자유형 17"/>
-            <p:cNvSpPr/>
-            <p:nvPr/>
-          </p:nvSpPr>
-          <p:spPr bwMode="auto">
-            <a:xfrm rot="1755302">
-              <a:off x="4984750" y="3118508"/>
-              <a:ext cx="2224087" cy="428625"/>
-            </a:xfrm>
-            <a:custGeom>
-              <a:avLst/>
-              <a:gdLst>
-                <a:gd name="connsiteX0" fmla="*/ 0 w 2961540"/>
-                <a:gd name="connsiteY0" fmla="*/ 0 h 648072"/>
-                <a:gd name="connsiteX1" fmla="*/ 2961540 w 2961540"/>
-                <a:gd name="connsiteY1" fmla="*/ 0 h 648072"/>
-                <a:gd name="connsiteX2" fmla="*/ 2961540 w 2961540"/>
-                <a:gd name="connsiteY2" fmla="*/ 648072 h 648072"/>
-                <a:gd name="connsiteX3" fmla="*/ 0 w 2961540"/>
-                <a:gd name="connsiteY3" fmla="*/ 648072 h 648072"/>
-                <a:gd name="connsiteX4" fmla="*/ 0 w 2961540"/>
-                <a:gd name="connsiteY4" fmla="*/ 0 h 648072"/>
-                <a:gd name="connsiteX0-1" fmla="*/ 0 w 2961540"/>
-                <a:gd name="connsiteY0-2" fmla="*/ 0 h 648072"/>
-                <a:gd name="connsiteX1-3" fmla="*/ 2605255 w 2961540"/>
-                <a:gd name="connsiteY1-4" fmla="*/ 15401 h 648072"/>
-                <a:gd name="connsiteX2-5" fmla="*/ 2961540 w 2961540"/>
-                <a:gd name="connsiteY2-6" fmla="*/ 648072 h 648072"/>
-                <a:gd name="connsiteX3-7" fmla="*/ 0 w 2961540"/>
-                <a:gd name="connsiteY3-8" fmla="*/ 648072 h 648072"/>
-                <a:gd name="connsiteX4-9" fmla="*/ 0 w 2961540"/>
-                <a:gd name="connsiteY4-10" fmla="*/ 0 h 648072"/>
-                <a:gd name="connsiteX0-11" fmla="*/ 0 w 3260319"/>
-                <a:gd name="connsiteY0-12" fmla="*/ 58505 h 632671"/>
-                <a:gd name="connsiteX1-13" fmla="*/ 2904034 w 3260319"/>
-                <a:gd name="connsiteY1-14" fmla="*/ 0 h 632671"/>
-                <a:gd name="connsiteX2-15" fmla="*/ 3260319 w 3260319"/>
-                <a:gd name="connsiteY2-16" fmla="*/ 632671 h 632671"/>
-                <a:gd name="connsiteX3-17" fmla="*/ 298779 w 3260319"/>
-                <a:gd name="connsiteY3-18" fmla="*/ 632671 h 632671"/>
-                <a:gd name="connsiteX4-19" fmla="*/ 0 w 3260319"/>
-                <a:gd name="connsiteY4-20" fmla="*/ 58505 h 632671"/>
-                <a:gd name="connsiteX0-21" fmla="*/ 0 w 3277939"/>
-                <a:gd name="connsiteY0-22" fmla="*/ 46540 h 632671"/>
-                <a:gd name="connsiteX1-23" fmla="*/ 2921654 w 3277939"/>
-                <a:gd name="connsiteY1-24" fmla="*/ 0 h 632671"/>
-                <a:gd name="connsiteX2-25" fmla="*/ 3277939 w 3277939"/>
-                <a:gd name="connsiteY2-26" fmla="*/ 632671 h 632671"/>
-                <a:gd name="connsiteX3-27" fmla="*/ 316399 w 3277939"/>
-                <a:gd name="connsiteY3-28" fmla="*/ 632671 h 632671"/>
-                <a:gd name="connsiteX4-29" fmla="*/ 0 w 3277939"/>
-                <a:gd name="connsiteY4-30" fmla="*/ 46540 h 632671"/>
-              </a:gdLst>
-              <a:ahLst/>
-              <a:cxnLst>
-                <a:cxn ang="0">
-                  <a:pos x="connsiteX0-1" y="connsiteY0-2"/>
-                </a:cxn>
-                <a:cxn ang="0">
-                  <a:pos x="connsiteX1-3" y="connsiteY1-4"/>
-                </a:cxn>
-                <a:cxn ang="0">
-                  <a:pos x="connsiteX2-5" y="connsiteY2-6"/>
-                </a:cxn>
-                <a:cxn ang="0">
-                  <a:pos x="connsiteX3-7" y="connsiteY3-8"/>
-                </a:cxn>
-                <a:cxn ang="0">
-                  <a:pos x="connsiteX4-9" y="connsiteY4-10"/>
-                </a:cxn>
-              </a:cxnLst>
-              <a:rect l="l" t="t" r="r" b="b"/>
-              <a:pathLst>
-                <a:path w="3277939" h="632671">
-                  <a:moveTo>
-                    <a:pt x="0" y="46540"/>
-                  </a:moveTo>
-                  <a:lnTo>
-                    <a:pt x="2921654" y="0"/>
-                  </a:lnTo>
-                  <a:lnTo>
-                    <a:pt x="3277939" y="632671"/>
-                  </a:lnTo>
-                  <a:lnTo>
-                    <a:pt x="316399" y="632671"/>
-                  </a:lnTo>
-                  <a:lnTo>
-                    <a:pt x="0" y="46540"/>
-                  </a:lnTo>
-                  <a:close/>
-                </a:path>
-              </a:pathLst>
-            </a:custGeom>
-            <a:solidFill>
-              <a:schemeClr val="accent1"/>
-            </a:solidFill>
-            <a:ln>
-              <a:noFill/>
-            </a:ln>
-          </p:spPr>
-          <p:style>
-            <a:lnRef idx="2">
-              <a:schemeClr val="accent1">
-                <a:shade val="50000"/>
-              </a:schemeClr>
-            </a:lnRef>
-            <a:fillRef idx="1">
-              <a:schemeClr val="accent1"/>
-            </a:fillRef>
-            <a:effectRef idx="0">
-              <a:schemeClr val="accent1"/>
-            </a:effectRef>
-            <a:fontRef idx="minor">
-              <a:schemeClr val="lt1"/>
-            </a:fontRef>
-          </p:style>
-          <p:txBody>
-            <a:bodyPr anchor="ctr"/>
-            <a:lstStyle/>
-            <a:p>
-              <a:pPr algn="ctr">
-                <a:defRPr/>
-              </a:pPr>
-              <a:endParaRPr lang="ko-KR" altLang="en-US"/>
-            </a:p>
-          </p:txBody>
-        </p:sp>
-        <p:sp>
-          <p:nvSpPr>
-            <p:cNvPr id="19" name="자유형 19"/>
-            <p:cNvSpPr/>
-            <p:nvPr/>
-          </p:nvSpPr>
-          <p:spPr bwMode="auto">
-            <a:xfrm rot="19844698" flipH="1">
-              <a:off x="4972050" y="4074183"/>
-              <a:ext cx="2247900" cy="439737"/>
-            </a:xfrm>
-            <a:custGeom>
-              <a:avLst/>
-              <a:gdLst>
-                <a:gd name="connsiteX0" fmla="*/ 0 w 2961540"/>
-                <a:gd name="connsiteY0" fmla="*/ 0 h 648072"/>
-                <a:gd name="connsiteX1" fmla="*/ 2961540 w 2961540"/>
-                <a:gd name="connsiteY1" fmla="*/ 0 h 648072"/>
-                <a:gd name="connsiteX2" fmla="*/ 2961540 w 2961540"/>
-                <a:gd name="connsiteY2" fmla="*/ 648072 h 648072"/>
-                <a:gd name="connsiteX3" fmla="*/ 0 w 2961540"/>
-                <a:gd name="connsiteY3" fmla="*/ 648072 h 648072"/>
-                <a:gd name="connsiteX4" fmla="*/ 0 w 2961540"/>
-                <a:gd name="connsiteY4" fmla="*/ 0 h 648072"/>
-                <a:gd name="connsiteX0-1" fmla="*/ 0 w 2961540"/>
-                <a:gd name="connsiteY0-2" fmla="*/ 0 h 648072"/>
-                <a:gd name="connsiteX1-3" fmla="*/ 2961540 w 2961540"/>
-                <a:gd name="connsiteY1-4" fmla="*/ 0 h 648072"/>
-                <a:gd name="connsiteX2-5" fmla="*/ 2961540 w 2961540"/>
-                <a:gd name="connsiteY2-6" fmla="*/ 648072 h 648072"/>
-                <a:gd name="connsiteX3-7" fmla="*/ 383001 w 2961540"/>
-                <a:gd name="connsiteY3-8" fmla="*/ 645803 h 648072"/>
-                <a:gd name="connsiteX4-9" fmla="*/ 0 w 2961540"/>
-                <a:gd name="connsiteY4-10" fmla="*/ 0 h 648072"/>
-                <a:gd name="connsiteX0-11" fmla="*/ 0 w 3311251"/>
-                <a:gd name="connsiteY0-12" fmla="*/ 0 h 648698"/>
-                <a:gd name="connsiteX1-13" fmla="*/ 2961540 w 3311251"/>
-                <a:gd name="connsiteY1-14" fmla="*/ 0 h 648698"/>
-                <a:gd name="connsiteX2-15" fmla="*/ 3311251 w 3311251"/>
-                <a:gd name="connsiteY2-16" fmla="*/ 648698 h 648698"/>
-                <a:gd name="connsiteX3-17" fmla="*/ 383001 w 3311251"/>
-                <a:gd name="connsiteY3-18" fmla="*/ 645803 h 648698"/>
-                <a:gd name="connsiteX4-19" fmla="*/ 0 w 3311251"/>
-                <a:gd name="connsiteY4-20" fmla="*/ 0 h 648698"/>
-              </a:gdLst>
-              <a:ahLst/>
-              <a:cxnLst>
-                <a:cxn ang="0">
-                  <a:pos x="connsiteX0-1" y="connsiteY0-2"/>
-                </a:cxn>
-                <a:cxn ang="0">
-                  <a:pos x="connsiteX1-3" y="connsiteY1-4"/>
-                </a:cxn>
-                <a:cxn ang="0">
-                  <a:pos x="connsiteX2-5" y="connsiteY2-6"/>
-                </a:cxn>
-                <a:cxn ang="0">
-                  <a:pos x="connsiteX3-7" y="connsiteY3-8"/>
-                </a:cxn>
-                <a:cxn ang="0">
-                  <a:pos x="connsiteX4-9" y="connsiteY4-10"/>
-                </a:cxn>
-              </a:cxnLst>
-              <a:rect l="l" t="t" r="r" b="b"/>
-              <a:pathLst>
-                <a:path w="3311251" h="648698">
-                  <a:moveTo>
-                    <a:pt x="0" y="0"/>
-                  </a:moveTo>
-                  <a:lnTo>
-                    <a:pt x="2961540" y="0"/>
-                  </a:lnTo>
-                  <a:lnTo>
-                    <a:pt x="3311251" y="648698"/>
-                  </a:lnTo>
-                  <a:lnTo>
-                    <a:pt x="383001" y="645803"/>
-                  </a:lnTo>
-                  <a:lnTo>
-                    <a:pt x="0" y="0"/>
-                  </a:lnTo>
-                  <a:close/>
-                </a:path>
-              </a:pathLst>
-            </a:custGeom>
-            <a:solidFill>
-              <a:schemeClr val="accent1">
-                <a:lumMod val="40000"/>
-                <a:lumOff val="60000"/>
-              </a:schemeClr>
-            </a:solidFill>
-            <a:ln>
-              <a:noFill/>
-            </a:ln>
-          </p:spPr>
-          <p:style>
-            <a:lnRef idx="2">
-              <a:schemeClr val="accent1">
-                <a:shade val="50000"/>
-              </a:schemeClr>
-            </a:lnRef>
-            <a:fillRef idx="1">
-              <a:schemeClr val="accent1"/>
-            </a:fillRef>
-            <a:effectRef idx="0">
-              <a:schemeClr val="accent1"/>
-            </a:effectRef>
-            <a:fontRef idx="minor">
-              <a:schemeClr val="lt1"/>
-            </a:fontRef>
-          </p:style>
-          <p:txBody>
-            <a:bodyPr anchor="ctr"/>
-            <a:lstStyle/>
-            <a:p>
-              <a:pPr algn="ctr">
-                <a:defRPr/>
-              </a:pPr>
-              <a:endParaRPr lang="ko-KR" altLang="en-US" dirty="0"/>
-            </a:p>
-          </p:txBody>
-        </p:sp>
-      </p:grpSp>
-      <p:sp>
-        <p:nvSpPr>
-          <p:cNvPr id="20" name="矩形: 圆角 19"/>
-          <p:cNvSpPr/>
-          <p:nvPr/>
-        </p:nvSpPr>
-        <p:spPr>
-          <a:xfrm>
-            <a:off x="1510019" y="5602404"/>
-            <a:ext cx="1208015" cy="107355"/>
-          </a:xfrm>
-          <a:prstGeom prst="roundRect">
-            <a:avLst>
-              <a:gd name="adj" fmla="val 50000"/>
-            </a:avLst>
-          </a:prstGeom>
-          <a:solidFill>
-            <a:schemeClr val="tx1"/>
-          </a:solidFill>
-          <a:ln>
-            <a:noFill/>
-          </a:ln>
-          <a:effectLst>
-            <a:outerShdw blurRad="50800" dist="38100" dir="5400000" algn="t" rotWithShape="0">
-              <a:prstClr val="black">
-                <a:alpha val="40000"/>
-              </a:prstClr>
-            </a:outerShdw>
-          </a:effectLst>
-        </p:spPr>
-        <p:style>
-          <a:lnRef idx="2">
-            <a:schemeClr val="accent1">
-              <a:shade val="50000"/>
-            </a:schemeClr>
-          </a:lnRef>
-          <a:fillRef idx="1">
-            <a:schemeClr val="accent1"/>
-          </a:fillRef>
-          <a:effectRef idx="0">
-            <a:schemeClr val="accent1"/>
-          </a:effectRef>
-          <a:fontRef idx="minor">
-            <a:schemeClr val="lt1"/>
-          </a:fontRef>
-        </p:style>
-        <p:txBody>
-          <a:bodyPr rtlCol="0" anchor="ctr"/>
-          <a:lstStyle/>
-          <a:p>
-            <a:pPr algn="ctr"/>
-            <a:endParaRPr lang="zh-CN" altLang="en-US"/>
-          </a:p>
-        </p:txBody>
-      </p:sp>
       <p:sp>
         <p:nvSpPr>
           <p:cNvPr id="21" name="矩形 20"/>
@@ -9087,7 +7868,7 @@
                 </a:solidFill>
                 <a:ea typeface="幼圆" panose="02010509060101010101" pitchFamily="49" charset="-122"/>
               </a:rPr>
-              <a:t> 场景(Scenarios) </a:t>
+              <a:t> </a:t>
             </a:r>
             <a:endParaRPr sz="2000" dirty="0" smtClean="0">
               <a:solidFill>
@@ -9106,7 +7887,7 @@
         </p:nvSpPr>
         <p:spPr>
           <a:xfrm>
-            <a:off x="4291711" y="1434517"/>
+            <a:off x="1294511" y="1468172"/>
             <a:ext cx="3954667" cy="3867325"/>
           </a:xfrm>
           <a:prstGeom prst="rect">
@@ -9152,7 +7933,7 @@
                 <a:ea typeface="幼圆" panose="02010509060101010101" pitchFamily="49" charset="-122"/>
                 <a:sym typeface="+mn-ea"/>
               </a:rPr>
-              <a:t>场景用于刻画构件之间的相互关系，将四个视图有机地联系起来。</a:t>
+              <a:t>场景用于刻画构件之间的相互关系，将四个视图有机地联系起来</a:t>
             </a:r>
             <a:endParaRPr sz="2000" dirty="0" smtClean="0">
               <a:solidFill>
@@ -9172,7 +7953,7 @@
         </p:nvSpPr>
         <p:spPr>
           <a:xfrm>
-            <a:off x="8342949" y="1672636"/>
+            <a:off x="7248844" y="1672636"/>
             <a:ext cx="3491132" cy="3662761"/>
           </a:xfrm>
           <a:prstGeom prst="rect">
@@ -9264,7 +8045,7 @@
         </p:nvGrpSpPr>
         <p:grpSpPr>
           <a:xfrm rot="5400000">
-            <a:off x="5863211" y="5832139"/>
+            <a:off x="2737741" y="5565439"/>
             <a:ext cx="868566" cy="713377"/>
             <a:chOff x="4972050" y="2667658"/>
             <a:chExt cx="2247900" cy="1846262"/>
@@ -9813,7 +8594,7 @@
         </p:nvSpPr>
         <p:spPr>
           <a:xfrm>
-            <a:off x="5697526" y="5661126"/>
+            <a:off x="2572056" y="5394426"/>
             <a:ext cx="1208015" cy="107355"/>
           </a:xfrm>
           <a:prstGeom prst="roundRect">
@@ -9868,7 +8649,7 @@
         </p:nvGrpSpPr>
         <p:grpSpPr>
           <a:xfrm rot="5400000">
-            <a:off x="9806037" y="5781804"/>
+            <a:off x="8739872" y="5837049"/>
             <a:ext cx="868566" cy="713377"/>
             <a:chOff x="4972050" y="2667658"/>
             <a:chExt cx="2247900" cy="1846262"/>
@@ -10417,7 +9198,7 @@
         </p:nvSpPr>
         <p:spPr>
           <a:xfrm>
-            <a:off x="9640352" y="5610791"/>
+            <a:off x="8546247" y="5610791"/>
             <a:ext cx="1208015" cy="107355"/>
           </a:xfrm>
           <a:prstGeom prst="roundRect">
@@ -10601,7 +9382,8 @@
                 <a:solidFill>
                   <a:schemeClr val="tx1"/>
                 </a:solidFill>
-                <a:ea typeface="幼圆" panose="02010509060101010101" pitchFamily="49" charset="-122"/>
+                <a:latin typeface="+mj-ea"/>
+                <a:ea typeface="+mj-ea"/>
                 <a:sym typeface="+mn-ea"/>
               </a:rPr>
               <a:t>4+1视图                                   UML</a:t>
@@ -10610,7 +9392,8 @@
               <a:solidFill>
                 <a:schemeClr val="tx1"/>
               </a:solidFill>
-              <a:ea typeface="幼圆" panose="02010509060101010101" pitchFamily="49" charset="-122"/>
+              <a:latin typeface="+mj-ea"/>
+              <a:ea typeface="+mj-ea"/>
               <a:sym typeface="+mn-ea"/>
             </a:endParaRPr>
           </a:p>
@@ -10625,7 +9408,8 @@
                 <a:solidFill>
                   <a:schemeClr val="tx1"/>
                 </a:solidFill>
-                <a:ea typeface="幼圆" panose="02010509060101010101" pitchFamily="49" charset="-122"/>
+                <a:latin typeface="+mj-ea"/>
+                <a:ea typeface="+mj-ea"/>
                 <a:sym typeface="+mn-ea"/>
               </a:rPr>
               <a:t> 场景视图                                  </a:t>
@@ -10635,7 +9419,8 @@
                 <a:solidFill>
                   <a:schemeClr val="tx1"/>
                 </a:solidFill>
-                <a:ea typeface="幼圆" panose="02010509060101010101" pitchFamily="49" charset="-122"/>
+                <a:latin typeface="+mj-ea"/>
+                <a:ea typeface="+mj-ea"/>
                 <a:sym typeface="+mn-ea"/>
               </a:rPr>
               <a:t>用例图                                              </a:t>
@@ -10645,7 +9430,8 @@
                 <a:solidFill>
                   <a:schemeClr val="tx1"/>
                 </a:solidFill>
-                <a:ea typeface="幼圆" panose="02010509060101010101" pitchFamily="49" charset="-122"/>
+                <a:latin typeface="+mj-ea"/>
+                <a:ea typeface="+mj-ea"/>
                 <a:sym typeface="+mn-ea"/>
               </a:rPr>
               <a:t>逻辑视图                                   类图</a:t>
@@ -10654,7 +9440,8 @@
               <a:solidFill>
                 <a:schemeClr val="tx1"/>
               </a:solidFill>
-              <a:ea typeface="幼圆" panose="02010509060101010101" pitchFamily="49" charset="-122"/>
+              <a:latin typeface="+mj-ea"/>
+              <a:ea typeface="+mj-ea"/>
               <a:sym typeface="+mn-ea"/>
             </a:endParaRPr>
           </a:p>
@@ -10669,16 +9456,18 @@
                 <a:solidFill>
                   <a:schemeClr val="tx1"/>
                 </a:solidFill>
-                <a:ea typeface="幼圆" panose="02010509060101010101" pitchFamily="49" charset="-122"/>
+                <a:latin typeface="+mj-ea"/>
+                <a:ea typeface="+mj-ea"/>
                 <a:sym typeface="+mn-ea"/>
               </a:rPr>
-              <a:t>          开发视图                                类图，组件图</a:t>
+              <a:t>     开发视图                                类图，组件图</a:t>
             </a:r>
             <a:endParaRPr dirty="0" smtClean="0">
               <a:solidFill>
                 <a:schemeClr val="tx1"/>
               </a:solidFill>
-              <a:ea typeface="幼圆" panose="02010509060101010101" pitchFamily="49" charset="-122"/>
+              <a:latin typeface="+mj-ea"/>
+              <a:ea typeface="+mj-ea"/>
               <a:sym typeface="+mn-ea"/>
             </a:endParaRPr>
           </a:p>
@@ -10693,7 +9482,8 @@
                 <a:solidFill>
                   <a:schemeClr val="tx1"/>
                 </a:solidFill>
-                <a:ea typeface="幼圆" panose="02010509060101010101" pitchFamily="49" charset="-122"/>
+                <a:latin typeface="+mj-ea"/>
+                <a:ea typeface="+mj-ea"/>
                 <a:sym typeface="+mn-ea"/>
               </a:rPr>
               <a:t>                       进程视图                          </a:t>
@@ -10703,6 +9493,8 @@
                 <a:solidFill>
                   <a:schemeClr val="tx1"/>
                 </a:solidFill>
+                <a:latin typeface="+mj-ea"/>
+                <a:ea typeface="+mj-ea"/>
                 <a:sym typeface="+mn-ea"/>
               </a:rPr>
               <a:t>状态机图，通信图，活动图</a:t>
@@ -10712,7 +9504,8 @@
                 <a:solidFill>
                   <a:schemeClr val="tx1"/>
                 </a:solidFill>
-                <a:ea typeface="幼圆" panose="02010509060101010101" pitchFamily="49" charset="-122"/>
+                <a:latin typeface="+mj-ea"/>
+                <a:ea typeface="+mj-ea"/>
                 <a:sym typeface="+mn-ea"/>
               </a:rPr>
               <a:t>部署视图                                 部署图</a:t>
@@ -10721,7 +9514,8 @@
               <a:solidFill>
                 <a:schemeClr val="tx1"/>
               </a:solidFill>
-              <a:ea typeface="幼圆" panose="02010509060101010101" pitchFamily="49" charset="-122"/>
+              <a:latin typeface="+mj-ea"/>
+              <a:ea typeface="+mj-ea"/>
               <a:sym typeface="+mn-ea"/>
             </a:endParaRPr>
           </a:p>
@@ -10770,6 +9564,5240 @@
 </file>
 
 <file path=ppt/slides/slide19.xml><?xml version="1.0" encoding="utf-8"?>
+<p:sld xmlns:a="http://schemas.openxmlformats.org/drawingml/2006/main" xmlns:r="http://schemas.openxmlformats.org/officeDocument/2006/relationships" xmlns:p="http://schemas.openxmlformats.org/presentationml/2006/main">
+  <p:cSld>
+    <p:spTree>
+      <p:nvGrpSpPr>
+        <p:cNvPr id="1" name=""/>
+        <p:cNvGrpSpPr/>
+        <p:nvPr/>
+      </p:nvGrpSpPr>
+      <p:grpSpPr>
+        <a:xfrm>
+          <a:off x="0" y="0"/>
+          <a:ext cx="0" cy="0"/>
+          <a:chOff x="0" y="0"/>
+          <a:chExt cx="0" cy="0"/>
+        </a:xfrm>
+      </p:grpSpPr>
+      <p:sp>
+        <p:nvSpPr>
+          <p:cNvPr id="3" name="文本框 2"/>
+          <p:cNvSpPr txBox="1"/>
+          <p:nvPr/>
+        </p:nvSpPr>
+        <p:spPr>
+          <a:xfrm>
+            <a:off x="3932203" y="3668398"/>
+            <a:ext cx="4277360" cy="583565"/>
+          </a:xfrm>
+          <a:prstGeom prst="rect">
+            <a:avLst/>
+          </a:prstGeom>
+          <a:noFill/>
+        </p:spPr>
+        <p:txBody>
+          <a:bodyPr wrap="none" rtlCol="0">
+            <a:spAutoFit/>
+          </a:bodyPr>
+          <a:lstStyle/>
+          <a:p>
+            <a:pPr algn="ctr"/>
+            <a:r>
+              <a:rPr lang="en-US" altLang="zh-CN" sz="3200" b="1" dirty="0" smtClean="0">
+                <a:solidFill>
+                  <a:schemeClr val="accent1"/>
+                </a:solidFill>
+                <a:latin typeface="+mn-ea"/>
+              </a:rPr>
+              <a:t>UML1.0</a:t>
+            </a:r>
+            <a:r>
+              <a:rPr lang="zh-CN" altLang="en-US" sz="3200" b="1" dirty="0" smtClean="0">
+                <a:solidFill>
+                  <a:schemeClr val="accent1"/>
+                </a:solidFill>
+                <a:latin typeface="+mn-ea"/>
+              </a:rPr>
+              <a:t>和</a:t>
+            </a:r>
+            <a:r>
+              <a:rPr lang="en-US" altLang="zh-CN" sz="3200" b="1" dirty="0" smtClean="0">
+                <a:solidFill>
+                  <a:schemeClr val="accent1"/>
+                </a:solidFill>
+                <a:latin typeface="+mn-ea"/>
+              </a:rPr>
+              <a:t>UML2.0</a:t>
+            </a:r>
+            <a:r>
+              <a:rPr lang="zh-CN" altLang="en-US" sz="3200" b="1" dirty="0" smtClean="0">
+                <a:solidFill>
+                  <a:schemeClr val="accent1"/>
+                </a:solidFill>
+                <a:latin typeface="+mn-ea"/>
+              </a:rPr>
+              <a:t>的区别</a:t>
+            </a:r>
+            <a:endParaRPr lang="zh-CN" altLang="en-US" sz="3200" b="1" dirty="0" smtClean="0">
+              <a:solidFill>
+                <a:schemeClr val="accent1"/>
+              </a:solidFill>
+              <a:latin typeface="+mn-ea"/>
+            </a:endParaRPr>
+          </a:p>
+        </p:txBody>
+      </p:sp>
+      <p:sp>
+        <p:nvSpPr>
+          <p:cNvPr id="7" name="椭圆 6"/>
+          <p:cNvSpPr/>
+          <p:nvPr/>
+        </p:nvSpPr>
+        <p:spPr>
+          <a:xfrm>
+            <a:off x="5243014" y="1763974"/>
+            <a:ext cx="1705972" cy="1705970"/>
+          </a:xfrm>
+          <a:prstGeom prst="ellipse">
+            <a:avLst/>
+          </a:prstGeom>
+          <a:solidFill>
+            <a:srgbClr val="7DA5C8"/>
+          </a:solidFill>
+          <a:ln>
+            <a:noFill/>
+          </a:ln>
+        </p:spPr>
+        <p:style>
+          <a:lnRef idx="2">
+            <a:schemeClr val="accent1">
+              <a:shade val="50000"/>
+            </a:schemeClr>
+          </a:lnRef>
+          <a:fillRef idx="1">
+            <a:schemeClr val="accent1"/>
+          </a:fillRef>
+          <a:effectRef idx="0">
+            <a:schemeClr val="accent1"/>
+          </a:effectRef>
+          <a:fontRef idx="minor">
+            <a:schemeClr val="lt1"/>
+          </a:fontRef>
+        </p:style>
+        <p:txBody>
+          <a:bodyPr rtlCol="0" anchor="ctr"/>
+          <a:lstStyle/>
+          <a:p>
+            <a:pPr algn="ctr"/>
+            <a:r>
+              <a:rPr lang="en-US" altLang="zh-CN" sz="6000" dirty="0">
+                <a:solidFill>
+                  <a:schemeClr val="tx1"/>
+                </a:solidFill>
+              </a:rPr>
+              <a:t>7</a:t>
+            </a:r>
+            <a:endParaRPr lang="en-US" altLang="zh-CN" sz="6000" dirty="0">
+              <a:solidFill>
+                <a:schemeClr val="tx1"/>
+              </a:solidFill>
+            </a:endParaRPr>
+          </a:p>
+        </p:txBody>
+      </p:sp>
+      <p:pic>
+        <p:nvPicPr>
+          <p:cNvPr id="6" name="Picture 5" descr="E:\PRD\logoWhite.png"/>
+          <p:cNvPicPr>
+            <a:picLocks noChangeAspect="1" noChangeArrowheads="1"/>
+          </p:cNvPicPr>
+          <p:nvPr/>
+        </p:nvPicPr>
+        <p:blipFill>
+          <a:blip r:embed="rId1" cstate="print"/>
+          <a:srcRect/>
+          <a:stretch>
+            <a:fillRect/>
+          </a:stretch>
+        </p:blipFill>
+        <p:spPr bwMode="auto">
+          <a:xfrm>
+            <a:off x="11577513" y="6241409"/>
+            <a:ext cx="614487" cy="616591"/>
+          </a:xfrm>
+          <a:prstGeom prst="rect">
+            <a:avLst/>
+          </a:prstGeom>
+          <a:noFill/>
+        </p:spPr>
+      </p:pic>
+    </p:spTree>
+  </p:cSld>
+  <p:clrMapOvr>
+    <a:masterClrMapping/>
+  </p:clrMapOvr>
+  <p:timing>
+    <p:tnLst>
+      <p:par>
+        <p:cTn id="1" dur="indefinite" restart="never" nodeType="tmRoot"/>
+      </p:par>
+    </p:tnLst>
+  </p:timing>
+</p:sld>
+</file>
+
+<file path=ppt/slides/slide2.xml><?xml version="1.0" encoding="utf-8"?>
+<p:sld xmlns:a="http://schemas.openxmlformats.org/drawingml/2006/main" xmlns:r="http://schemas.openxmlformats.org/officeDocument/2006/relationships" xmlns:p="http://schemas.openxmlformats.org/presentationml/2006/main">
+  <p:cSld>
+    <p:spTree>
+      <p:nvGrpSpPr>
+        <p:cNvPr id="1" name=""/>
+        <p:cNvGrpSpPr/>
+        <p:nvPr/>
+      </p:nvGrpSpPr>
+      <p:grpSpPr>
+        <a:xfrm>
+          <a:off x="0" y="0"/>
+          <a:ext cx="0" cy="0"/>
+          <a:chOff x="0" y="0"/>
+          <a:chExt cx="0" cy="0"/>
+        </a:xfrm>
+      </p:grpSpPr>
+      <p:sp>
+        <p:nvSpPr>
+          <p:cNvPr id="4" name="椭圆 3"/>
+          <p:cNvSpPr/>
+          <p:nvPr/>
+        </p:nvSpPr>
+        <p:spPr>
+          <a:xfrm>
+            <a:off x="1442905" y="1935940"/>
+            <a:ext cx="3029998" cy="3029998"/>
+          </a:xfrm>
+          <a:prstGeom prst="ellipse">
+            <a:avLst/>
+          </a:prstGeom>
+          <a:ln>
+            <a:noFill/>
+          </a:ln>
+        </p:spPr>
+        <p:style>
+          <a:lnRef idx="2">
+            <a:schemeClr val="accent1">
+              <a:shade val="50000"/>
+            </a:schemeClr>
+          </a:lnRef>
+          <a:fillRef idx="1">
+            <a:schemeClr val="accent1"/>
+          </a:fillRef>
+          <a:effectRef idx="0">
+            <a:schemeClr val="accent1"/>
+          </a:effectRef>
+          <a:fontRef idx="minor">
+            <a:schemeClr val="lt1"/>
+          </a:fontRef>
+        </p:style>
+        <p:txBody>
+          <a:bodyPr rtlCol="0" anchor="ctr"/>
+          <a:lstStyle/>
+          <a:p>
+            <a:pPr algn="ctr"/>
+            <a:r>
+              <a:rPr lang="zh-CN" altLang="en-US" sz="3200" b="1" dirty="0" smtClean="0">
+                <a:solidFill>
+                  <a:schemeClr val="tx1"/>
+                </a:solidFill>
+              </a:rPr>
+              <a:t>目录</a:t>
+            </a:r>
+            <a:endParaRPr lang="zh-CN" altLang="en-US" sz="3200" b="1" dirty="0">
+              <a:solidFill>
+                <a:schemeClr val="tx1"/>
+              </a:solidFill>
+            </a:endParaRPr>
+          </a:p>
+        </p:txBody>
+      </p:sp>
+      <p:sp>
+        <p:nvSpPr>
+          <p:cNvPr id="5" name="文本框 4"/>
+          <p:cNvSpPr txBox="1"/>
+          <p:nvPr/>
+        </p:nvSpPr>
+        <p:spPr>
+          <a:xfrm>
+            <a:off x="5840703" y="535914"/>
+            <a:ext cx="1889760" cy="460375"/>
+          </a:xfrm>
+          <a:prstGeom prst="rect">
+            <a:avLst/>
+          </a:prstGeom>
+          <a:noFill/>
+        </p:spPr>
+        <p:txBody>
+          <a:bodyPr wrap="none" rtlCol="0">
+            <a:spAutoFit/>
+          </a:bodyPr>
+          <a:lstStyle/>
+          <a:p>
+            <a:r>
+              <a:rPr lang="en-US" altLang="zh-CN" b="1" dirty="0" smtClean="0"/>
+              <a:t>4+1View</a:t>
+            </a:r>
+            <a:r>
+              <a:rPr lang="zh-CN" altLang="en-US" b="1" dirty="0" smtClean="0"/>
+              <a:t>介绍</a:t>
+            </a:r>
+            <a:endParaRPr lang="zh-CN" altLang="en-US" b="1" dirty="0" smtClean="0"/>
+          </a:p>
+        </p:txBody>
+      </p:sp>
+      <p:sp>
+        <p:nvSpPr>
+          <p:cNvPr id="7" name="文本框 6"/>
+          <p:cNvSpPr txBox="1"/>
+          <p:nvPr/>
+        </p:nvSpPr>
+        <p:spPr>
+          <a:xfrm>
+            <a:off x="5840703" y="1562432"/>
+            <a:ext cx="1407160" cy="460375"/>
+          </a:xfrm>
+          <a:prstGeom prst="rect">
+            <a:avLst/>
+          </a:prstGeom>
+          <a:noFill/>
+        </p:spPr>
+        <p:txBody>
+          <a:bodyPr wrap="none" rtlCol="0">
+            <a:spAutoFit/>
+          </a:bodyPr>
+          <a:lstStyle/>
+          <a:p>
+            <a:r>
+              <a:rPr lang="zh-CN" altLang="en-US" b="1" dirty="0" smtClean="0"/>
+              <a:t>逻辑视图</a:t>
+            </a:r>
+            <a:endParaRPr lang="zh-CN" altLang="en-US" b="1" dirty="0"/>
+          </a:p>
+        </p:txBody>
+      </p:sp>
+      <p:sp>
+        <p:nvSpPr>
+          <p:cNvPr id="9" name="文本框 8"/>
+          <p:cNvSpPr txBox="1"/>
+          <p:nvPr/>
+        </p:nvSpPr>
+        <p:spPr>
+          <a:xfrm>
+            <a:off x="5840703" y="2583368"/>
+            <a:ext cx="1407160" cy="460375"/>
+          </a:xfrm>
+          <a:prstGeom prst="rect">
+            <a:avLst/>
+          </a:prstGeom>
+          <a:noFill/>
+        </p:spPr>
+        <p:txBody>
+          <a:bodyPr wrap="none" rtlCol="0">
+            <a:spAutoFit/>
+          </a:bodyPr>
+          <a:lstStyle/>
+          <a:p>
+            <a:r>
+              <a:rPr lang="zh-CN" b="1" dirty="0" smtClean="0"/>
+              <a:t>开发视图</a:t>
+            </a:r>
+            <a:endParaRPr lang="zh-CN" b="1" dirty="0" smtClean="0"/>
+          </a:p>
+        </p:txBody>
+      </p:sp>
+      <p:sp>
+        <p:nvSpPr>
+          <p:cNvPr id="11" name="文本框 10"/>
+          <p:cNvSpPr txBox="1"/>
+          <p:nvPr/>
+        </p:nvSpPr>
+        <p:spPr>
+          <a:xfrm>
+            <a:off x="5840703" y="3599194"/>
+            <a:ext cx="1407160" cy="460375"/>
+          </a:xfrm>
+          <a:prstGeom prst="rect">
+            <a:avLst/>
+          </a:prstGeom>
+          <a:noFill/>
+        </p:spPr>
+        <p:txBody>
+          <a:bodyPr wrap="none" rtlCol="0">
+            <a:spAutoFit/>
+          </a:bodyPr>
+          <a:lstStyle/>
+          <a:p>
+            <a:r>
+              <a:rPr lang="zh-CN" altLang="en-US" b="1" dirty="0" smtClean="0"/>
+              <a:t>进程视图</a:t>
+            </a:r>
+            <a:endParaRPr lang="zh-CN" altLang="en-US" b="1" dirty="0"/>
+          </a:p>
+        </p:txBody>
+      </p:sp>
+      <p:cxnSp>
+        <p:nvCxnSpPr>
+          <p:cNvPr id="13" name="直接连接符 12"/>
+          <p:cNvCxnSpPr/>
+          <p:nvPr/>
+        </p:nvCxnSpPr>
+        <p:spPr>
+          <a:xfrm>
+            <a:off x="5567743" y="535914"/>
+            <a:ext cx="0" cy="593334"/>
+          </a:xfrm>
+          <a:prstGeom prst="line">
+            <a:avLst/>
+          </a:prstGeom>
+          <a:ln w="38100"/>
+        </p:spPr>
+        <p:style>
+          <a:lnRef idx="1">
+            <a:schemeClr val="accent1"/>
+          </a:lnRef>
+          <a:fillRef idx="0">
+            <a:schemeClr val="accent1"/>
+          </a:fillRef>
+          <a:effectRef idx="0">
+            <a:schemeClr val="accent1"/>
+          </a:effectRef>
+          <a:fontRef idx="minor">
+            <a:schemeClr val="tx1"/>
+          </a:fontRef>
+        </p:style>
+      </p:cxnSp>
+      <p:cxnSp>
+        <p:nvCxnSpPr>
+          <p:cNvPr id="14" name="直接连接符 13"/>
+          <p:cNvCxnSpPr/>
+          <p:nvPr/>
+        </p:nvCxnSpPr>
+        <p:spPr>
+          <a:xfrm>
+            <a:off x="5567743" y="1562432"/>
+            <a:ext cx="0" cy="593334"/>
+          </a:xfrm>
+          <a:prstGeom prst="line">
+            <a:avLst/>
+          </a:prstGeom>
+          <a:ln w="38100"/>
+        </p:spPr>
+        <p:style>
+          <a:lnRef idx="1">
+            <a:schemeClr val="accent1"/>
+          </a:lnRef>
+          <a:fillRef idx="0">
+            <a:schemeClr val="accent1"/>
+          </a:fillRef>
+          <a:effectRef idx="0">
+            <a:schemeClr val="accent1"/>
+          </a:effectRef>
+          <a:fontRef idx="minor">
+            <a:schemeClr val="tx1"/>
+          </a:fontRef>
+        </p:style>
+      </p:cxnSp>
+      <p:cxnSp>
+        <p:nvCxnSpPr>
+          <p:cNvPr id="15" name="直接连接符 14"/>
+          <p:cNvCxnSpPr/>
+          <p:nvPr/>
+        </p:nvCxnSpPr>
+        <p:spPr>
+          <a:xfrm>
+            <a:off x="5567743" y="2548178"/>
+            <a:ext cx="0" cy="593334"/>
+          </a:xfrm>
+          <a:prstGeom prst="line">
+            <a:avLst/>
+          </a:prstGeom>
+          <a:ln w="38100"/>
+        </p:spPr>
+        <p:style>
+          <a:lnRef idx="1">
+            <a:schemeClr val="accent1"/>
+          </a:lnRef>
+          <a:fillRef idx="0">
+            <a:schemeClr val="accent1"/>
+          </a:fillRef>
+          <a:effectRef idx="0">
+            <a:schemeClr val="accent1"/>
+          </a:effectRef>
+          <a:fontRef idx="minor">
+            <a:schemeClr val="tx1"/>
+          </a:fontRef>
+        </p:style>
+      </p:cxnSp>
+      <p:cxnSp>
+        <p:nvCxnSpPr>
+          <p:cNvPr id="16" name="直接连接符 15"/>
+          <p:cNvCxnSpPr/>
+          <p:nvPr/>
+        </p:nvCxnSpPr>
+        <p:spPr>
+          <a:xfrm>
+            <a:off x="5567743" y="3599194"/>
+            <a:ext cx="0" cy="593334"/>
+          </a:xfrm>
+          <a:prstGeom prst="line">
+            <a:avLst/>
+          </a:prstGeom>
+          <a:ln w="38100"/>
+        </p:spPr>
+        <p:style>
+          <a:lnRef idx="1">
+            <a:schemeClr val="accent1"/>
+          </a:lnRef>
+          <a:fillRef idx="0">
+            <a:schemeClr val="accent1"/>
+          </a:fillRef>
+          <a:effectRef idx="0">
+            <a:schemeClr val="accent1"/>
+          </a:effectRef>
+          <a:fontRef idx="minor">
+            <a:schemeClr val="tx1"/>
+          </a:fontRef>
+        </p:style>
+      </p:cxnSp>
+      <p:pic>
+        <p:nvPicPr>
+          <p:cNvPr id="17" name="Picture 5" descr="E:\PRD\logoWhite.png"/>
+          <p:cNvPicPr>
+            <a:picLocks noChangeAspect="1" noChangeArrowheads="1"/>
+          </p:cNvPicPr>
+          <p:nvPr/>
+        </p:nvPicPr>
+        <p:blipFill>
+          <a:blip r:embed="rId1" cstate="print"/>
+          <a:srcRect/>
+          <a:stretch>
+            <a:fillRect/>
+          </a:stretch>
+        </p:blipFill>
+        <p:spPr bwMode="auto">
+          <a:xfrm>
+            <a:off x="10796463" y="6158224"/>
+            <a:ext cx="614487" cy="616591"/>
+          </a:xfrm>
+          <a:prstGeom prst="rect">
+            <a:avLst/>
+          </a:prstGeom>
+          <a:noFill/>
+        </p:spPr>
+      </p:pic>
+      <p:sp>
+        <p:nvSpPr>
+          <p:cNvPr id="18" name="文本框 10"/>
+          <p:cNvSpPr txBox="1"/>
+          <p:nvPr/>
+        </p:nvSpPr>
+        <p:spPr>
+          <a:xfrm>
+            <a:off x="5850490" y="4615660"/>
+            <a:ext cx="1407160" cy="460375"/>
+          </a:xfrm>
+          <a:prstGeom prst="rect">
+            <a:avLst/>
+          </a:prstGeom>
+          <a:noFill/>
+        </p:spPr>
+        <p:txBody>
+          <a:bodyPr wrap="none" rtlCol="0">
+            <a:spAutoFit/>
+          </a:bodyPr>
+          <a:lstStyle/>
+          <a:p>
+            <a:r>
+              <a:rPr lang="zh-CN" altLang="en-US" b="1" dirty="0" smtClean="0"/>
+              <a:t>物理视图</a:t>
+            </a:r>
+            <a:endParaRPr lang="zh-CN" altLang="en-US" b="1" dirty="0"/>
+          </a:p>
+        </p:txBody>
+      </p:sp>
+      <p:cxnSp>
+        <p:nvCxnSpPr>
+          <p:cNvPr id="19" name="直接连接符 18"/>
+          <p:cNvCxnSpPr/>
+          <p:nvPr/>
+        </p:nvCxnSpPr>
+        <p:spPr>
+          <a:xfrm>
+            <a:off x="5577530" y="4615660"/>
+            <a:ext cx="0" cy="593334"/>
+          </a:xfrm>
+          <a:prstGeom prst="line">
+            <a:avLst/>
+          </a:prstGeom>
+          <a:ln w="38100"/>
+        </p:spPr>
+        <p:style>
+          <a:lnRef idx="1">
+            <a:schemeClr val="accent1"/>
+          </a:lnRef>
+          <a:fillRef idx="0">
+            <a:schemeClr val="accent1"/>
+          </a:fillRef>
+          <a:effectRef idx="0">
+            <a:schemeClr val="accent1"/>
+          </a:effectRef>
+          <a:fontRef idx="minor">
+            <a:schemeClr val="tx1"/>
+          </a:fontRef>
+        </p:style>
+      </p:cxnSp>
+      <p:sp>
+        <p:nvSpPr>
+          <p:cNvPr id="2" name="文本框 10"/>
+          <p:cNvSpPr txBox="1"/>
+          <p:nvPr/>
+        </p:nvSpPr>
+        <p:spPr>
+          <a:xfrm>
+            <a:off x="9059780" y="1562580"/>
+            <a:ext cx="1255395" cy="460375"/>
+          </a:xfrm>
+          <a:prstGeom prst="rect">
+            <a:avLst/>
+          </a:prstGeom>
+          <a:noFill/>
+        </p:spPr>
+        <p:txBody>
+          <a:bodyPr wrap="none" rtlCol="0">
+            <a:spAutoFit/>
+          </a:bodyPr>
+          <a:p>
+            <a:r>
+              <a:rPr lang="en-US" altLang="zh-CN" b="1" dirty="0" smtClean="0"/>
+              <a:t>3</a:t>
+            </a:r>
+            <a:r>
+              <a:rPr lang="zh-CN" altLang="en-US" b="1" dirty="0" smtClean="0"/>
+              <a:t>个问题</a:t>
+            </a:r>
+            <a:endParaRPr lang="zh-CN" altLang="en-US" b="1" dirty="0" smtClean="0"/>
+          </a:p>
+        </p:txBody>
+      </p:sp>
+      <p:cxnSp>
+        <p:nvCxnSpPr>
+          <p:cNvPr id="3" name="直接连接符 2"/>
+          <p:cNvCxnSpPr/>
+          <p:nvPr/>
+        </p:nvCxnSpPr>
+        <p:spPr>
+          <a:xfrm>
+            <a:off x="5577530" y="5535140"/>
+            <a:ext cx="0" cy="593334"/>
+          </a:xfrm>
+          <a:prstGeom prst="line">
+            <a:avLst/>
+          </a:prstGeom>
+          <a:ln w="38100"/>
+        </p:spPr>
+        <p:style>
+          <a:lnRef idx="1">
+            <a:schemeClr val="accent1"/>
+          </a:lnRef>
+          <a:fillRef idx="0">
+            <a:schemeClr val="accent1"/>
+          </a:fillRef>
+          <a:effectRef idx="0">
+            <a:schemeClr val="accent1"/>
+          </a:effectRef>
+          <a:fontRef idx="minor">
+            <a:schemeClr val="tx1"/>
+          </a:fontRef>
+        </p:style>
+      </p:cxnSp>
+      <p:sp>
+        <p:nvSpPr>
+          <p:cNvPr id="6" name="文本框 10"/>
+          <p:cNvSpPr txBox="1"/>
+          <p:nvPr/>
+        </p:nvSpPr>
+        <p:spPr>
+          <a:xfrm>
+            <a:off x="5850490" y="5601815"/>
+            <a:ext cx="1407160" cy="460375"/>
+          </a:xfrm>
+          <a:prstGeom prst="rect">
+            <a:avLst/>
+          </a:prstGeom>
+          <a:noFill/>
+        </p:spPr>
+        <p:txBody>
+          <a:bodyPr wrap="none" rtlCol="0">
+            <a:spAutoFit/>
+          </a:bodyPr>
+          <a:p>
+            <a:r>
+              <a:rPr lang="zh-CN" altLang="en-US" b="1" dirty="0" smtClean="0"/>
+              <a:t>场景视图</a:t>
+            </a:r>
+            <a:endParaRPr lang="zh-CN" altLang="en-US" b="1" dirty="0"/>
+          </a:p>
+        </p:txBody>
+      </p:sp>
+      <p:cxnSp>
+        <p:nvCxnSpPr>
+          <p:cNvPr id="8" name="直接连接符 7"/>
+          <p:cNvCxnSpPr/>
+          <p:nvPr/>
+        </p:nvCxnSpPr>
+        <p:spPr>
+          <a:xfrm>
+            <a:off x="8952555" y="1496540"/>
+            <a:ext cx="0" cy="593334"/>
+          </a:xfrm>
+          <a:prstGeom prst="line">
+            <a:avLst/>
+          </a:prstGeom>
+          <a:ln w="38100"/>
+        </p:spPr>
+        <p:style>
+          <a:lnRef idx="1">
+            <a:schemeClr val="accent1"/>
+          </a:lnRef>
+          <a:fillRef idx="0">
+            <a:schemeClr val="accent1"/>
+          </a:fillRef>
+          <a:effectRef idx="0">
+            <a:schemeClr val="accent1"/>
+          </a:effectRef>
+          <a:fontRef idx="minor">
+            <a:schemeClr val="tx1"/>
+          </a:fontRef>
+        </p:style>
+      </p:cxnSp>
+      <p:sp>
+        <p:nvSpPr>
+          <p:cNvPr id="10" name="文本框 10"/>
+          <p:cNvSpPr txBox="1"/>
+          <p:nvPr/>
+        </p:nvSpPr>
+        <p:spPr>
+          <a:xfrm>
+            <a:off x="9059780" y="2589375"/>
+            <a:ext cx="1407160" cy="460375"/>
+          </a:xfrm>
+          <a:prstGeom prst="rect">
+            <a:avLst/>
+          </a:prstGeom>
+          <a:noFill/>
+        </p:spPr>
+        <p:txBody>
+          <a:bodyPr wrap="none" rtlCol="0">
+            <a:spAutoFit/>
+          </a:bodyPr>
+          <a:p>
+            <a:r>
+              <a:rPr lang="zh-CN" b="1" dirty="0" smtClean="0"/>
+              <a:t>绩效评价</a:t>
+            </a:r>
+            <a:endParaRPr lang="zh-CN" b="1" dirty="0" smtClean="0"/>
+          </a:p>
+        </p:txBody>
+      </p:sp>
+      <p:cxnSp>
+        <p:nvCxnSpPr>
+          <p:cNvPr id="12" name="直接连接符 11"/>
+          <p:cNvCxnSpPr/>
+          <p:nvPr/>
+        </p:nvCxnSpPr>
+        <p:spPr>
+          <a:xfrm>
+            <a:off x="8952555" y="2523335"/>
+            <a:ext cx="0" cy="593334"/>
+          </a:xfrm>
+          <a:prstGeom prst="line">
+            <a:avLst/>
+          </a:prstGeom>
+          <a:ln w="38100"/>
+        </p:spPr>
+        <p:style>
+          <a:lnRef idx="1">
+            <a:schemeClr val="accent1"/>
+          </a:lnRef>
+          <a:fillRef idx="0">
+            <a:schemeClr val="accent1"/>
+          </a:fillRef>
+          <a:effectRef idx="0">
+            <a:schemeClr val="accent1"/>
+          </a:effectRef>
+          <a:fontRef idx="minor">
+            <a:schemeClr val="tx1"/>
+          </a:fontRef>
+        </p:style>
+      </p:cxnSp>
+      <p:sp>
+        <p:nvSpPr>
+          <p:cNvPr id="20" name="文本框 10"/>
+          <p:cNvSpPr txBox="1"/>
+          <p:nvPr/>
+        </p:nvSpPr>
+        <p:spPr>
+          <a:xfrm>
+            <a:off x="9059780" y="602460"/>
+            <a:ext cx="3069590" cy="460375"/>
+          </a:xfrm>
+          <a:prstGeom prst="rect">
+            <a:avLst/>
+          </a:prstGeom>
+          <a:noFill/>
+        </p:spPr>
+        <p:txBody>
+          <a:bodyPr wrap="none" rtlCol="0">
+            <a:spAutoFit/>
+          </a:bodyPr>
+          <a:p>
+            <a:r>
+              <a:rPr lang="en-US" altLang="zh-CN" b="1" dirty="0" smtClean="0"/>
+              <a:t>UML1.0</a:t>
+            </a:r>
+            <a:r>
+              <a:rPr lang="zh-CN" altLang="en-US" b="1" dirty="0" smtClean="0"/>
+              <a:t>和</a:t>
+            </a:r>
+            <a:r>
+              <a:rPr lang="en-US" altLang="zh-CN" b="1" dirty="0" smtClean="0"/>
+              <a:t>UML</a:t>
+            </a:r>
+            <a:r>
+              <a:rPr lang="en-US" altLang="zh-CN" b="1" dirty="0" smtClean="0"/>
+              <a:t>2.0</a:t>
+            </a:r>
+            <a:r>
+              <a:rPr lang="zh-CN" altLang="en-US" b="1" dirty="0" smtClean="0"/>
+              <a:t>区别</a:t>
+            </a:r>
+            <a:endParaRPr lang="zh-CN" altLang="en-US" b="1" dirty="0" smtClean="0"/>
+          </a:p>
+        </p:txBody>
+      </p:sp>
+      <p:cxnSp>
+        <p:nvCxnSpPr>
+          <p:cNvPr id="21" name="直接连接符 20"/>
+          <p:cNvCxnSpPr/>
+          <p:nvPr/>
+        </p:nvCxnSpPr>
+        <p:spPr>
+          <a:xfrm>
+            <a:off x="8952555" y="536420"/>
+            <a:ext cx="0" cy="593334"/>
+          </a:xfrm>
+          <a:prstGeom prst="line">
+            <a:avLst/>
+          </a:prstGeom>
+          <a:ln w="38100"/>
+        </p:spPr>
+        <p:style>
+          <a:lnRef idx="1">
+            <a:schemeClr val="accent1"/>
+          </a:lnRef>
+          <a:fillRef idx="0">
+            <a:schemeClr val="accent1"/>
+          </a:fillRef>
+          <a:effectRef idx="0">
+            <a:schemeClr val="accent1"/>
+          </a:effectRef>
+          <a:fontRef idx="minor">
+            <a:schemeClr val="tx1"/>
+          </a:fontRef>
+        </p:style>
+      </p:cxnSp>
+    </p:spTree>
+  </p:cSld>
+  <p:clrMapOvr>
+    <a:masterClrMapping/>
+  </p:clrMapOvr>
+  <p:timing>
+    <p:tnLst>
+      <p:par>
+        <p:cTn id="1" dur="indefinite" restart="never" nodeType="tmRoot"/>
+      </p:par>
+    </p:tnLst>
+  </p:timing>
+</p:sld>
+</file>
+
+<file path=ppt/slides/slide20.xml><?xml version="1.0" encoding="utf-8"?>
+<p:sld xmlns:a="http://schemas.openxmlformats.org/drawingml/2006/main" xmlns:r="http://schemas.openxmlformats.org/officeDocument/2006/relationships" xmlns:p="http://schemas.openxmlformats.org/presentationml/2006/main">
+  <p:cSld>
+    <p:spTree>
+      <p:nvGrpSpPr>
+        <p:cNvPr id="1" name=""/>
+        <p:cNvGrpSpPr/>
+        <p:nvPr/>
+      </p:nvGrpSpPr>
+      <p:grpSpPr>
+        <a:xfrm>
+          <a:off x="0" y="0"/>
+          <a:ext cx="0" cy="0"/>
+          <a:chOff x="0" y="0"/>
+          <a:chExt cx="0" cy="0"/>
+        </a:xfrm>
+      </p:grpSpPr>
+      <p:pic>
+        <p:nvPicPr>
+          <p:cNvPr id="6" name="Picture 5" descr="E:\PRD\logoWhite.png"/>
+          <p:cNvPicPr>
+            <a:picLocks noChangeAspect="1" noChangeArrowheads="1"/>
+          </p:cNvPicPr>
+          <p:nvPr/>
+        </p:nvPicPr>
+        <p:blipFill>
+          <a:blip r:embed="rId1" cstate="print"/>
+          <a:srcRect/>
+          <a:stretch>
+            <a:fillRect/>
+          </a:stretch>
+        </p:blipFill>
+        <p:spPr bwMode="auto">
+          <a:xfrm>
+            <a:off x="11577513" y="6241409"/>
+            <a:ext cx="614487" cy="616591"/>
+          </a:xfrm>
+          <a:prstGeom prst="rect">
+            <a:avLst/>
+          </a:prstGeom>
+          <a:noFill/>
+        </p:spPr>
+      </p:pic>
+      <p:sp>
+        <p:nvSpPr>
+          <p:cNvPr id="2" name="文本框 1"/>
+          <p:cNvSpPr txBox="1"/>
+          <p:nvPr/>
+        </p:nvSpPr>
+        <p:spPr>
+          <a:xfrm>
+            <a:off x="348615" y="1507490"/>
+            <a:ext cx="5911215" cy="2306955"/>
+          </a:xfrm>
+          <a:prstGeom prst="rect">
+            <a:avLst/>
+          </a:prstGeom>
+          <a:noFill/>
+        </p:spPr>
+        <p:txBody>
+          <a:bodyPr wrap="square" rtlCol="0">
+            <a:spAutoFit/>
+          </a:bodyPr>
+          <a:p>
+            <a:r>
+              <a:rPr lang="zh-CN" altLang="en-US">
+                <a:latin typeface="+mj-ea"/>
+                <a:ea typeface="+mj-ea"/>
+              </a:rPr>
+              <a:t>统一建模语言</a:t>
+            </a:r>
+            <a:r>
+              <a:rPr lang="en-US" altLang="zh-CN">
+                <a:latin typeface="+mj-ea"/>
+                <a:ea typeface="+mj-ea"/>
+              </a:rPr>
+              <a:t>UML</a:t>
+            </a:r>
+            <a:r>
+              <a:rPr lang="zh-CN" altLang="en-US">
+                <a:latin typeface="+mj-ea"/>
+                <a:ea typeface="+mj-ea"/>
+              </a:rPr>
+              <a:t>是以可视化方式描述软件系统的结构和行为的标准语言。</a:t>
+            </a:r>
+            <a:r>
+              <a:rPr lang="en-US" altLang="zh-CN">
+                <a:latin typeface="+mj-ea"/>
+                <a:ea typeface="+mj-ea"/>
+              </a:rPr>
+              <a:t>UML2.0</a:t>
+            </a:r>
+            <a:r>
+              <a:rPr lang="zh-CN" altLang="en-US">
+                <a:latin typeface="+mj-ea"/>
+                <a:ea typeface="+mj-ea"/>
+              </a:rPr>
+              <a:t>在可视化建模方面进行了许多改革和创新。它可以描述现今软件系统中存在的许多技术，例如模型驱动框架（</a:t>
+            </a:r>
+            <a:r>
+              <a:rPr lang="en-US" altLang="zh-CN">
+                <a:latin typeface="+mj-ea"/>
+                <a:ea typeface="+mj-ea"/>
+              </a:rPr>
+              <a:t>MDA)</a:t>
+            </a:r>
+            <a:r>
+              <a:rPr lang="zh-CN" altLang="en-US">
+                <a:latin typeface="+mj-ea"/>
+                <a:ea typeface="+mj-ea"/>
+              </a:rPr>
+              <a:t>和面向服务的框架（</a:t>
+            </a:r>
+            <a:r>
+              <a:rPr lang="en-US" altLang="zh-CN">
+                <a:latin typeface="+mj-ea"/>
+                <a:ea typeface="+mj-ea"/>
+              </a:rPr>
+              <a:t>SOA)</a:t>
+            </a:r>
+            <a:r>
+              <a:rPr lang="zh-CN" altLang="en-US">
+                <a:latin typeface="+mj-ea"/>
+                <a:ea typeface="+mj-ea"/>
+              </a:rPr>
+              <a:t>。</a:t>
+            </a:r>
+            <a:endParaRPr lang="zh-CN" altLang="en-US">
+              <a:latin typeface="+mj-ea"/>
+              <a:ea typeface="+mj-ea"/>
+            </a:endParaRPr>
+          </a:p>
+        </p:txBody>
+      </p:sp>
+      <p:grpSp>
+        <p:nvGrpSpPr>
+          <p:cNvPr id="30" name="组合 29"/>
+          <p:cNvGrpSpPr/>
+          <p:nvPr/>
+        </p:nvGrpSpPr>
+        <p:grpSpPr>
+          <a:xfrm rot="0">
+            <a:off x="2869821" y="5802929"/>
+            <a:ext cx="868566" cy="713377"/>
+            <a:chOff x="4972050" y="2667658"/>
+            <a:chExt cx="2247900" cy="1846262"/>
+          </a:xfrm>
+        </p:grpSpPr>
+        <p:sp>
+          <p:nvSpPr>
+            <p:cNvPr id="31" name="자유형 24"/>
+            <p:cNvSpPr/>
+            <p:nvPr/>
+          </p:nvSpPr>
+          <p:spPr bwMode="auto">
+            <a:xfrm rot="19844698" flipH="1">
+              <a:off x="4978400" y="3628095"/>
+              <a:ext cx="2014537" cy="469900"/>
+            </a:xfrm>
+            <a:custGeom>
+              <a:avLst/>
+              <a:gdLst>
+                <a:gd name="connsiteX0" fmla="*/ 0 w 2961540"/>
+                <a:gd name="connsiteY0" fmla="*/ 0 h 648072"/>
+                <a:gd name="connsiteX1" fmla="*/ 2961540 w 2961540"/>
+                <a:gd name="connsiteY1" fmla="*/ 0 h 648072"/>
+                <a:gd name="connsiteX2" fmla="*/ 2961540 w 2961540"/>
+                <a:gd name="connsiteY2" fmla="*/ 648072 h 648072"/>
+                <a:gd name="connsiteX3" fmla="*/ 0 w 2961540"/>
+                <a:gd name="connsiteY3" fmla="*/ 648072 h 648072"/>
+                <a:gd name="connsiteX4" fmla="*/ 0 w 2961540"/>
+                <a:gd name="connsiteY4" fmla="*/ 0 h 648072"/>
+                <a:gd name="connsiteX0-1" fmla="*/ 203047 w 3164587"/>
+                <a:gd name="connsiteY0-2" fmla="*/ 0 h 650470"/>
+                <a:gd name="connsiteX1-3" fmla="*/ 3164587 w 3164587"/>
+                <a:gd name="connsiteY1-4" fmla="*/ 0 h 650470"/>
+                <a:gd name="connsiteX2-5" fmla="*/ 3164587 w 3164587"/>
+                <a:gd name="connsiteY2-6" fmla="*/ 648072 h 650470"/>
+                <a:gd name="connsiteX3-7" fmla="*/ 0 w 3164587"/>
+                <a:gd name="connsiteY3-8" fmla="*/ 650470 h 650470"/>
+                <a:gd name="connsiteX4-9" fmla="*/ 203047 w 3164587"/>
+                <a:gd name="connsiteY4-10" fmla="*/ 0 h 650470"/>
+                <a:gd name="connsiteX0-11" fmla="*/ 407488 w 3164587"/>
+                <a:gd name="connsiteY0-12" fmla="*/ 0 h 655811"/>
+                <a:gd name="connsiteX1-13" fmla="*/ 3164587 w 3164587"/>
+                <a:gd name="connsiteY1-14" fmla="*/ 5341 h 655811"/>
+                <a:gd name="connsiteX2-15" fmla="*/ 3164587 w 3164587"/>
+                <a:gd name="connsiteY2-16" fmla="*/ 653413 h 655811"/>
+                <a:gd name="connsiteX3-17" fmla="*/ 0 w 3164587"/>
+                <a:gd name="connsiteY3-18" fmla="*/ 655811 h 655811"/>
+                <a:gd name="connsiteX4-19" fmla="*/ 407488 w 3164587"/>
+                <a:gd name="connsiteY4-20" fmla="*/ 0 h 655811"/>
+                <a:gd name="connsiteX0-21" fmla="*/ 407488 w 3164587"/>
+                <a:gd name="connsiteY0-22" fmla="*/ 0 h 655811"/>
+                <a:gd name="connsiteX1-23" fmla="*/ 2615502 w 3164587"/>
+                <a:gd name="connsiteY1-24" fmla="*/ 57122 h 655811"/>
+                <a:gd name="connsiteX2-25" fmla="*/ 3164587 w 3164587"/>
+                <a:gd name="connsiteY2-26" fmla="*/ 653413 h 655811"/>
+                <a:gd name="connsiteX3-27" fmla="*/ 0 w 3164587"/>
+                <a:gd name="connsiteY3-28" fmla="*/ 655811 h 655811"/>
+                <a:gd name="connsiteX4-29" fmla="*/ 407488 w 3164587"/>
+                <a:gd name="connsiteY4-30" fmla="*/ 0 h 655811"/>
+                <a:gd name="connsiteX0-31" fmla="*/ 407488 w 2967403"/>
+                <a:gd name="connsiteY0-32" fmla="*/ 0 h 685357"/>
+                <a:gd name="connsiteX1-33" fmla="*/ 2615502 w 2967403"/>
+                <a:gd name="connsiteY1-34" fmla="*/ 57122 h 685357"/>
+                <a:gd name="connsiteX2-35" fmla="*/ 2967403 w 2967403"/>
+                <a:gd name="connsiteY2-36" fmla="*/ 685357 h 685357"/>
+                <a:gd name="connsiteX3-37" fmla="*/ 0 w 2967403"/>
+                <a:gd name="connsiteY3-38" fmla="*/ 655811 h 685357"/>
+                <a:gd name="connsiteX4-39" fmla="*/ 407488 w 2967403"/>
+                <a:gd name="connsiteY4-40" fmla="*/ 0 h 685357"/>
+                <a:gd name="connsiteX0-41" fmla="*/ 407488 w 2967403"/>
+                <a:gd name="connsiteY0-42" fmla="*/ 0 h 685357"/>
+                <a:gd name="connsiteX1-43" fmla="*/ 2583917 w 2967403"/>
+                <a:gd name="connsiteY1-44" fmla="*/ 20227 h 685357"/>
+                <a:gd name="connsiteX2-45" fmla="*/ 2967403 w 2967403"/>
+                <a:gd name="connsiteY2-46" fmla="*/ 685357 h 685357"/>
+                <a:gd name="connsiteX3-47" fmla="*/ 0 w 2967403"/>
+                <a:gd name="connsiteY3-48" fmla="*/ 655811 h 685357"/>
+                <a:gd name="connsiteX4-49" fmla="*/ 407488 w 2967403"/>
+                <a:gd name="connsiteY4-50" fmla="*/ 0 h 685357"/>
+                <a:gd name="connsiteX0-51" fmla="*/ 407488 w 2967403"/>
+                <a:gd name="connsiteY0-52" fmla="*/ 5703 h 691060"/>
+                <a:gd name="connsiteX1-53" fmla="*/ 2591228 w 2967403"/>
+                <a:gd name="connsiteY1-54" fmla="*/ 0 h 691060"/>
+                <a:gd name="connsiteX2-55" fmla="*/ 2967403 w 2967403"/>
+                <a:gd name="connsiteY2-56" fmla="*/ 691060 h 691060"/>
+                <a:gd name="connsiteX3-57" fmla="*/ 0 w 2967403"/>
+                <a:gd name="connsiteY3-58" fmla="*/ 661514 h 691060"/>
+                <a:gd name="connsiteX4-59" fmla="*/ 407488 w 2967403"/>
+                <a:gd name="connsiteY4-60" fmla="*/ 5703 h 691060"/>
+              </a:gdLst>
+              <a:ahLst/>
+              <a:cxnLst>
+                <a:cxn ang="0">
+                  <a:pos x="connsiteX0-1" y="connsiteY0-2"/>
+                </a:cxn>
+                <a:cxn ang="0">
+                  <a:pos x="connsiteX1-3" y="connsiteY1-4"/>
+                </a:cxn>
+                <a:cxn ang="0">
+                  <a:pos x="connsiteX2-5" y="connsiteY2-6"/>
+                </a:cxn>
+                <a:cxn ang="0">
+                  <a:pos x="connsiteX3-7" y="connsiteY3-8"/>
+                </a:cxn>
+                <a:cxn ang="0">
+                  <a:pos x="connsiteX4-9" y="connsiteY4-10"/>
+                </a:cxn>
+              </a:cxnLst>
+              <a:rect l="l" t="t" r="r" b="b"/>
+              <a:pathLst>
+                <a:path w="2967403" h="691060">
+                  <a:moveTo>
+                    <a:pt x="407488" y="5703"/>
+                  </a:moveTo>
+                  <a:lnTo>
+                    <a:pt x="2591228" y="0"/>
+                  </a:lnTo>
+                  <a:lnTo>
+                    <a:pt x="2967403" y="691060"/>
+                  </a:lnTo>
+                  <a:lnTo>
+                    <a:pt x="0" y="661514"/>
+                  </a:lnTo>
+                  <a:lnTo>
+                    <a:pt x="407488" y="5703"/>
+                  </a:lnTo>
+                  <a:close/>
+                </a:path>
+              </a:pathLst>
+            </a:custGeom>
+            <a:solidFill>
+              <a:schemeClr val="accent1">
+                <a:lumMod val="60000"/>
+                <a:lumOff val="40000"/>
+              </a:schemeClr>
+            </a:solidFill>
+            <a:ln>
+              <a:noFill/>
+            </a:ln>
+          </p:spPr>
+          <p:style>
+            <a:lnRef idx="2">
+              <a:schemeClr val="accent1">
+                <a:shade val="50000"/>
+              </a:schemeClr>
+            </a:lnRef>
+            <a:fillRef idx="1">
+              <a:schemeClr val="accent1"/>
+            </a:fillRef>
+            <a:effectRef idx="0">
+              <a:schemeClr val="accent1"/>
+            </a:effectRef>
+            <a:fontRef idx="minor">
+              <a:schemeClr val="lt1"/>
+            </a:fontRef>
+          </p:style>
+          <p:txBody>
+            <a:bodyPr anchor="ctr"/>
+            <a:p>
+              <a:pPr algn="ctr">
+                <a:defRPr/>
+              </a:pPr>
+              <a:endParaRPr lang="ko-KR" altLang="en-US"/>
+            </a:p>
+          </p:txBody>
+        </p:sp>
+        <p:sp>
+          <p:nvSpPr>
+            <p:cNvPr id="32" name="자유형 32"/>
+            <p:cNvSpPr/>
+            <p:nvPr/>
+          </p:nvSpPr>
+          <p:spPr bwMode="auto">
+            <a:xfrm rot="1755302">
+              <a:off x="5002212" y="2667658"/>
+              <a:ext cx="2212975" cy="428625"/>
+            </a:xfrm>
+            <a:custGeom>
+              <a:avLst/>
+              <a:gdLst>
+                <a:gd name="connsiteX0" fmla="*/ 0 w 2961540"/>
+                <a:gd name="connsiteY0" fmla="*/ 0 h 648072"/>
+                <a:gd name="connsiteX1" fmla="*/ 2961540 w 2961540"/>
+                <a:gd name="connsiteY1" fmla="*/ 0 h 648072"/>
+                <a:gd name="connsiteX2" fmla="*/ 2961540 w 2961540"/>
+                <a:gd name="connsiteY2" fmla="*/ 648072 h 648072"/>
+                <a:gd name="connsiteX3" fmla="*/ 0 w 2961540"/>
+                <a:gd name="connsiteY3" fmla="*/ 648072 h 648072"/>
+                <a:gd name="connsiteX4" fmla="*/ 0 w 2961540"/>
+                <a:gd name="connsiteY4" fmla="*/ 0 h 648072"/>
+                <a:gd name="connsiteX0-1" fmla="*/ 0 w 2961540"/>
+                <a:gd name="connsiteY0-2" fmla="*/ 0 h 648072"/>
+                <a:gd name="connsiteX1-3" fmla="*/ 2605255 w 2961540"/>
+                <a:gd name="connsiteY1-4" fmla="*/ 15401 h 648072"/>
+                <a:gd name="connsiteX2-5" fmla="*/ 2961540 w 2961540"/>
+                <a:gd name="connsiteY2-6" fmla="*/ 648072 h 648072"/>
+                <a:gd name="connsiteX3-7" fmla="*/ 0 w 2961540"/>
+                <a:gd name="connsiteY3-8" fmla="*/ 648072 h 648072"/>
+                <a:gd name="connsiteX4-9" fmla="*/ 0 w 2961540"/>
+                <a:gd name="connsiteY4-10" fmla="*/ 0 h 648072"/>
+                <a:gd name="connsiteX0-11" fmla="*/ 0 w 3260319"/>
+                <a:gd name="connsiteY0-12" fmla="*/ 58505 h 632671"/>
+                <a:gd name="connsiteX1-13" fmla="*/ 2904034 w 3260319"/>
+                <a:gd name="connsiteY1-14" fmla="*/ 0 h 632671"/>
+                <a:gd name="connsiteX2-15" fmla="*/ 3260319 w 3260319"/>
+                <a:gd name="connsiteY2-16" fmla="*/ 632671 h 632671"/>
+                <a:gd name="connsiteX3-17" fmla="*/ 298779 w 3260319"/>
+                <a:gd name="connsiteY3-18" fmla="*/ 632671 h 632671"/>
+                <a:gd name="connsiteX4-19" fmla="*/ 0 w 3260319"/>
+                <a:gd name="connsiteY4-20" fmla="*/ 58505 h 632671"/>
+              </a:gdLst>
+              <a:ahLst/>
+              <a:cxnLst>
+                <a:cxn ang="0">
+                  <a:pos x="connsiteX0-1" y="connsiteY0-2"/>
+                </a:cxn>
+                <a:cxn ang="0">
+                  <a:pos x="connsiteX1-3" y="connsiteY1-4"/>
+                </a:cxn>
+                <a:cxn ang="0">
+                  <a:pos x="connsiteX2-5" y="connsiteY2-6"/>
+                </a:cxn>
+                <a:cxn ang="0">
+                  <a:pos x="connsiteX3-7" y="connsiteY3-8"/>
+                </a:cxn>
+                <a:cxn ang="0">
+                  <a:pos x="connsiteX4-9" y="connsiteY4-10"/>
+                </a:cxn>
+              </a:cxnLst>
+              <a:rect l="l" t="t" r="r" b="b"/>
+              <a:pathLst>
+                <a:path w="3260319" h="632671">
+                  <a:moveTo>
+                    <a:pt x="0" y="58505"/>
+                  </a:moveTo>
+                  <a:lnTo>
+                    <a:pt x="2904034" y="0"/>
+                  </a:lnTo>
+                  <a:lnTo>
+                    <a:pt x="3260319" y="632671"/>
+                  </a:lnTo>
+                  <a:lnTo>
+                    <a:pt x="298779" y="632671"/>
+                  </a:lnTo>
+                  <a:lnTo>
+                    <a:pt x="0" y="58505"/>
+                  </a:lnTo>
+                  <a:close/>
+                </a:path>
+              </a:pathLst>
+            </a:custGeom>
+            <a:solidFill>
+              <a:schemeClr val="accent1">
+                <a:lumMod val="75000"/>
+              </a:schemeClr>
+            </a:solidFill>
+            <a:ln>
+              <a:noFill/>
+            </a:ln>
+          </p:spPr>
+          <p:style>
+            <a:lnRef idx="2">
+              <a:schemeClr val="accent1">
+                <a:shade val="50000"/>
+              </a:schemeClr>
+            </a:lnRef>
+            <a:fillRef idx="1">
+              <a:schemeClr val="accent1"/>
+            </a:fillRef>
+            <a:effectRef idx="0">
+              <a:schemeClr val="accent1"/>
+            </a:effectRef>
+            <a:fontRef idx="minor">
+              <a:schemeClr val="lt1"/>
+            </a:fontRef>
+          </p:style>
+          <p:txBody>
+            <a:bodyPr anchor="ctr"/>
+            <a:p>
+              <a:pPr algn="ctr">
+                <a:defRPr/>
+              </a:pPr>
+              <a:endParaRPr lang="ko-KR" altLang="en-US"/>
+            </a:p>
+          </p:txBody>
+        </p:sp>
+        <p:sp>
+          <p:nvSpPr>
+            <p:cNvPr id="33" name="자유형 17"/>
+            <p:cNvSpPr/>
+            <p:nvPr/>
+          </p:nvSpPr>
+          <p:spPr bwMode="auto">
+            <a:xfrm rot="1755302">
+              <a:off x="4984750" y="3118508"/>
+              <a:ext cx="2224087" cy="428625"/>
+            </a:xfrm>
+            <a:custGeom>
+              <a:avLst/>
+              <a:gdLst>
+                <a:gd name="connsiteX0" fmla="*/ 0 w 2961540"/>
+                <a:gd name="connsiteY0" fmla="*/ 0 h 648072"/>
+                <a:gd name="connsiteX1" fmla="*/ 2961540 w 2961540"/>
+                <a:gd name="connsiteY1" fmla="*/ 0 h 648072"/>
+                <a:gd name="connsiteX2" fmla="*/ 2961540 w 2961540"/>
+                <a:gd name="connsiteY2" fmla="*/ 648072 h 648072"/>
+                <a:gd name="connsiteX3" fmla="*/ 0 w 2961540"/>
+                <a:gd name="connsiteY3" fmla="*/ 648072 h 648072"/>
+                <a:gd name="connsiteX4" fmla="*/ 0 w 2961540"/>
+                <a:gd name="connsiteY4" fmla="*/ 0 h 648072"/>
+                <a:gd name="connsiteX0-1" fmla="*/ 0 w 2961540"/>
+                <a:gd name="connsiteY0-2" fmla="*/ 0 h 648072"/>
+                <a:gd name="connsiteX1-3" fmla="*/ 2605255 w 2961540"/>
+                <a:gd name="connsiteY1-4" fmla="*/ 15401 h 648072"/>
+                <a:gd name="connsiteX2-5" fmla="*/ 2961540 w 2961540"/>
+                <a:gd name="connsiteY2-6" fmla="*/ 648072 h 648072"/>
+                <a:gd name="connsiteX3-7" fmla="*/ 0 w 2961540"/>
+                <a:gd name="connsiteY3-8" fmla="*/ 648072 h 648072"/>
+                <a:gd name="connsiteX4-9" fmla="*/ 0 w 2961540"/>
+                <a:gd name="connsiteY4-10" fmla="*/ 0 h 648072"/>
+                <a:gd name="connsiteX0-11" fmla="*/ 0 w 3260319"/>
+                <a:gd name="connsiteY0-12" fmla="*/ 58505 h 632671"/>
+                <a:gd name="connsiteX1-13" fmla="*/ 2904034 w 3260319"/>
+                <a:gd name="connsiteY1-14" fmla="*/ 0 h 632671"/>
+                <a:gd name="connsiteX2-15" fmla="*/ 3260319 w 3260319"/>
+                <a:gd name="connsiteY2-16" fmla="*/ 632671 h 632671"/>
+                <a:gd name="connsiteX3-17" fmla="*/ 298779 w 3260319"/>
+                <a:gd name="connsiteY3-18" fmla="*/ 632671 h 632671"/>
+                <a:gd name="connsiteX4-19" fmla="*/ 0 w 3260319"/>
+                <a:gd name="connsiteY4-20" fmla="*/ 58505 h 632671"/>
+                <a:gd name="connsiteX0-21" fmla="*/ 0 w 3277939"/>
+                <a:gd name="connsiteY0-22" fmla="*/ 46540 h 632671"/>
+                <a:gd name="connsiteX1-23" fmla="*/ 2921654 w 3277939"/>
+                <a:gd name="connsiteY1-24" fmla="*/ 0 h 632671"/>
+                <a:gd name="connsiteX2-25" fmla="*/ 3277939 w 3277939"/>
+                <a:gd name="connsiteY2-26" fmla="*/ 632671 h 632671"/>
+                <a:gd name="connsiteX3-27" fmla="*/ 316399 w 3277939"/>
+                <a:gd name="connsiteY3-28" fmla="*/ 632671 h 632671"/>
+                <a:gd name="connsiteX4-29" fmla="*/ 0 w 3277939"/>
+                <a:gd name="connsiteY4-30" fmla="*/ 46540 h 632671"/>
+              </a:gdLst>
+              <a:ahLst/>
+              <a:cxnLst>
+                <a:cxn ang="0">
+                  <a:pos x="connsiteX0-1" y="connsiteY0-2"/>
+                </a:cxn>
+                <a:cxn ang="0">
+                  <a:pos x="connsiteX1-3" y="connsiteY1-4"/>
+                </a:cxn>
+                <a:cxn ang="0">
+                  <a:pos x="connsiteX2-5" y="connsiteY2-6"/>
+                </a:cxn>
+                <a:cxn ang="0">
+                  <a:pos x="connsiteX3-7" y="connsiteY3-8"/>
+                </a:cxn>
+                <a:cxn ang="0">
+                  <a:pos x="connsiteX4-9" y="connsiteY4-10"/>
+                </a:cxn>
+              </a:cxnLst>
+              <a:rect l="l" t="t" r="r" b="b"/>
+              <a:pathLst>
+                <a:path w="3277939" h="632671">
+                  <a:moveTo>
+                    <a:pt x="0" y="46540"/>
+                  </a:moveTo>
+                  <a:lnTo>
+                    <a:pt x="2921654" y="0"/>
+                  </a:lnTo>
+                  <a:lnTo>
+                    <a:pt x="3277939" y="632671"/>
+                  </a:lnTo>
+                  <a:lnTo>
+                    <a:pt x="316399" y="632671"/>
+                  </a:lnTo>
+                  <a:lnTo>
+                    <a:pt x="0" y="46540"/>
+                  </a:lnTo>
+                  <a:close/>
+                </a:path>
+              </a:pathLst>
+            </a:custGeom>
+            <a:solidFill>
+              <a:schemeClr val="accent1"/>
+            </a:solidFill>
+            <a:ln>
+              <a:noFill/>
+            </a:ln>
+          </p:spPr>
+          <p:style>
+            <a:lnRef idx="2">
+              <a:schemeClr val="accent1">
+                <a:shade val="50000"/>
+              </a:schemeClr>
+            </a:lnRef>
+            <a:fillRef idx="1">
+              <a:schemeClr val="accent1"/>
+            </a:fillRef>
+            <a:effectRef idx="0">
+              <a:schemeClr val="accent1"/>
+            </a:effectRef>
+            <a:fontRef idx="minor">
+              <a:schemeClr val="lt1"/>
+            </a:fontRef>
+          </p:style>
+          <p:txBody>
+            <a:bodyPr anchor="ctr"/>
+            <a:p>
+              <a:pPr algn="ctr">
+                <a:defRPr/>
+              </a:pPr>
+              <a:endParaRPr lang="ko-KR" altLang="en-US"/>
+            </a:p>
+          </p:txBody>
+        </p:sp>
+        <p:sp>
+          <p:nvSpPr>
+            <p:cNvPr id="34" name="자유형 19"/>
+            <p:cNvSpPr/>
+            <p:nvPr/>
+          </p:nvSpPr>
+          <p:spPr bwMode="auto">
+            <a:xfrm rot="19844698" flipH="1">
+              <a:off x="4972050" y="4074183"/>
+              <a:ext cx="2247900" cy="439737"/>
+            </a:xfrm>
+            <a:custGeom>
+              <a:avLst/>
+              <a:gdLst>
+                <a:gd name="connsiteX0" fmla="*/ 0 w 2961540"/>
+                <a:gd name="connsiteY0" fmla="*/ 0 h 648072"/>
+                <a:gd name="connsiteX1" fmla="*/ 2961540 w 2961540"/>
+                <a:gd name="connsiteY1" fmla="*/ 0 h 648072"/>
+                <a:gd name="connsiteX2" fmla="*/ 2961540 w 2961540"/>
+                <a:gd name="connsiteY2" fmla="*/ 648072 h 648072"/>
+                <a:gd name="connsiteX3" fmla="*/ 0 w 2961540"/>
+                <a:gd name="connsiteY3" fmla="*/ 648072 h 648072"/>
+                <a:gd name="connsiteX4" fmla="*/ 0 w 2961540"/>
+                <a:gd name="connsiteY4" fmla="*/ 0 h 648072"/>
+                <a:gd name="connsiteX0-1" fmla="*/ 0 w 2961540"/>
+                <a:gd name="connsiteY0-2" fmla="*/ 0 h 648072"/>
+                <a:gd name="connsiteX1-3" fmla="*/ 2961540 w 2961540"/>
+                <a:gd name="connsiteY1-4" fmla="*/ 0 h 648072"/>
+                <a:gd name="connsiteX2-5" fmla="*/ 2961540 w 2961540"/>
+                <a:gd name="connsiteY2-6" fmla="*/ 648072 h 648072"/>
+                <a:gd name="connsiteX3-7" fmla="*/ 383001 w 2961540"/>
+                <a:gd name="connsiteY3-8" fmla="*/ 645803 h 648072"/>
+                <a:gd name="connsiteX4-9" fmla="*/ 0 w 2961540"/>
+                <a:gd name="connsiteY4-10" fmla="*/ 0 h 648072"/>
+                <a:gd name="connsiteX0-11" fmla="*/ 0 w 3311251"/>
+                <a:gd name="connsiteY0-12" fmla="*/ 0 h 648698"/>
+                <a:gd name="connsiteX1-13" fmla="*/ 2961540 w 3311251"/>
+                <a:gd name="connsiteY1-14" fmla="*/ 0 h 648698"/>
+                <a:gd name="connsiteX2-15" fmla="*/ 3311251 w 3311251"/>
+                <a:gd name="connsiteY2-16" fmla="*/ 648698 h 648698"/>
+                <a:gd name="connsiteX3-17" fmla="*/ 383001 w 3311251"/>
+                <a:gd name="connsiteY3-18" fmla="*/ 645803 h 648698"/>
+                <a:gd name="connsiteX4-19" fmla="*/ 0 w 3311251"/>
+                <a:gd name="connsiteY4-20" fmla="*/ 0 h 648698"/>
+              </a:gdLst>
+              <a:ahLst/>
+              <a:cxnLst>
+                <a:cxn ang="0">
+                  <a:pos x="connsiteX0-1" y="connsiteY0-2"/>
+                </a:cxn>
+                <a:cxn ang="0">
+                  <a:pos x="connsiteX1-3" y="connsiteY1-4"/>
+                </a:cxn>
+                <a:cxn ang="0">
+                  <a:pos x="connsiteX2-5" y="connsiteY2-6"/>
+                </a:cxn>
+                <a:cxn ang="0">
+                  <a:pos x="connsiteX3-7" y="connsiteY3-8"/>
+                </a:cxn>
+                <a:cxn ang="0">
+                  <a:pos x="connsiteX4-9" y="connsiteY4-10"/>
+                </a:cxn>
+              </a:cxnLst>
+              <a:rect l="l" t="t" r="r" b="b"/>
+              <a:pathLst>
+                <a:path w="3311251" h="648698">
+                  <a:moveTo>
+                    <a:pt x="0" y="0"/>
+                  </a:moveTo>
+                  <a:lnTo>
+                    <a:pt x="2961540" y="0"/>
+                  </a:lnTo>
+                  <a:lnTo>
+                    <a:pt x="3311251" y="648698"/>
+                  </a:lnTo>
+                  <a:lnTo>
+                    <a:pt x="383001" y="645803"/>
+                  </a:lnTo>
+                  <a:lnTo>
+                    <a:pt x="0" y="0"/>
+                  </a:lnTo>
+                  <a:close/>
+                </a:path>
+              </a:pathLst>
+            </a:custGeom>
+            <a:solidFill>
+              <a:schemeClr val="accent1">
+                <a:lumMod val="40000"/>
+                <a:lumOff val="60000"/>
+              </a:schemeClr>
+            </a:solidFill>
+            <a:ln>
+              <a:noFill/>
+            </a:ln>
+          </p:spPr>
+          <p:style>
+            <a:lnRef idx="2">
+              <a:schemeClr val="accent1">
+                <a:shade val="50000"/>
+              </a:schemeClr>
+            </a:lnRef>
+            <a:fillRef idx="1">
+              <a:schemeClr val="accent1"/>
+            </a:fillRef>
+            <a:effectRef idx="0">
+              <a:schemeClr val="accent1"/>
+            </a:effectRef>
+            <a:fontRef idx="minor">
+              <a:schemeClr val="lt1"/>
+            </a:fontRef>
+          </p:style>
+          <p:txBody>
+            <a:bodyPr anchor="ctr"/>
+            <a:p>
+              <a:pPr algn="ctr">
+                <a:defRPr/>
+              </a:pPr>
+              <a:endParaRPr lang="ko-KR" altLang="en-US" dirty="0"/>
+            </a:p>
+          </p:txBody>
+        </p:sp>
+      </p:grpSp>
+      <p:sp>
+        <p:nvSpPr>
+          <p:cNvPr id="35" name="矩形: 圆角 19"/>
+          <p:cNvSpPr/>
+          <p:nvPr/>
+        </p:nvSpPr>
+        <p:spPr>
+          <a:xfrm rot="16200000">
+            <a:off x="2220266" y="6155156"/>
+            <a:ext cx="1208015" cy="107355"/>
+          </a:xfrm>
+          <a:prstGeom prst="roundRect">
+            <a:avLst>
+              <a:gd name="adj" fmla="val 50000"/>
+            </a:avLst>
+          </a:prstGeom>
+          <a:solidFill>
+            <a:schemeClr val="tx1"/>
+          </a:solidFill>
+          <a:ln>
+            <a:noFill/>
+          </a:ln>
+          <a:effectLst>
+            <a:outerShdw blurRad="50800" dist="38100" dir="5400000" algn="t" rotWithShape="0">
+              <a:prstClr val="black">
+                <a:alpha val="40000"/>
+              </a:prstClr>
+            </a:outerShdw>
+          </a:effectLst>
+        </p:spPr>
+        <p:style>
+          <a:lnRef idx="2">
+            <a:schemeClr val="accent1">
+              <a:shade val="50000"/>
+            </a:schemeClr>
+          </a:lnRef>
+          <a:fillRef idx="1">
+            <a:schemeClr val="accent1"/>
+          </a:fillRef>
+          <a:effectRef idx="0">
+            <a:schemeClr val="accent1"/>
+          </a:effectRef>
+          <a:fontRef idx="minor">
+            <a:schemeClr val="lt1"/>
+          </a:fontRef>
+        </p:style>
+        <p:txBody>
+          <a:bodyPr rtlCol="0" anchor="ctr"/>
+          <a:p>
+            <a:pPr algn="ctr"/>
+            <a:endParaRPr lang="zh-CN" altLang="en-US"/>
+          </a:p>
+        </p:txBody>
+      </p:sp>
+      <p:grpSp>
+        <p:nvGrpSpPr>
+          <p:cNvPr id="4" name="组合 3"/>
+          <p:cNvGrpSpPr/>
+          <p:nvPr/>
+        </p:nvGrpSpPr>
+        <p:grpSpPr>
+          <a:xfrm rot="5400000">
+            <a:off x="8824851" y="5468919"/>
+            <a:ext cx="868566" cy="713377"/>
+            <a:chOff x="4972050" y="2667658"/>
+            <a:chExt cx="2247900" cy="1846262"/>
+          </a:xfrm>
+        </p:grpSpPr>
+        <p:sp>
+          <p:nvSpPr>
+            <p:cNvPr id="5" name="자유형 24"/>
+            <p:cNvSpPr/>
+            <p:nvPr/>
+          </p:nvSpPr>
+          <p:spPr bwMode="auto">
+            <a:xfrm rot="19844698" flipH="1">
+              <a:off x="4978400" y="3628095"/>
+              <a:ext cx="2014537" cy="469900"/>
+            </a:xfrm>
+            <a:custGeom>
+              <a:avLst/>
+              <a:gdLst>
+                <a:gd name="connsiteX0" fmla="*/ 0 w 2961540"/>
+                <a:gd name="connsiteY0" fmla="*/ 0 h 648072"/>
+                <a:gd name="connsiteX1" fmla="*/ 2961540 w 2961540"/>
+                <a:gd name="connsiteY1" fmla="*/ 0 h 648072"/>
+                <a:gd name="connsiteX2" fmla="*/ 2961540 w 2961540"/>
+                <a:gd name="connsiteY2" fmla="*/ 648072 h 648072"/>
+                <a:gd name="connsiteX3" fmla="*/ 0 w 2961540"/>
+                <a:gd name="connsiteY3" fmla="*/ 648072 h 648072"/>
+                <a:gd name="connsiteX4" fmla="*/ 0 w 2961540"/>
+                <a:gd name="connsiteY4" fmla="*/ 0 h 648072"/>
+                <a:gd name="connsiteX0-1" fmla="*/ 203047 w 3164587"/>
+                <a:gd name="connsiteY0-2" fmla="*/ 0 h 650470"/>
+                <a:gd name="connsiteX1-3" fmla="*/ 3164587 w 3164587"/>
+                <a:gd name="connsiteY1-4" fmla="*/ 0 h 650470"/>
+                <a:gd name="connsiteX2-5" fmla="*/ 3164587 w 3164587"/>
+                <a:gd name="connsiteY2-6" fmla="*/ 648072 h 650470"/>
+                <a:gd name="connsiteX3-7" fmla="*/ 0 w 3164587"/>
+                <a:gd name="connsiteY3-8" fmla="*/ 650470 h 650470"/>
+                <a:gd name="connsiteX4-9" fmla="*/ 203047 w 3164587"/>
+                <a:gd name="connsiteY4-10" fmla="*/ 0 h 650470"/>
+                <a:gd name="connsiteX0-11" fmla="*/ 407488 w 3164587"/>
+                <a:gd name="connsiteY0-12" fmla="*/ 0 h 655811"/>
+                <a:gd name="connsiteX1-13" fmla="*/ 3164587 w 3164587"/>
+                <a:gd name="connsiteY1-14" fmla="*/ 5341 h 655811"/>
+                <a:gd name="connsiteX2-15" fmla="*/ 3164587 w 3164587"/>
+                <a:gd name="connsiteY2-16" fmla="*/ 653413 h 655811"/>
+                <a:gd name="connsiteX3-17" fmla="*/ 0 w 3164587"/>
+                <a:gd name="connsiteY3-18" fmla="*/ 655811 h 655811"/>
+                <a:gd name="connsiteX4-19" fmla="*/ 407488 w 3164587"/>
+                <a:gd name="connsiteY4-20" fmla="*/ 0 h 655811"/>
+                <a:gd name="connsiteX0-21" fmla="*/ 407488 w 3164587"/>
+                <a:gd name="connsiteY0-22" fmla="*/ 0 h 655811"/>
+                <a:gd name="connsiteX1-23" fmla="*/ 2615502 w 3164587"/>
+                <a:gd name="connsiteY1-24" fmla="*/ 57122 h 655811"/>
+                <a:gd name="connsiteX2-25" fmla="*/ 3164587 w 3164587"/>
+                <a:gd name="connsiteY2-26" fmla="*/ 653413 h 655811"/>
+                <a:gd name="connsiteX3-27" fmla="*/ 0 w 3164587"/>
+                <a:gd name="connsiteY3-28" fmla="*/ 655811 h 655811"/>
+                <a:gd name="connsiteX4-29" fmla="*/ 407488 w 3164587"/>
+                <a:gd name="connsiteY4-30" fmla="*/ 0 h 655811"/>
+                <a:gd name="connsiteX0-31" fmla="*/ 407488 w 2967403"/>
+                <a:gd name="connsiteY0-32" fmla="*/ 0 h 685357"/>
+                <a:gd name="connsiteX1-33" fmla="*/ 2615502 w 2967403"/>
+                <a:gd name="connsiteY1-34" fmla="*/ 57122 h 685357"/>
+                <a:gd name="connsiteX2-35" fmla="*/ 2967403 w 2967403"/>
+                <a:gd name="connsiteY2-36" fmla="*/ 685357 h 685357"/>
+                <a:gd name="connsiteX3-37" fmla="*/ 0 w 2967403"/>
+                <a:gd name="connsiteY3-38" fmla="*/ 655811 h 685357"/>
+                <a:gd name="connsiteX4-39" fmla="*/ 407488 w 2967403"/>
+                <a:gd name="connsiteY4-40" fmla="*/ 0 h 685357"/>
+                <a:gd name="connsiteX0-41" fmla="*/ 407488 w 2967403"/>
+                <a:gd name="connsiteY0-42" fmla="*/ 0 h 685357"/>
+                <a:gd name="connsiteX1-43" fmla="*/ 2583917 w 2967403"/>
+                <a:gd name="connsiteY1-44" fmla="*/ 20227 h 685357"/>
+                <a:gd name="connsiteX2-45" fmla="*/ 2967403 w 2967403"/>
+                <a:gd name="connsiteY2-46" fmla="*/ 685357 h 685357"/>
+                <a:gd name="connsiteX3-47" fmla="*/ 0 w 2967403"/>
+                <a:gd name="connsiteY3-48" fmla="*/ 655811 h 685357"/>
+                <a:gd name="connsiteX4-49" fmla="*/ 407488 w 2967403"/>
+                <a:gd name="connsiteY4-50" fmla="*/ 0 h 685357"/>
+                <a:gd name="connsiteX0-51" fmla="*/ 407488 w 2967403"/>
+                <a:gd name="connsiteY0-52" fmla="*/ 5703 h 691060"/>
+                <a:gd name="connsiteX1-53" fmla="*/ 2591228 w 2967403"/>
+                <a:gd name="connsiteY1-54" fmla="*/ 0 h 691060"/>
+                <a:gd name="connsiteX2-55" fmla="*/ 2967403 w 2967403"/>
+                <a:gd name="connsiteY2-56" fmla="*/ 691060 h 691060"/>
+                <a:gd name="connsiteX3-57" fmla="*/ 0 w 2967403"/>
+                <a:gd name="connsiteY3-58" fmla="*/ 661514 h 691060"/>
+                <a:gd name="connsiteX4-59" fmla="*/ 407488 w 2967403"/>
+                <a:gd name="connsiteY4-60" fmla="*/ 5703 h 691060"/>
+              </a:gdLst>
+              <a:ahLst/>
+              <a:cxnLst>
+                <a:cxn ang="0">
+                  <a:pos x="connsiteX0-1" y="connsiteY0-2"/>
+                </a:cxn>
+                <a:cxn ang="0">
+                  <a:pos x="connsiteX1-3" y="connsiteY1-4"/>
+                </a:cxn>
+                <a:cxn ang="0">
+                  <a:pos x="connsiteX2-5" y="connsiteY2-6"/>
+                </a:cxn>
+                <a:cxn ang="0">
+                  <a:pos x="connsiteX3-7" y="connsiteY3-8"/>
+                </a:cxn>
+                <a:cxn ang="0">
+                  <a:pos x="connsiteX4-9" y="connsiteY4-10"/>
+                </a:cxn>
+              </a:cxnLst>
+              <a:rect l="l" t="t" r="r" b="b"/>
+              <a:pathLst>
+                <a:path w="2967403" h="691060">
+                  <a:moveTo>
+                    <a:pt x="407488" y="5703"/>
+                  </a:moveTo>
+                  <a:lnTo>
+                    <a:pt x="2591228" y="0"/>
+                  </a:lnTo>
+                  <a:lnTo>
+                    <a:pt x="2967403" y="691060"/>
+                  </a:lnTo>
+                  <a:lnTo>
+                    <a:pt x="0" y="661514"/>
+                  </a:lnTo>
+                  <a:lnTo>
+                    <a:pt x="407488" y="5703"/>
+                  </a:lnTo>
+                  <a:close/>
+                </a:path>
+              </a:pathLst>
+            </a:custGeom>
+            <a:solidFill>
+              <a:schemeClr val="accent1">
+                <a:lumMod val="60000"/>
+                <a:lumOff val="40000"/>
+              </a:schemeClr>
+            </a:solidFill>
+            <a:ln>
+              <a:noFill/>
+            </a:ln>
+          </p:spPr>
+          <p:style>
+            <a:lnRef idx="2">
+              <a:schemeClr val="accent1">
+                <a:shade val="50000"/>
+              </a:schemeClr>
+            </a:lnRef>
+            <a:fillRef idx="1">
+              <a:schemeClr val="accent1"/>
+            </a:fillRef>
+            <a:effectRef idx="0">
+              <a:schemeClr val="accent1"/>
+            </a:effectRef>
+            <a:fontRef idx="minor">
+              <a:schemeClr val="lt1"/>
+            </a:fontRef>
+          </p:style>
+          <p:txBody>
+            <a:bodyPr anchor="ctr"/>
+            <a:p>
+              <a:pPr algn="ctr">
+                <a:defRPr/>
+              </a:pPr>
+              <a:endParaRPr lang="ko-KR" altLang="en-US"/>
+            </a:p>
+          </p:txBody>
+        </p:sp>
+        <p:sp>
+          <p:nvSpPr>
+            <p:cNvPr id="8" name="자유형 32"/>
+            <p:cNvSpPr/>
+            <p:nvPr/>
+          </p:nvSpPr>
+          <p:spPr bwMode="auto">
+            <a:xfrm rot="1755302">
+              <a:off x="5002212" y="2667658"/>
+              <a:ext cx="2212975" cy="428625"/>
+            </a:xfrm>
+            <a:custGeom>
+              <a:avLst/>
+              <a:gdLst>
+                <a:gd name="connsiteX0" fmla="*/ 0 w 2961540"/>
+                <a:gd name="connsiteY0" fmla="*/ 0 h 648072"/>
+                <a:gd name="connsiteX1" fmla="*/ 2961540 w 2961540"/>
+                <a:gd name="connsiteY1" fmla="*/ 0 h 648072"/>
+                <a:gd name="connsiteX2" fmla="*/ 2961540 w 2961540"/>
+                <a:gd name="connsiteY2" fmla="*/ 648072 h 648072"/>
+                <a:gd name="connsiteX3" fmla="*/ 0 w 2961540"/>
+                <a:gd name="connsiteY3" fmla="*/ 648072 h 648072"/>
+                <a:gd name="connsiteX4" fmla="*/ 0 w 2961540"/>
+                <a:gd name="connsiteY4" fmla="*/ 0 h 648072"/>
+                <a:gd name="connsiteX0-1" fmla="*/ 0 w 2961540"/>
+                <a:gd name="connsiteY0-2" fmla="*/ 0 h 648072"/>
+                <a:gd name="connsiteX1-3" fmla="*/ 2605255 w 2961540"/>
+                <a:gd name="connsiteY1-4" fmla="*/ 15401 h 648072"/>
+                <a:gd name="connsiteX2-5" fmla="*/ 2961540 w 2961540"/>
+                <a:gd name="connsiteY2-6" fmla="*/ 648072 h 648072"/>
+                <a:gd name="connsiteX3-7" fmla="*/ 0 w 2961540"/>
+                <a:gd name="connsiteY3-8" fmla="*/ 648072 h 648072"/>
+                <a:gd name="connsiteX4-9" fmla="*/ 0 w 2961540"/>
+                <a:gd name="connsiteY4-10" fmla="*/ 0 h 648072"/>
+                <a:gd name="connsiteX0-11" fmla="*/ 0 w 3260319"/>
+                <a:gd name="connsiteY0-12" fmla="*/ 58505 h 632671"/>
+                <a:gd name="connsiteX1-13" fmla="*/ 2904034 w 3260319"/>
+                <a:gd name="connsiteY1-14" fmla="*/ 0 h 632671"/>
+                <a:gd name="connsiteX2-15" fmla="*/ 3260319 w 3260319"/>
+                <a:gd name="connsiteY2-16" fmla="*/ 632671 h 632671"/>
+                <a:gd name="connsiteX3-17" fmla="*/ 298779 w 3260319"/>
+                <a:gd name="connsiteY3-18" fmla="*/ 632671 h 632671"/>
+                <a:gd name="connsiteX4-19" fmla="*/ 0 w 3260319"/>
+                <a:gd name="connsiteY4-20" fmla="*/ 58505 h 632671"/>
+              </a:gdLst>
+              <a:ahLst/>
+              <a:cxnLst>
+                <a:cxn ang="0">
+                  <a:pos x="connsiteX0-1" y="connsiteY0-2"/>
+                </a:cxn>
+                <a:cxn ang="0">
+                  <a:pos x="connsiteX1-3" y="connsiteY1-4"/>
+                </a:cxn>
+                <a:cxn ang="0">
+                  <a:pos x="connsiteX2-5" y="connsiteY2-6"/>
+                </a:cxn>
+                <a:cxn ang="0">
+                  <a:pos x="connsiteX3-7" y="connsiteY3-8"/>
+                </a:cxn>
+                <a:cxn ang="0">
+                  <a:pos x="connsiteX4-9" y="connsiteY4-10"/>
+                </a:cxn>
+              </a:cxnLst>
+              <a:rect l="l" t="t" r="r" b="b"/>
+              <a:pathLst>
+                <a:path w="3260319" h="632671">
+                  <a:moveTo>
+                    <a:pt x="0" y="58505"/>
+                  </a:moveTo>
+                  <a:lnTo>
+                    <a:pt x="2904034" y="0"/>
+                  </a:lnTo>
+                  <a:lnTo>
+                    <a:pt x="3260319" y="632671"/>
+                  </a:lnTo>
+                  <a:lnTo>
+                    <a:pt x="298779" y="632671"/>
+                  </a:lnTo>
+                  <a:lnTo>
+                    <a:pt x="0" y="58505"/>
+                  </a:lnTo>
+                  <a:close/>
+                </a:path>
+              </a:pathLst>
+            </a:custGeom>
+            <a:solidFill>
+              <a:schemeClr val="accent1">
+                <a:lumMod val="75000"/>
+              </a:schemeClr>
+            </a:solidFill>
+            <a:ln>
+              <a:noFill/>
+            </a:ln>
+          </p:spPr>
+          <p:style>
+            <a:lnRef idx="2">
+              <a:schemeClr val="accent1">
+                <a:shade val="50000"/>
+              </a:schemeClr>
+            </a:lnRef>
+            <a:fillRef idx="1">
+              <a:schemeClr val="accent1"/>
+            </a:fillRef>
+            <a:effectRef idx="0">
+              <a:schemeClr val="accent1"/>
+            </a:effectRef>
+            <a:fontRef idx="minor">
+              <a:schemeClr val="lt1"/>
+            </a:fontRef>
+          </p:style>
+          <p:txBody>
+            <a:bodyPr anchor="ctr"/>
+            <a:p>
+              <a:pPr algn="ctr">
+                <a:defRPr/>
+              </a:pPr>
+              <a:endParaRPr lang="ko-KR" altLang="en-US"/>
+            </a:p>
+          </p:txBody>
+        </p:sp>
+        <p:sp>
+          <p:nvSpPr>
+            <p:cNvPr id="9" name="자유형 17"/>
+            <p:cNvSpPr/>
+            <p:nvPr/>
+          </p:nvSpPr>
+          <p:spPr bwMode="auto">
+            <a:xfrm rot="1755302">
+              <a:off x="4984750" y="3118508"/>
+              <a:ext cx="2224087" cy="428625"/>
+            </a:xfrm>
+            <a:custGeom>
+              <a:avLst/>
+              <a:gdLst>
+                <a:gd name="connsiteX0" fmla="*/ 0 w 2961540"/>
+                <a:gd name="connsiteY0" fmla="*/ 0 h 648072"/>
+                <a:gd name="connsiteX1" fmla="*/ 2961540 w 2961540"/>
+                <a:gd name="connsiteY1" fmla="*/ 0 h 648072"/>
+                <a:gd name="connsiteX2" fmla="*/ 2961540 w 2961540"/>
+                <a:gd name="connsiteY2" fmla="*/ 648072 h 648072"/>
+                <a:gd name="connsiteX3" fmla="*/ 0 w 2961540"/>
+                <a:gd name="connsiteY3" fmla="*/ 648072 h 648072"/>
+                <a:gd name="connsiteX4" fmla="*/ 0 w 2961540"/>
+                <a:gd name="connsiteY4" fmla="*/ 0 h 648072"/>
+                <a:gd name="connsiteX0-1" fmla="*/ 0 w 2961540"/>
+                <a:gd name="connsiteY0-2" fmla="*/ 0 h 648072"/>
+                <a:gd name="connsiteX1-3" fmla="*/ 2605255 w 2961540"/>
+                <a:gd name="connsiteY1-4" fmla="*/ 15401 h 648072"/>
+                <a:gd name="connsiteX2-5" fmla="*/ 2961540 w 2961540"/>
+                <a:gd name="connsiteY2-6" fmla="*/ 648072 h 648072"/>
+                <a:gd name="connsiteX3-7" fmla="*/ 0 w 2961540"/>
+                <a:gd name="connsiteY3-8" fmla="*/ 648072 h 648072"/>
+                <a:gd name="connsiteX4-9" fmla="*/ 0 w 2961540"/>
+                <a:gd name="connsiteY4-10" fmla="*/ 0 h 648072"/>
+                <a:gd name="connsiteX0-11" fmla="*/ 0 w 3260319"/>
+                <a:gd name="connsiteY0-12" fmla="*/ 58505 h 632671"/>
+                <a:gd name="connsiteX1-13" fmla="*/ 2904034 w 3260319"/>
+                <a:gd name="connsiteY1-14" fmla="*/ 0 h 632671"/>
+                <a:gd name="connsiteX2-15" fmla="*/ 3260319 w 3260319"/>
+                <a:gd name="connsiteY2-16" fmla="*/ 632671 h 632671"/>
+                <a:gd name="connsiteX3-17" fmla="*/ 298779 w 3260319"/>
+                <a:gd name="connsiteY3-18" fmla="*/ 632671 h 632671"/>
+                <a:gd name="connsiteX4-19" fmla="*/ 0 w 3260319"/>
+                <a:gd name="connsiteY4-20" fmla="*/ 58505 h 632671"/>
+                <a:gd name="connsiteX0-21" fmla="*/ 0 w 3277939"/>
+                <a:gd name="connsiteY0-22" fmla="*/ 46540 h 632671"/>
+                <a:gd name="connsiteX1-23" fmla="*/ 2921654 w 3277939"/>
+                <a:gd name="connsiteY1-24" fmla="*/ 0 h 632671"/>
+                <a:gd name="connsiteX2-25" fmla="*/ 3277939 w 3277939"/>
+                <a:gd name="connsiteY2-26" fmla="*/ 632671 h 632671"/>
+                <a:gd name="connsiteX3-27" fmla="*/ 316399 w 3277939"/>
+                <a:gd name="connsiteY3-28" fmla="*/ 632671 h 632671"/>
+                <a:gd name="connsiteX4-29" fmla="*/ 0 w 3277939"/>
+                <a:gd name="connsiteY4-30" fmla="*/ 46540 h 632671"/>
+              </a:gdLst>
+              <a:ahLst/>
+              <a:cxnLst>
+                <a:cxn ang="0">
+                  <a:pos x="connsiteX0-1" y="connsiteY0-2"/>
+                </a:cxn>
+                <a:cxn ang="0">
+                  <a:pos x="connsiteX1-3" y="connsiteY1-4"/>
+                </a:cxn>
+                <a:cxn ang="0">
+                  <a:pos x="connsiteX2-5" y="connsiteY2-6"/>
+                </a:cxn>
+                <a:cxn ang="0">
+                  <a:pos x="connsiteX3-7" y="connsiteY3-8"/>
+                </a:cxn>
+                <a:cxn ang="0">
+                  <a:pos x="connsiteX4-9" y="connsiteY4-10"/>
+                </a:cxn>
+              </a:cxnLst>
+              <a:rect l="l" t="t" r="r" b="b"/>
+              <a:pathLst>
+                <a:path w="3277939" h="632671">
+                  <a:moveTo>
+                    <a:pt x="0" y="46540"/>
+                  </a:moveTo>
+                  <a:lnTo>
+                    <a:pt x="2921654" y="0"/>
+                  </a:lnTo>
+                  <a:lnTo>
+                    <a:pt x="3277939" y="632671"/>
+                  </a:lnTo>
+                  <a:lnTo>
+                    <a:pt x="316399" y="632671"/>
+                  </a:lnTo>
+                  <a:lnTo>
+                    <a:pt x="0" y="46540"/>
+                  </a:lnTo>
+                  <a:close/>
+                </a:path>
+              </a:pathLst>
+            </a:custGeom>
+            <a:solidFill>
+              <a:schemeClr val="accent1"/>
+            </a:solidFill>
+            <a:ln>
+              <a:noFill/>
+            </a:ln>
+          </p:spPr>
+          <p:style>
+            <a:lnRef idx="2">
+              <a:schemeClr val="accent1">
+                <a:shade val="50000"/>
+              </a:schemeClr>
+            </a:lnRef>
+            <a:fillRef idx="1">
+              <a:schemeClr val="accent1"/>
+            </a:fillRef>
+            <a:effectRef idx="0">
+              <a:schemeClr val="accent1"/>
+            </a:effectRef>
+            <a:fontRef idx="minor">
+              <a:schemeClr val="lt1"/>
+            </a:fontRef>
+          </p:style>
+          <p:txBody>
+            <a:bodyPr anchor="ctr"/>
+            <a:p>
+              <a:pPr algn="ctr">
+                <a:defRPr/>
+              </a:pPr>
+              <a:endParaRPr lang="ko-KR" altLang="en-US"/>
+            </a:p>
+          </p:txBody>
+        </p:sp>
+        <p:sp>
+          <p:nvSpPr>
+            <p:cNvPr id="10" name="자유형 19"/>
+            <p:cNvSpPr/>
+            <p:nvPr/>
+          </p:nvSpPr>
+          <p:spPr bwMode="auto">
+            <a:xfrm rot="19844698" flipH="1">
+              <a:off x="4972050" y="4074183"/>
+              <a:ext cx="2247900" cy="439737"/>
+            </a:xfrm>
+            <a:custGeom>
+              <a:avLst/>
+              <a:gdLst>
+                <a:gd name="connsiteX0" fmla="*/ 0 w 2961540"/>
+                <a:gd name="connsiteY0" fmla="*/ 0 h 648072"/>
+                <a:gd name="connsiteX1" fmla="*/ 2961540 w 2961540"/>
+                <a:gd name="connsiteY1" fmla="*/ 0 h 648072"/>
+                <a:gd name="connsiteX2" fmla="*/ 2961540 w 2961540"/>
+                <a:gd name="connsiteY2" fmla="*/ 648072 h 648072"/>
+                <a:gd name="connsiteX3" fmla="*/ 0 w 2961540"/>
+                <a:gd name="connsiteY3" fmla="*/ 648072 h 648072"/>
+                <a:gd name="connsiteX4" fmla="*/ 0 w 2961540"/>
+                <a:gd name="connsiteY4" fmla="*/ 0 h 648072"/>
+                <a:gd name="connsiteX0-1" fmla="*/ 0 w 2961540"/>
+                <a:gd name="connsiteY0-2" fmla="*/ 0 h 648072"/>
+                <a:gd name="connsiteX1-3" fmla="*/ 2961540 w 2961540"/>
+                <a:gd name="connsiteY1-4" fmla="*/ 0 h 648072"/>
+                <a:gd name="connsiteX2-5" fmla="*/ 2961540 w 2961540"/>
+                <a:gd name="connsiteY2-6" fmla="*/ 648072 h 648072"/>
+                <a:gd name="connsiteX3-7" fmla="*/ 383001 w 2961540"/>
+                <a:gd name="connsiteY3-8" fmla="*/ 645803 h 648072"/>
+                <a:gd name="connsiteX4-9" fmla="*/ 0 w 2961540"/>
+                <a:gd name="connsiteY4-10" fmla="*/ 0 h 648072"/>
+                <a:gd name="connsiteX0-11" fmla="*/ 0 w 3311251"/>
+                <a:gd name="connsiteY0-12" fmla="*/ 0 h 648698"/>
+                <a:gd name="connsiteX1-13" fmla="*/ 2961540 w 3311251"/>
+                <a:gd name="connsiteY1-14" fmla="*/ 0 h 648698"/>
+                <a:gd name="connsiteX2-15" fmla="*/ 3311251 w 3311251"/>
+                <a:gd name="connsiteY2-16" fmla="*/ 648698 h 648698"/>
+                <a:gd name="connsiteX3-17" fmla="*/ 383001 w 3311251"/>
+                <a:gd name="connsiteY3-18" fmla="*/ 645803 h 648698"/>
+                <a:gd name="connsiteX4-19" fmla="*/ 0 w 3311251"/>
+                <a:gd name="connsiteY4-20" fmla="*/ 0 h 648698"/>
+              </a:gdLst>
+              <a:ahLst/>
+              <a:cxnLst>
+                <a:cxn ang="0">
+                  <a:pos x="connsiteX0-1" y="connsiteY0-2"/>
+                </a:cxn>
+                <a:cxn ang="0">
+                  <a:pos x="connsiteX1-3" y="connsiteY1-4"/>
+                </a:cxn>
+                <a:cxn ang="0">
+                  <a:pos x="connsiteX2-5" y="connsiteY2-6"/>
+                </a:cxn>
+                <a:cxn ang="0">
+                  <a:pos x="connsiteX3-7" y="connsiteY3-8"/>
+                </a:cxn>
+                <a:cxn ang="0">
+                  <a:pos x="connsiteX4-9" y="connsiteY4-10"/>
+                </a:cxn>
+              </a:cxnLst>
+              <a:rect l="l" t="t" r="r" b="b"/>
+              <a:pathLst>
+                <a:path w="3311251" h="648698">
+                  <a:moveTo>
+                    <a:pt x="0" y="0"/>
+                  </a:moveTo>
+                  <a:lnTo>
+                    <a:pt x="2961540" y="0"/>
+                  </a:lnTo>
+                  <a:lnTo>
+                    <a:pt x="3311251" y="648698"/>
+                  </a:lnTo>
+                  <a:lnTo>
+                    <a:pt x="383001" y="645803"/>
+                  </a:lnTo>
+                  <a:lnTo>
+                    <a:pt x="0" y="0"/>
+                  </a:lnTo>
+                  <a:close/>
+                </a:path>
+              </a:pathLst>
+            </a:custGeom>
+            <a:solidFill>
+              <a:schemeClr val="accent1">
+                <a:lumMod val="40000"/>
+                <a:lumOff val="60000"/>
+              </a:schemeClr>
+            </a:solidFill>
+            <a:ln>
+              <a:noFill/>
+            </a:ln>
+          </p:spPr>
+          <p:style>
+            <a:lnRef idx="2">
+              <a:schemeClr val="accent1">
+                <a:shade val="50000"/>
+              </a:schemeClr>
+            </a:lnRef>
+            <a:fillRef idx="1">
+              <a:schemeClr val="accent1"/>
+            </a:fillRef>
+            <a:effectRef idx="0">
+              <a:schemeClr val="accent1"/>
+            </a:effectRef>
+            <a:fontRef idx="minor">
+              <a:schemeClr val="lt1"/>
+            </a:fontRef>
+          </p:style>
+          <p:txBody>
+            <a:bodyPr anchor="ctr"/>
+            <a:p>
+              <a:pPr algn="ctr">
+                <a:defRPr/>
+              </a:pPr>
+              <a:endParaRPr lang="ko-KR" altLang="en-US" dirty="0"/>
+            </a:p>
+          </p:txBody>
+        </p:sp>
+      </p:grpSp>
+      <p:sp>
+        <p:nvSpPr>
+          <p:cNvPr id="11" name="矩形: 圆角 19"/>
+          <p:cNvSpPr/>
+          <p:nvPr/>
+        </p:nvSpPr>
+        <p:spPr>
+          <a:xfrm>
+            <a:off x="8659166" y="5297906"/>
+            <a:ext cx="1208015" cy="107355"/>
+          </a:xfrm>
+          <a:prstGeom prst="roundRect">
+            <a:avLst>
+              <a:gd name="adj" fmla="val 50000"/>
+            </a:avLst>
+          </a:prstGeom>
+          <a:solidFill>
+            <a:schemeClr val="tx1"/>
+          </a:solidFill>
+          <a:ln>
+            <a:noFill/>
+          </a:ln>
+          <a:effectLst>
+            <a:outerShdw blurRad="50800" dist="38100" dir="5400000" algn="t" rotWithShape="0">
+              <a:prstClr val="black">
+                <a:alpha val="40000"/>
+              </a:prstClr>
+            </a:outerShdw>
+          </a:effectLst>
+        </p:spPr>
+        <p:style>
+          <a:lnRef idx="2">
+            <a:schemeClr val="accent1">
+              <a:shade val="50000"/>
+            </a:schemeClr>
+          </a:lnRef>
+          <a:fillRef idx="1">
+            <a:schemeClr val="accent1"/>
+          </a:fillRef>
+          <a:effectRef idx="0">
+            <a:schemeClr val="accent1"/>
+          </a:effectRef>
+          <a:fontRef idx="minor">
+            <a:schemeClr val="lt1"/>
+          </a:fontRef>
+        </p:style>
+        <p:txBody>
+          <a:bodyPr rtlCol="0" anchor="ctr"/>
+          <a:p>
+            <a:pPr algn="ctr"/>
+            <a:endParaRPr lang="zh-CN" altLang="en-US"/>
+          </a:p>
+        </p:txBody>
+      </p:sp>
+      <p:sp>
+        <p:nvSpPr>
+          <p:cNvPr id="12" name="文本框 11"/>
+          <p:cNvSpPr txBox="1"/>
+          <p:nvPr/>
+        </p:nvSpPr>
+        <p:spPr>
+          <a:xfrm>
+            <a:off x="7363460" y="1452245"/>
+            <a:ext cx="3253740" cy="460375"/>
+          </a:xfrm>
+          <a:prstGeom prst="rect">
+            <a:avLst/>
+          </a:prstGeom>
+          <a:noFill/>
+        </p:spPr>
+        <p:txBody>
+          <a:bodyPr wrap="square" rtlCol="0">
+            <a:spAutoFit/>
+          </a:bodyPr>
+          <a:p>
+            <a:r>
+              <a:rPr lang="en-US" altLang="zh-CN"/>
+              <a:t>UML2.0</a:t>
+            </a:r>
+            <a:r>
+              <a:rPr lang="zh-CN" altLang="en-US"/>
+              <a:t>新增加的图</a:t>
+            </a:r>
+            <a:endParaRPr lang="zh-CN" altLang="en-US"/>
+          </a:p>
+        </p:txBody>
+      </p:sp>
+      <p:sp>
+        <p:nvSpPr>
+          <p:cNvPr id="13" name="文本框 12"/>
+          <p:cNvSpPr txBox="1"/>
+          <p:nvPr/>
+        </p:nvSpPr>
+        <p:spPr>
+          <a:xfrm>
+            <a:off x="7491095" y="2080260"/>
+            <a:ext cx="2509520" cy="1568450"/>
+          </a:xfrm>
+          <a:prstGeom prst="rect">
+            <a:avLst/>
+          </a:prstGeom>
+          <a:noFill/>
+        </p:spPr>
+        <p:txBody>
+          <a:bodyPr wrap="square" rtlCol="0">
+            <a:spAutoFit/>
+          </a:bodyPr>
+          <a:p>
+            <a:r>
+              <a:rPr lang="zh-CN" altLang="en-US"/>
+              <a:t>包图</a:t>
+            </a:r>
+            <a:endParaRPr lang="zh-CN" altLang="en-US"/>
+          </a:p>
+          <a:p>
+            <a:r>
+              <a:rPr lang="zh-CN" altLang="en-US"/>
+              <a:t>组合结构图</a:t>
+            </a:r>
+            <a:endParaRPr lang="zh-CN" altLang="en-US"/>
+          </a:p>
+          <a:p>
+            <a:r>
+              <a:rPr lang="zh-CN" altLang="en-US"/>
+              <a:t>交互概览图</a:t>
+            </a:r>
+            <a:endParaRPr lang="zh-CN" altLang="en-US"/>
+          </a:p>
+          <a:p>
+            <a:r>
+              <a:rPr lang="zh-CN" altLang="en-US"/>
+              <a:t>时间图</a:t>
+            </a:r>
+            <a:endParaRPr lang="zh-CN" altLang="en-US"/>
+          </a:p>
+        </p:txBody>
+      </p:sp>
+    </p:spTree>
+  </p:cSld>
+  <p:clrMapOvr>
+    <a:masterClrMapping/>
+  </p:clrMapOvr>
+  <p:timing>
+    <p:tnLst>
+      <p:par>
+        <p:cTn id="1" dur="indefinite" restart="never" nodeType="tmRoot"/>
+      </p:par>
+    </p:tnLst>
+  </p:timing>
+</p:sld>
+</file>
+
+<file path=ppt/slides/slide21.xml><?xml version="1.0" encoding="utf-8"?>
+<p:sld xmlns:a="http://schemas.openxmlformats.org/drawingml/2006/main" xmlns:r="http://schemas.openxmlformats.org/officeDocument/2006/relationships" xmlns:p="http://schemas.openxmlformats.org/presentationml/2006/main">
+  <p:cSld>
+    <p:spTree>
+      <p:nvGrpSpPr>
+        <p:cNvPr id="1" name=""/>
+        <p:cNvGrpSpPr/>
+        <p:nvPr/>
+      </p:nvGrpSpPr>
+      <p:grpSpPr>
+        <a:xfrm>
+          <a:off x="0" y="0"/>
+          <a:ext cx="0" cy="0"/>
+          <a:chOff x="0" y="0"/>
+          <a:chExt cx="0" cy="0"/>
+        </a:xfrm>
+      </p:grpSpPr>
+      <p:pic>
+        <p:nvPicPr>
+          <p:cNvPr id="6" name="Picture 5" descr="E:\PRD\logoWhite.png"/>
+          <p:cNvPicPr>
+            <a:picLocks noChangeAspect="1" noChangeArrowheads="1"/>
+          </p:cNvPicPr>
+          <p:nvPr/>
+        </p:nvPicPr>
+        <p:blipFill>
+          <a:blip r:embed="rId1" cstate="print"/>
+          <a:srcRect/>
+          <a:stretch>
+            <a:fillRect/>
+          </a:stretch>
+        </p:blipFill>
+        <p:spPr bwMode="auto">
+          <a:xfrm>
+            <a:off x="11577513" y="6241409"/>
+            <a:ext cx="614487" cy="616591"/>
+          </a:xfrm>
+          <a:prstGeom prst="rect">
+            <a:avLst/>
+          </a:prstGeom>
+          <a:noFill/>
+        </p:spPr>
+      </p:pic>
+      <p:sp>
+        <p:nvSpPr>
+          <p:cNvPr id="3" name="文本框 2"/>
+          <p:cNvSpPr txBox="1"/>
+          <p:nvPr/>
+        </p:nvSpPr>
+        <p:spPr>
+          <a:xfrm>
+            <a:off x="293370" y="184150"/>
+            <a:ext cx="2905125" cy="2306955"/>
+          </a:xfrm>
+          <a:prstGeom prst="rect">
+            <a:avLst/>
+          </a:prstGeom>
+          <a:noFill/>
+        </p:spPr>
+        <p:txBody>
+          <a:bodyPr wrap="square" rtlCol="0">
+            <a:spAutoFit/>
+          </a:bodyPr>
+          <a:p>
+            <a:r>
+              <a:rPr lang="en-US" altLang="zh-CN"/>
+              <a:t>“</a:t>
+            </a:r>
+            <a:r>
+              <a:rPr lang="zh-CN" altLang="en-US"/>
+              <a:t>包图</a:t>
+            </a:r>
+            <a:r>
+              <a:rPr lang="en-US" altLang="zh-CN"/>
+              <a:t>”</a:t>
+            </a:r>
+            <a:r>
+              <a:rPr lang="zh-CN" altLang="en-US"/>
+              <a:t>展现模型要素的基本组织单元，以及这些组织组织单元之间的依赖关系，包括引用关系和扩展关系。</a:t>
+            </a:r>
+            <a:endParaRPr lang="zh-CN" altLang="en-US"/>
+          </a:p>
+        </p:txBody>
+      </p:sp>
+      <p:pic>
+        <p:nvPicPr>
+          <p:cNvPr id="4" name="图片 3"/>
+          <p:cNvPicPr>
+            <a:picLocks noChangeAspect="1"/>
+          </p:cNvPicPr>
+          <p:nvPr/>
+        </p:nvPicPr>
+        <p:blipFill>
+          <a:blip r:embed="rId2"/>
+          <a:stretch>
+            <a:fillRect/>
+          </a:stretch>
+        </p:blipFill>
+        <p:spPr>
+          <a:xfrm>
+            <a:off x="7055485" y="923925"/>
+            <a:ext cx="4761230" cy="3445510"/>
+          </a:xfrm>
+          <a:prstGeom prst="rect">
+            <a:avLst/>
+          </a:prstGeom>
+        </p:spPr>
+      </p:pic>
+      <p:sp>
+        <p:nvSpPr>
+          <p:cNvPr id="5" name="文本框 4"/>
+          <p:cNvSpPr txBox="1"/>
+          <p:nvPr/>
+        </p:nvSpPr>
+        <p:spPr>
+          <a:xfrm>
+            <a:off x="7183755" y="184150"/>
+            <a:ext cx="3051810" cy="460375"/>
+          </a:xfrm>
+          <a:prstGeom prst="rect">
+            <a:avLst/>
+          </a:prstGeom>
+          <a:noFill/>
+        </p:spPr>
+        <p:txBody>
+          <a:bodyPr wrap="square" rtlCol="0">
+            <a:spAutoFit/>
+          </a:bodyPr>
+          <a:p>
+            <a:r>
+              <a:rPr lang="zh-CN" altLang="en-US"/>
+              <a:t>包图示例</a:t>
+            </a:r>
+            <a:endParaRPr lang="zh-CN" altLang="en-US"/>
+          </a:p>
+        </p:txBody>
+      </p:sp>
+      <p:sp>
+        <p:nvSpPr>
+          <p:cNvPr id="8" name="文本框 7"/>
+          <p:cNvSpPr txBox="1"/>
+          <p:nvPr/>
+        </p:nvSpPr>
+        <p:spPr>
+          <a:xfrm>
+            <a:off x="7929245" y="4961255"/>
+            <a:ext cx="3208020" cy="1568450"/>
+          </a:xfrm>
+          <a:prstGeom prst="rect">
+            <a:avLst/>
+          </a:prstGeom>
+          <a:noFill/>
+        </p:spPr>
+        <p:txBody>
+          <a:bodyPr wrap="square" rtlCol="0">
+            <a:spAutoFit/>
+          </a:bodyPr>
+          <a:p>
+            <a:r>
+              <a:rPr lang="zh-CN" altLang="en-US"/>
+              <a:t>小结：包图从宏观角度展示了项目的组织架构，在大型项目中，是重要的一种UML图</a:t>
+            </a:r>
+            <a:endParaRPr lang="zh-CN" altLang="en-US"/>
+          </a:p>
+        </p:txBody>
+      </p:sp>
+      <p:sp>
+        <p:nvSpPr>
+          <p:cNvPr id="9" name="文本框 8"/>
+          <p:cNvSpPr txBox="1"/>
+          <p:nvPr/>
+        </p:nvSpPr>
+        <p:spPr>
+          <a:xfrm>
+            <a:off x="3398520" y="184150"/>
+            <a:ext cx="3585210" cy="3046095"/>
+          </a:xfrm>
+          <a:prstGeom prst="rect">
+            <a:avLst/>
+          </a:prstGeom>
+          <a:noFill/>
+        </p:spPr>
+        <p:txBody>
+          <a:bodyPr wrap="square" rtlCol="0">
+            <a:spAutoFit/>
+          </a:bodyPr>
+          <a:p>
+            <a:r>
+              <a:rPr lang="zh-CN" altLang="en-US"/>
+              <a:t>示例中三个主要的Package：data用于访问数据库，也叫dao，Mybatis项目里面分为entity和mapper两个子Package，service是业务逻辑的组件，web用于接受http请求。util为通用组件。</a:t>
+            </a:r>
+            <a:endParaRPr lang="zh-CN" altLang="en-US"/>
+          </a:p>
+        </p:txBody>
+      </p:sp>
+      <p:grpSp>
+        <p:nvGrpSpPr>
+          <p:cNvPr id="30" name="组合 29"/>
+          <p:cNvGrpSpPr/>
+          <p:nvPr/>
+        </p:nvGrpSpPr>
+        <p:grpSpPr>
+          <a:xfrm rot="5400000">
+            <a:off x="1308356" y="5757209"/>
+            <a:ext cx="868566" cy="713377"/>
+            <a:chOff x="4972050" y="2667658"/>
+            <a:chExt cx="2247900" cy="1846262"/>
+          </a:xfrm>
+        </p:grpSpPr>
+        <p:sp>
+          <p:nvSpPr>
+            <p:cNvPr id="31" name="자유형 24"/>
+            <p:cNvSpPr/>
+            <p:nvPr/>
+          </p:nvSpPr>
+          <p:spPr bwMode="auto">
+            <a:xfrm rot="19844698" flipH="1">
+              <a:off x="4978400" y="3628095"/>
+              <a:ext cx="2014537" cy="469900"/>
+            </a:xfrm>
+            <a:custGeom>
+              <a:avLst/>
+              <a:gdLst>
+                <a:gd name="connsiteX0" fmla="*/ 0 w 2961540"/>
+                <a:gd name="connsiteY0" fmla="*/ 0 h 648072"/>
+                <a:gd name="connsiteX1" fmla="*/ 2961540 w 2961540"/>
+                <a:gd name="connsiteY1" fmla="*/ 0 h 648072"/>
+                <a:gd name="connsiteX2" fmla="*/ 2961540 w 2961540"/>
+                <a:gd name="connsiteY2" fmla="*/ 648072 h 648072"/>
+                <a:gd name="connsiteX3" fmla="*/ 0 w 2961540"/>
+                <a:gd name="connsiteY3" fmla="*/ 648072 h 648072"/>
+                <a:gd name="connsiteX4" fmla="*/ 0 w 2961540"/>
+                <a:gd name="connsiteY4" fmla="*/ 0 h 648072"/>
+                <a:gd name="connsiteX0-1" fmla="*/ 203047 w 3164587"/>
+                <a:gd name="connsiteY0-2" fmla="*/ 0 h 650470"/>
+                <a:gd name="connsiteX1-3" fmla="*/ 3164587 w 3164587"/>
+                <a:gd name="connsiteY1-4" fmla="*/ 0 h 650470"/>
+                <a:gd name="connsiteX2-5" fmla="*/ 3164587 w 3164587"/>
+                <a:gd name="connsiteY2-6" fmla="*/ 648072 h 650470"/>
+                <a:gd name="connsiteX3-7" fmla="*/ 0 w 3164587"/>
+                <a:gd name="connsiteY3-8" fmla="*/ 650470 h 650470"/>
+                <a:gd name="connsiteX4-9" fmla="*/ 203047 w 3164587"/>
+                <a:gd name="connsiteY4-10" fmla="*/ 0 h 650470"/>
+                <a:gd name="connsiteX0-11" fmla="*/ 407488 w 3164587"/>
+                <a:gd name="connsiteY0-12" fmla="*/ 0 h 655811"/>
+                <a:gd name="connsiteX1-13" fmla="*/ 3164587 w 3164587"/>
+                <a:gd name="connsiteY1-14" fmla="*/ 5341 h 655811"/>
+                <a:gd name="connsiteX2-15" fmla="*/ 3164587 w 3164587"/>
+                <a:gd name="connsiteY2-16" fmla="*/ 653413 h 655811"/>
+                <a:gd name="connsiteX3-17" fmla="*/ 0 w 3164587"/>
+                <a:gd name="connsiteY3-18" fmla="*/ 655811 h 655811"/>
+                <a:gd name="connsiteX4-19" fmla="*/ 407488 w 3164587"/>
+                <a:gd name="connsiteY4-20" fmla="*/ 0 h 655811"/>
+                <a:gd name="connsiteX0-21" fmla="*/ 407488 w 3164587"/>
+                <a:gd name="connsiteY0-22" fmla="*/ 0 h 655811"/>
+                <a:gd name="connsiteX1-23" fmla="*/ 2615502 w 3164587"/>
+                <a:gd name="connsiteY1-24" fmla="*/ 57122 h 655811"/>
+                <a:gd name="connsiteX2-25" fmla="*/ 3164587 w 3164587"/>
+                <a:gd name="connsiteY2-26" fmla="*/ 653413 h 655811"/>
+                <a:gd name="connsiteX3-27" fmla="*/ 0 w 3164587"/>
+                <a:gd name="connsiteY3-28" fmla="*/ 655811 h 655811"/>
+                <a:gd name="connsiteX4-29" fmla="*/ 407488 w 3164587"/>
+                <a:gd name="connsiteY4-30" fmla="*/ 0 h 655811"/>
+                <a:gd name="connsiteX0-31" fmla="*/ 407488 w 2967403"/>
+                <a:gd name="connsiteY0-32" fmla="*/ 0 h 685357"/>
+                <a:gd name="connsiteX1-33" fmla="*/ 2615502 w 2967403"/>
+                <a:gd name="connsiteY1-34" fmla="*/ 57122 h 685357"/>
+                <a:gd name="connsiteX2-35" fmla="*/ 2967403 w 2967403"/>
+                <a:gd name="connsiteY2-36" fmla="*/ 685357 h 685357"/>
+                <a:gd name="connsiteX3-37" fmla="*/ 0 w 2967403"/>
+                <a:gd name="connsiteY3-38" fmla="*/ 655811 h 685357"/>
+                <a:gd name="connsiteX4-39" fmla="*/ 407488 w 2967403"/>
+                <a:gd name="connsiteY4-40" fmla="*/ 0 h 685357"/>
+                <a:gd name="connsiteX0-41" fmla="*/ 407488 w 2967403"/>
+                <a:gd name="connsiteY0-42" fmla="*/ 0 h 685357"/>
+                <a:gd name="connsiteX1-43" fmla="*/ 2583917 w 2967403"/>
+                <a:gd name="connsiteY1-44" fmla="*/ 20227 h 685357"/>
+                <a:gd name="connsiteX2-45" fmla="*/ 2967403 w 2967403"/>
+                <a:gd name="connsiteY2-46" fmla="*/ 685357 h 685357"/>
+                <a:gd name="connsiteX3-47" fmla="*/ 0 w 2967403"/>
+                <a:gd name="connsiteY3-48" fmla="*/ 655811 h 685357"/>
+                <a:gd name="connsiteX4-49" fmla="*/ 407488 w 2967403"/>
+                <a:gd name="connsiteY4-50" fmla="*/ 0 h 685357"/>
+                <a:gd name="connsiteX0-51" fmla="*/ 407488 w 2967403"/>
+                <a:gd name="connsiteY0-52" fmla="*/ 5703 h 691060"/>
+                <a:gd name="connsiteX1-53" fmla="*/ 2591228 w 2967403"/>
+                <a:gd name="connsiteY1-54" fmla="*/ 0 h 691060"/>
+                <a:gd name="connsiteX2-55" fmla="*/ 2967403 w 2967403"/>
+                <a:gd name="connsiteY2-56" fmla="*/ 691060 h 691060"/>
+                <a:gd name="connsiteX3-57" fmla="*/ 0 w 2967403"/>
+                <a:gd name="connsiteY3-58" fmla="*/ 661514 h 691060"/>
+                <a:gd name="connsiteX4-59" fmla="*/ 407488 w 2967403"/>
+                <a:gd name="connsiteY4-60" fmla="*/ 5703 h 691060"/>
+              </a:gdLst>
+              <a:ahLst/>
+              <a:cxnLst>
+                <a:cxn ang="0">
+                  <a:pos x="connsiteX0-1" y="connsiteY0-2"/>
+                </a:cxn>
+                <a:cxn ang="0">
+                  <a:pos x="connsiteX1-3" y="connsiteY1-4"/>
+                </a:cxn>
+                <a:cxn ang="0">
+                  <a:pos x="connsiteX2-5" y="connsiteY2-6"/>
+                </a:cxn>
+                <a:cxn ang="0">
+                  <a:pos x="connsiteX3-7" y="connsiteY3-8"/>
+                </a:cxn>
+                <a:cxn ang="0">
+                  <a:pos x="connsiteX4-9" y="connsiteY4-10"/>
+                </a:cxn>
+              </a:cxnLst>
+              <a:rect l="l" t="t" r="r" b="b"/>
+              <a:pathLst>
+                <a:path w="2967403" h="691060">
+                  <a:moveTo>
+                    <a:pt x="407488" y="5703"/>
+                  </a:moveTo>
+                  <a:lnTo>
+                    <a:pt x="2591228" y="0"/>
+                  </a:lnTo>
+                  <a:lnTo>
+                    <a:pt x="2967403" y="691060"/>
+                  </a:lnTo>
+                  <a:lnTo>
+                    <a:pt x="0" y="661514"/>
+                  </a:lnTo>
+                  <a:lnTo>
+                    <a:pt x="407488" y="5703"/>
+                  </a:lnTo>
+                  <a:close/>
+                </a:path>
+              </a:pathLst>
+            </a:custGeom>
+            <a:solidFill>
+              <a:schemeClr val="accent1">
+                <a:lumMod val="60000"/>
+                <a:lumOff val="40000"/>
+              </a:schemeClr>
+            </a:solidFill>
+            <a:ln>
+              <a:noFill/>
+            </a:ln>
+          </p:spPr>
+          <p:style>
+            <a:lnRef idx="2">
+              <a:schemeClr val="accent1">
+                <a:shade val="50000"/>
+              </a:schemeClr>
+            </a:lnRef>
+            <a:fillRef idx="1">
+              <a:schemeClr val="accent1"/>
+            </a:fillRef>
+            <a:effectRef idx="0">
+              <a:schemeClr val="accent1"/>
+            </a:effectRef>
+            <a:fontRef idx="minor">
+              <a:schemeClr val="lt1"/>
+            </a:fontRef>
+          </p:style>
+          <p:txBody>
+            <a:bodyPr anchor="ctr"/>
+            <a:p>
+              <a:pPr algn="ctr">
+                <a:defRPr/>
+              </a:pPr>
+              <a:endParaRPr lang="ko-KR" altLang="en-US"/>
+            </a:p>
+          </p:txBody>
+        </p:sp>
+        <p:sp>
+          <p:nvSpPr>
+            <p:cNvPr id="32" name="자유형 32"/>
+            <p:cNvSpPr/>
+            <p:nvPr/>
+          </p:nvSpPr>
+          <p:spPr bwMode="auto">
+            <a:xfrm rot="1755302">
+              <a:off x="5002212" y="2667658"/>
+              <a:ext cx="2212975" cy="428625"/>
+            </a:xfrm>
+            <a:custGeom>
+              <a:avLst/>
+              <a:gdLst>
+                <a:gd name="connsiteX0" fmla="*/ 0 w 2961540"/>
+                <a:gd name="connsiteY0" fmla="*/ 0 h 648072"/>
+                <a:gd name="connsiteX1" fmla="*/ 2961540 w 2961540"/>
+                <a:gd name="connsiteY1" fmla="*/ 0 h 648072"/>
+                <a:gd name="connsiteX2" fmla="*/ 2961540 w 2961540"/>
+                <a:gd name="connsiteY2" fmla="*/ 648072 h 648072"/>
+                <a:gd name="connsiteX3" fmla="*/ 0 w 2961540"/>
+                <a:gd name="connsiteY3" fmla="*/ 648072 h 648072"/>
+                <a:gd name="connsiteX4" fmla="*/ 0 w 2961540"/>
+                <a:gd name="connsiteY4" fmla="*/ 0 h 648072"/>
+                <a:gd name="connsiteX0-1" fmla="*/ 0 w 2961540"/>
+                <a:gd name="connsiteY0-2" fmla="*/ 0 h 648072"/>
+                <a:gd name="connsiteX1-3" fmla="*/ 2605255 w 2961540"/>
+                <a:gd name="connsiteY1-4" fmla="*/ 15401 h 648072"/>
+                <a:gd name="connsiteX2-5" fmla="*/ 2961540 w 2961540"/>
+                <a:gd name="connsiteY2-6" fmla="*/ 648072 h 648072"/>
+                <a:gd name="connsiteX3-7" fmla="*/ 0 w 2961540"/>
+                <a:gd name="connsiteY3-8" fmla="*/ 648072 h 648072"/>
+                <a:gd name="connsiteX4-9" fmla="*/ 0 w 2961540"/>
+                <a:gd name="connsiteY4-10" fmla="*/ 0 h 648072"/>
+                <a:gd name="connsiteX0-11" fmla="*/ 0 w 3260319"/>
+                <a:gd name="connsiteY0-12" fmla="*/ 58505 h 632671"/>
+                <a:gd name="connsiteX1-13" fmla="*/ 2904034 w 3260319"/>
+                <a:gd name="connsiteY1-14" fmla="*/ 0 h 632671"/>
+                <a:gd name="connsiteX2-15" fmla="*/ 3260319 w 3260319"/>
+                <a:gd name="connsiteY2-16" fmla="*/ 632671 h 632671"/>
+                <a:gd name="connsiteX3-17" fmla="*/ 298779 w 3260319"/>
+                <a:gd name="connsiteY3-18" fmla="*/ 632671 h 632671"/>
+                <a:gd name="connsiteX4-19" fmla="*/ 0 w 3260319"/>
+                <a:gd name="connsiteY4-20" fmla="*/ 58505 h 632671"/>
+              </a:gdLst>
+              <a:ahLst/>
+              <a:cxnLst>
+                <a:cxn ang="0">
+                  <a:pos x="connsiteX0-1" y="connsiteY0-2"/>
+                </a:cxn>
+                <a:cxn ang="0">
+                  <a:pos x="connsiteX1-3" y="connsiteY1-4"/>
+                </a:cxn>
+                <a:cxn ang="0">
+                  <a:pos x="connsiteX2-5" y="connsiteY2-6"/>
+                </a:cxn>
+                <a:cxn ang="0">
+                  <a:pos x="connsiteX3-7" y="connsiteY3-8"/>
+                </a:cxn>
+                <a:cxn ang="0">
+                  <a:pos x="connsiteX4-9" y="connsiteY4-10"/>
+                </a:cxn>
+              </a:cxnLst>
+              <a:rect l="l" t="t" r="r" b="b"/>
+              <a:pathLst>
+                <a:path w="3260319" h="632671">
+                  <a:moveTo>
+                    <a:pt x="0" y="58505"/>
+                  </a:moveTo>
+                  <a:lnTo>
+                    <a:pt x="2904034" y="0"/>
+                  </a:lnTo>
+                  <a:lnTo>
+                    <a:pt x="3260319" y="632671"/>
+                  </a:lnTo>
+                  <a:lnTo>
+                    <a:pt x="298779" y="632671"/>
+                  </a:lnTo>
+                  <a:lnTo>
+                    <a:pt x="0" y="58505"/>
+                  </a:lnTo>
+                  <a:close/>
+                </a:path>
+              </a:pathLst>
+            </a:custGeom>
+            <a:solidFill>
+              <a:schemeClr val="accent1">
+                <a:lumMod val="75000"/>
+              </a:schemeClr>
+            </a:solidFill>
+            <a:ln>
+              <a:noFill/>
+            </a:ln>
+          </p:spPr>
+          <p:style>
+            <a:lnRef idx="2">
+              <a:schemeClr val="accent1">
+                <a:shade val="50000"/>
+              </a:schemeClr>
+            </a:lnRef>
+            <a:fillRef idx="1">
+              <a:schemeClr val="accent1"/>
+            </a:fillRef>
+            <a:effectRef idx="0">
+              <a:schemeClr val="accent1"/>
+            </a:effectRef>
+            <a:fontRef idx="minor">
+              <a:schemeClr val="lt1"/>
+            </a:fontRef>
+          </p:style>
+          <p:txBody>
+            <a:bodyPr anchor="ctr"/>
+            <a:p>
+              <a:pPr algn="ctr">
+                <a:defRPr/>
+              </a:pPr>
+              <a:endParaRPr lang="ko-KR" altLang="en-US"/>
+            </a:p>
+          </p:txBody>
+        </p:sp>
+        <p:sp>
+          <p:nvSpPr>
+            <p:cNvPr id="33" name="자유형 17"/>
+            <p:cNvSpPr/>
+            <p:nvPr/>
+          </p:nvSpPr>
+          <p:spPr bwMode="auto">
+            <a:xfrm rot="1755302">
+              <a:off x="4984750" y="3118508"/>
+              <a:ext cx="2224087" cy="428625"/>
+            </a:xfrm>
+            <a:custGeom>
+              <a:avLst/>
+              <a:gdLst>
+                <a:gd name="connsiteX0" fmla="*/ 0 w 2961540"/>
+                <a:gd name="connsiteY0" fmla="*/ 0 h 648072"/>
+                <a:gd name="connsiteX1" fmla="*/ 2961540 w 2961540"/>
+                <a:gd name="connsiteY1" fmla="*/ 0 h 648072"/>
+                <a:gd name="connsiteX2" fmla="*/ 2961540 w 2961540"/>
+                <a:gd name="connsiteY2" fmla="*/ 648072 h 648072"/>
+                <a:gd name="connsiteX3" fmla="*/ 0 w 2961540"/>
+                <a:gd name="connsiteY3" fmla="*/ 648072 h 648072"/>
+                <a:gd name="connsiteX4" fmla="*/ 0 w 2961540"/>
+                <a:gd name="connsiteY4" fmla="*/ 0 h 648072"/>
+                <a:gd name="connsiteX0-1" fmla="*/ 0 w 2961540"/>
+                <a:gd name="connsiteY0-2" fmla="*/ 0 h 648072"/>
+                <a:gd name="connsiteX1-3" fmla="*/ 2605255 w 2961540"/>
+                <a:gd name="connsiteY1-4" fmla="*/ 15401 h 648072"/>
+                <a:gd name="connsiteX2-5" fmla="*/ 2961540 w 2961540"/>
+                <a:gd name="connsiteY2-6" fmla="*/ 648072 h 648072"/>
+                <a:gd name="connsiteX3-7" fmla="*/ 0 w 2961540"/>
+                <a:gd name="connsiteY3-8" fmla="*/ 648072 h 648072"/>
+                <a:gd name="connsiteX4-9" fmla="*/ 0 w 2961540"/>
+                <a:gd name="connsiteY4-10" fmla="*/ 0 h 648072"/>
+                <a:gd name="connsiteX0-11" fmla="*/ 0 w 3260319"/>
+                <a:gd name="connsiteY0-12" fmla="*/ 58505 h 632671"/>
+                <a:gd name="connsiteX1-13" fmla="*/ 2904034 w 3260319"/>
+                <a:gd name="connsiteY1-14" fmla="*/ 0 h 632671"/>
+                <a:gd name="connsiteX2-15" fmla="*/ 3260319 w 3260319"/>
+                <a:gd name="connsiteY2-16" fmla="*/ 632671 h 632671"/>
+                <a:gd name="connsiteX3-17" fmla="*/ 298779 w 3260319"/>
+                <a:gd name="connsiteY3-18" fmla="*/ 632671 h 632671"/>
+                <a:gd name="connsiteX4-19" fmla="*/ 0 w 3260319"/>
+                <a:gd name="connsiteY4-20" fmla="*/ 58505 h 632671"/>
+                <a:gd name="connsiteX0-21" fmla="*/ 0 w 3277939"/>
+                <a:gd name="connsiteY0-22" fmla="*/ 46540 h 632671"/>
+                <a:gd name="connsiteX1-23" fmla="*/ 2921654 w 3277939"/>
+                <a:gd name="connsiteY1-24" fmla="*/ 0 h 632671"/>
+                <a:gd name="connsiteX2-25" fmla="*/ 3277939 w 3277939"/>
+                <a:gd name="connsiteY2-26" fmla="*/ 632671 h 632671"/>
+                <a:gd name="connsiteX3-27" fmla="*/ 316399 w 3277939"/>
+                <a:gd name="connsiteY3-28" fmla="*/ 632671 h 632671"/>
+                <a:gd name="connsiteX4-29" fmla="*/ 0 w 3277939"/>
+                <a:gd name="connsiteY4-30" fmla="*/ 46540 h 632671"/>
+              </a:gdLst>
+              <a:ahLst/>
+              <a:cxnLst>
+                <a:cxn ang="0">
+                  <a:pos x="connsiteX0-1" y="connsiteY0-2"/>
+                </a:cxn>
+                <a:cxn ang="0">
+                  <a:pos x="connsiteX1-3" y="connsiteY1-4"/>
+                </a:cxn>
+                <a:cxn ang="0">
+                  <a:pos x="connsiteX2-5" y="connsiteY2-6"/>
+                </a:cxn>
+                <a:cxn ang="0">
+                  <a:pos x="connsiteX3-7" y="connsiteY3-8"/>
+                </a:cxn>
+                <a:cxn ang="0">
+                  <a:pos x="connsiteX4-9" y="connsiteY4-10"/>
+                </a:cxn>
+              </a:cxnLst>
+              <a:rect l="l" t="t" r="r" b="b"/>
+              <a:pathLst>
+                <a:path w="3277939" h="632671">
+                  <a:moveTo>
+                    <a:pt x="0" y="46540"/>
+                  </a:moveTo>
+                  <a:lnTo>
+                    <a:pt x="2921654" y="0"/>
+                  </a:lnTo>
+                  <a:lnTo>
+                    <a:pt x="3277939" y="632671"/>
+                  </a:lnTo>
+                  <a:lnTo>
+                    <a:pt x="316399" y="632671"/>
+                  </a:lnTo>
+                  <a:lnTo>
+                    <a:pt x="0" y="46540"/>
+                  </a:lnTo>
+                  <a:close/>
+                </a:path>
+              </a:pathLst>
+            </a:custGeom>
+            <a:solidFill>
+              <a:schemeClr val="accent1"/>
+            </a:solidFill>
+            <a:ln>
+              <a:noFill/>
+            </a:ln>
+          </p:spPr>
+          <p:style>
+            <a:lnRef idx="2">
+              <a:schemeClr val="accent1">
+                <a:shade val="50000"/>
+              </a:schemeClr>
+            </a:lnRef>
+            <a:fillRef idx="1">
+              <a:schemeClr val="accent1"/>
+            </a:fillRef>
+            <a:effectRef idx="0">
+              <a:schemeClr val="accent1"/>
+            </a:effectRef>
+            <a:fontRef idx="minor">
+              <a:schemeClr val="lt1"/>
+            </a:fontRef>
+          </p:style>
+          <p:txBody>
+            <a:bodyPr anchor="ctr"/>
+            <a:p>
+              <a:pPr algn="ctr">
+                <a:defRPr/>
+              </a:pPr>
+              <a:endParaRPr lang="ko-KR" altLang="en-US"/>
+            </a:p>
+          </p:txBody>
+        </p:sp>
+        <p:sp>
+          <p:nvSpPr>
+            <p:cNvPr id="34" name="자유형 19"/>
+            <p:cNvSpPr/>
+            <p:nvPr/>
+          </p:nvSpPr>
+          <p:spPr bwMode="auto">
+            <a:xfrm rot="19844698" flipH="1">
+              <a:off x="4972050" y="4074183"/>
+              <a:ext cx="2247900" cy="439737"/>
+            </a:xfrm>
+            <a:custGeom>
+              <a:avLst/>
+              <a:gdLst>
+                <a:gd name="connsiteX0" fmla="*/ 0 w 2961540"/>
+                <a:gd name="connsiteY0" fmla="*/ 0 h 648072"/>
+                <a:gd name="connsiteX1" fmla="*/ 2961540 w 2961540"/>
+                <a:gd name="connsiteY1" fmla="*/ 0 h 648072"/>
+                <a:gd name="connsiteX2" fmla="*/ 2961540 w 2961540"/>
+                <a:gd name="connsiteY2" fmla="*/ 648072 h 648072"/>
+                <a:gd name="connsiteX3" fmla="*/ 0 w 2961540"/>
+                <a:gd name="connsiteY3" fmla="*/ 648072 h 648072"/>
+                <a:gd name="connsiteX4" fmla="*/ 0 w 2961540"/>
+                <a:gd name="connsiteY4" fmla="*/ 0 h 648072"/>
+                <a:gd name="connsiteX0-1" fmla="*/ 0 w 2961540"/>
+                <a:gd name="connsiteY0-2" fmla="*/ 0 h 648072"/>
+                <a:gd name="connsiteX1-3" fmla="*/ 2961540 w 2961540"/>
+                <a:gd name="connsiteY1-4" fmla="*/ 0 h 648072"/>
+                <a:gd name="connsiteX2-5" fmla="*/ 2961540 w 2961540"/>
+                <a:gd name="connsiteY2-6" fmla="*/ 648072 h 648072"/>
+                <a:gd name="connsiteX3-7" fmla="*/ 383001 w 2961540"/>
+                <a:gd name="connsiteY3-8" fmla="*/ 645803 h 648072"/>
+                <a:gd name="connsiteX4-9" fmla="*/ 0 w 2961540"/>
+                <a:gd name="connsiteY4-10" fmla="*/ 0 h 648072"/>
+                <a:gd name="connsiteX0-11" fmla="*/ 0 w 3311251"/>
+                <a:gd name="connsiteY0-12" fmla="*/ 0 h 648698"/>
+                <a:gd name="connsiteX1-13" fmla="*/ 2961540 w 3311251"/>
+                <a:gd name="connsiteY1-14" fmla="*/ 0 h 648698"/>
+                <a:gd name="connsiteX2-15" fmla="*/ 3311251 w 3311251"/>
+                <a:gd name="connsiteY2-16" fmla="*/ 648698 h 648698"/>
+                <a:gd name="connsiteX3-17" fmla="*/ 383001 w 3311251"/>
+                <a:gd name="connsiteY3-18" fmla="*/ 645803 h 648698"/>
+                <a:gd name="connsiteX4-19" fmla="*/ 0 w 3311251"/>
+                <a:gd name="connsiteY4-20" fmla="*/ 0 h 648698"/>
+              </a:gdLst>
+              <a:ahLst/>
+              <a:cxnLst>
+                <a:cxn ang="0">
+                  <a:pos x="connsiteX0-1" y="connsiteY0-2"/>
+                </a:cxn>
+                <a:cxn ang="0">
+                  <a:pos x="connsiteX1-3" y="connsiteY1-4"/>
+                </a:cxn>
+                <a:cxn ang="0">
+                  <a:pos x="connsiteX2-5" y="connsiteY2-6"/>
+                </a:cxn>
+                <a:cxn ang="0">
+                  <a:pos x="connsiteX3-7" y="connsiteY3-8"/>
+                </a:cxn>
+                <a:cxn ang="0">
+                  <a:pos x="connsiteX4-9" y="connsiteY4-10"/>
+                </a:cxn>
+              </a:cxnLst>
+              <a:rect l="l" t="t" r="r" b="b"/>
+              <a:pathLst>
+                <a:path w="3311251" h="648698">
+                  <a:moveTo>
+                    <a:pt x="0" y="0"/>
+                  </a:moveTo>
+                  <a:lnTo>
+                    <a:pt x="2961540" y="0"/>
+                  </a:lnTo>
+                  <a:lnTo>
+                    <a:pt x="3311251" y="648698"/>
+                  </a:lnTo>
+                  <a:lnTo>
+                    <a:pt x="383001" y="645803"/>
+                  </a:lnTo>
+                  <a:lnTo>
+                    <a:pt x="0" y="0"/>
+                  </a:lnTo>
+                  <a:close/>
+                </a:path>
+              </a:pathLst>
+            </a:custGeom>
+            <a:solidFill>
+              <a:schemeClr val="accent1">
+                <a:lumMod val="40000"/>
+                <a:lumOff val="60000"/>
+              </a:schemeClr>
+            </a:solidFill>
+            <a:ln>
+              <a:noFill/>
+            </a:ln>
+          </p:spPr>
+          <p:style>
+            <a:lnRef idx="2">
+              <a:schemeClr val="accent1">
+                <a:shade val="50000"/>
+              </a:schemeClr>
+            </a:lnRef>
+            <a:fillRef idx="1">
+              <a:schemeClr val="accent1"/>
+            </a:fillRef>
+            <a:effectRef idx="0">
+              <a:schemeClr val="accent1"/>
+            </a:effectRef>
+            <a:fontRef idx="minor">
+              <a:schemeClr val="lt1"/>
+            </a:fontRef>
+          </p:style>
+          <p:txBody>
+            <a:bodyPr anchor="ctr"/>
+            <a:p>
+              <a:pPr algn="ctr">
+                <a:defRPr/>
+              </a:pPr>
+              <a:endParaRPr lang="ko-KR" altLang="en-US" dirty="0"/>
+            </a:p>
+          </p:txBody>
+        </p:sp>
+      </p:grpSp>
+      <p:sp>
+        <p:nvSpPr>
+          <p:cNvPr id="35" name="矩形: 圆角 19"/>
+          <p:cNvSpPr/>
+          <p:nvPr/>
+        </p:nvSpPr>
+        <p:spPr>
+          <a:xfrm>
+            <a:off x="1142671" y="5586196"/>
+            <a:ext cx="1208015" cy="107355"/>
+          </a:xfrm>
+          <a:prstGeom prst="roundRect">
+            <a:avLst>
+              <a:gd name="adj" fmla="val 50000"/>
+            </a:avLst>
+          </a:prstGeom>
+          <a:solidFill>
+            <a:schemeClr val="tx1"/>
+          </a:solidFill>
+          <a:ln>
+            <a:noFill/>
+          </a:ln>
+          <a:effectLst>
+            <a:outerShdw blurRad="50800" dist="38100" dir="5400000" algn="t" rotWithShape="0">
+              <a:prstClr val="black">
+                <a:alpha val="40000"/>
+              </a:prstClr>
+            </a:outerShdw>
+          </a:effectLst>
+        </p:spPr>
+        <p:style>
+          <a:lnRef idx="2">
+            <a:schemeClr val="accent1">
+              <a:shade val="50000"/>
+            </a:schemeClr>
+          </a:lnRef>
+          <a:fillRef idx="1">
+            <a:schemeClr val="accent1"/>
+          </a:fillRef>
+          <a:effectRef idx="0">
+            <a:schemeClr val="accent1"/>
+          </a:effectRef>
+          <a:fontRef idx="minor">
+            <a:schemeClr val="lt1"/>
+          </a:fontRef>
+        </p:style>
+        <p:txBody>
+          <a:bodyPr rtlCol="0" anchor="ctr"/>
+          <a:p>
+            <a:pPr algn="ctr"/>
+            <a:endParaRPr lang="zh-CN" altLang="en-US"/>
+          </a:p>
+        </p:txBody>
+      </p:sp>
+      <p:grpSp>
+        <p:nvGrpSpPr>
+          <p:cNvPr id="10" name="组合 9"/>
+          <p:cNvGrpSpPr/>
+          <p:nvPr/>
+        </p:nvGrpSpPr>
+        <p:grpSpPr>
+          <a:xfrm rot="5400000">
+            <a:off x="4656711" y="5745144"/>
+            <a:ext cx="868566" cy="713377"/>
+            <a:chOff x="4972050" y="2667658"/>
+            <a:chExt cx="2247900" cy="1846262"/>
+          </a:xfrm>
+        </p:grpSpPr>
+        <p:sp>
+          <p:nvSpPr>
+            <p:cNvPr id="11" name="자유형 24"/>
+            <p:cNvSpPr/>
+            <p:nvPr/>
+          </p:nvSpPr>
+          <p:spPr bwMode="auto">
+            <a:xfrm rot="19844698" flipH="1">
+              <a:off x="4978400" y="3628095"/>
+              <a:ext cx="2014537" cy="469900"/>
+            </a:xfrm>
+            <a:custGeom>
+              <a:avLst/>
+              <a:gdLst>
+                <a:gd name="connsiteX0" fmla="*/ 0 w 2961540"/>
+                <a:gd name="connsiteY0" fmla="*/ 0 h 648072"/>
+                <a:gd name="connsiteX1" fmla="*/ 2961540 w 2961540"/>
+                <a:gd name="connsiteY1" fmla="*/ 0 h 648072"/>
+                <a:gd name="connsiteX2" fmla="*/ 2961540 w 2961540"/>
+                <a:gd name="connsiteY2" fmla="*/ 648072 h 648072"/>
+                <a:gd name="connsiteX3" fmla="*/ 0 w 2961540"/>
+                <a:gd name="connsiteY3" fmla="*/ 648072 h 648072"/>
+                <a:gd name="connsiteX4" fmla="*/ 0 w 2961540"/>
+                <a:gd name="connsiteY4" fmla="*/ 0 h 648072"/>
+                <a:gd name="connsiteX0-1" fmla="*/ 203047 w 3164587"/>
+                <a:gd name="connsiteY0-2" fmla="*/ 0 h 650470"/>
+                <a:gd name="connsiteX1-3" fmla="*/ 3164587 w 3164587"/>
+                <a:gd name="connsiteY1-4" fmla="*/ 0 h 650470"/>
+                <a:gd name="connsiteX2-5" fmla="*/ 3164587 w 3164587"/>
+                <a:gd name="connsiteY2-6" fmla="*/ 648072 h 650470"/>
+                <a:gd name="connsiteX3-7" fmla="*/ 0 w 3164587"/>
+                <a:gd name="connsiteY3-8" fmla="*/ 650470 h 650470"/>
+                <a:gd name="connsiteX4-9" fmla="*/ 203047 w 3164587"/>
+                <a:gd name="connsiteY4-10" fmla="*/ 0 h 650470"/>
+                <a:gd name="connsiteX0-11" fmla="*/ 407488 w 3164587"/>
+                <a:gd name="connsiteY0-12" fmla="*/ 0 h 655811"/>
+                <a:gd name="connsiteX1-13" fmla="*/ 3164587 w 3164587"/>
+                <a:gd name="connsiteY1-14" fmla="*/ 5341 h 655811"/>
+                <a:gd name="connsiteX2-15" fmla="*/ 3164587 w 3164587"/>
+                <a:gd name="connsiteY2-16" fmla="*/ 653413 h 655811"/>
+                <a:gd name="connsiteX3-17" fmla="*/ 0 w 3164587"/>
+                <a:gd name="connsiteY3-18" fmla="*/ 655811 h 655811"/>
+                <a:gd name="connsiteX4-19" fmla="*/ 407488 w 3164587"/>
+                <a:gd name="connsiteY4-20" fmla="*/ 0 h 655811"/>
+                <a:gd name="connsiteX0-21" fmla="*/ 407488 w 3164587"/>
+                <a:gd name="connsiteY0-22" fmla="*/ 0 h 655811"/>
+                <a:gd name="connsiteX1-23" fmla="*/ 2615502 w 3164587"/>
+                <a:gd name="connsiteY1-24" fmla="*/ 57122 h 655811"/>
+                <a:gd name="connsiteX2-25" fmla="*/ 3164587 w 3164587"/>
+                <a:gd name="connsiteY2-26" fmla="*/ 653413 h 655811"/>
+                <a:gd name="connsiteX3-27" fmla="*/ 0 w 3164587"/>
+                <a:gd name="connsiteY3-28" fmla="*/ 655811 h 655811"/>
+                <a:gd name="connsiteX4-29" fmla="*/ 407488 w 3164587"/>
+                <a:gd name="connsiteY4-30" fmla="*/ 0 h 655811"/>
+                <a:gd name="connsiteX0-31" fmla="*/ 407488 w 2967403"/>
+                <a:gd name="connsiteY0-32" fmla="*/ 0 h 685357"/>
+                <a:gd name="connsiteX1-33" fmla="*/ 2615502 w 2967403"/>
+                <a:gd name="connsiteY1-34" fmla="*/ 57122 h 685357"/>
+                <a:gd name="connsiteX2-35" fmla="*/ 2967403 w 2967403"/>
+                <a:gd name="connsiteY2-36" fmla="*/ 685357 h 685357"/>
+                <a:gd name="connsiteX3-37" fmla="*/ 0 w 2967403"/>
+                <a:gd name="connsiteY3-38" fmla="*/ 655811 h 685357"/>
+                <a:gd name="connsiteX4-39" fmla="*/ 407488 w 2967403"/>
+                <a:gd name="connsiteY4-40" fmla="*/ 0 h 685357"/>
+                <a:gd name="connsiteX0-41" fmla="*/ 407488 w 2967403"/>
+                <a:gd name="connsiteY0-42" fmla="*/ 0 h 685357"/>
+                <a:gd name="connsiteX1-43" fmla="*/ 2583917 w 2967403"/>
+                <a:gd name="connsiteY1-44" fmla="*/ 20227 h 685357"/>
+                <a:gd name="connsiteX2-45" fmla="*/ 2967403 w 2967403"/>
+                <a:gd name="connsiteY2-46" fmla="*/ 685357 h 685357"/>
+                <a:gd name="connsiteX3-47" fmla="*/ 0 w 2967403"/>
+                <a:gd name="connsiteY3-48" fmla="*/ 655811 h 685357"/>
+                <a:gd name="connsiteX4-49" fmla="*/ 407488 w 2967403"/>
+                <a:gd name="connsiteY4-50" fmla="*/ 0 h 685357"/>
+                <a:gd name="connsiteX0-51" fmla="*/ 407488 w 2967403"/>
+                <a:gd name="connsiteY0-52" fmla="*/ 5703 h 691060"/>
+                <a:gd name="connsiteX1-53" fmla="*/ 2591228 w 2967403"/>
+                <a:gd name="connsiteY1-54" fmla="*/ 0 h 691060"/>
+                <a:gd name="connsiteX2-55" fmla="*/ 2967403 w 2967403"/>
+                <a:gd name="connsiteY2-56" fmla="*/ 691060 h 691060"/>
+                <a:gd name="connsiteX3-57" fmla="*/ 0 w 2967403"/>
+                <a:gd name="connsiteY3-58" fmla="*/ 661514 h 691060"/>
+                <a:gd name="connsiteX4-59" fmla="*/ 407488 w 2967403"/>
+                <a:gd name="connsiteY4-60" fmla="*/ 5703 h 691060"/>
+              </a:gdLst>
+              <a:ahLst/>
+              <a:cxnLst>
+                <a:cxn ang="0">
+                  <a:pos x="connsiteX0-1" y="connsiteY0-2"/>
+                </a:cxn>
+                <a:cxn ang="0">
+                  <a:pos x="connsiteX1-3" y="connsiteY1-4"/>
+                </a:cxn>
+                <a:cxn ang="0">
+                  <a:pos x="connsiteX2-5" y="connsiteY2-6"/>
+                </a:cxn>
+                <a:cxn ang="0">
+                  <a:pos x="connsiteX3-7" y="connsiteY3-8"/>
+                </a:cxn>
+                <a:cxn ang="0">
+                  <a:pos x="connsiteX4-9" y="connsiteY4-10"/>
+                </a:cxn>
+              </a:cxnLst>
+              <a:rect l="l" t="t" r="r" b="b"/>
+              <a:pathLst>
+                <a:path w="2967403" h="691060">
+                  <a:moveTo>
+                    <a:pt x="407488" y="5703"/>
+                  </a:moveTo>
+                  <a:lnTo>
+                    <a:pt x="2591228" y="0"/>
+                  </a:lnTo>
+                  <a:lnTo>
+                    <a:pt x="2967403" y="691060"/>
+                  </a:lnTo>
+                  <a:lnTo>
+                    <a:pt x="0" y="661514"/>
+                  </a:lnTo>
+                  <a:lnTo>
+                    <a:pt x="407488" y="5703"/>
+                  </a:lnTo>
+                  <a:close/>
+                </a:path>
+              </a:pathLst>
+            </a:custGeom>
+            <a:solidFill>
+              <a:schemeClr val="accent1">
+                <a:lumMod val="60000"/>
+                <a:lumOff val="40000"/>
+              </a:schemeClr>
+            </a:solidFill>
+            <a:ln>
+              <a:noFill/>
+            </a:ln>
+          </p:spPr>
+          <p:style>
+            <a:lnRef idx="2">
+              <a:schemeClr val="accent1">
+                <a:shade val="50000"/>
+              </a:schemeClr>
+            </a:lnRef>
+            <a:fillRef idx="1">
+              <a:schemeClr val="accent1"/>
+            </a:fillRef>
+            <a:effectRef idx="0">
+              <a:schemeClr val="accent1"/>
+            </a:effectRef>
+            <a:fontRef idx="minor">
+              <a:schemeClr val="lt1"/>
+            </a:fontRef>
+          </p:style>
+          <p:txBody>
+            <a:bodyPr anchor="ctr"/>
+            <a:p>
+              <a:pPr algn="ctr">
+                <a:defRPr/>
+              </a:pPr>
+              <a:endParaRPr lang="ko-KR" altLang="en-US"/>
+            </a:p>
+          </p:txBody>
+        </p:sp>
+        <p:sp>
+          <p:nvSpPr>
+            <p:cNvPr id="12" name="자유형 32"/>
+            <p:cNvSpPr/>
+            <p:nvPr/>
+          </p:nvSpPr>
+          <p:spPr bwMode="auto">
+            <a:xfrm rot="1755302">
+              <a:off x="5002212" y="2667658"/>
+              <a:ext cx="2212975" cy="428625"/>
+            </a:xfrm>
+            <a:custGeom>
+              <a:avLst/>
+              <a:gdLst>
+                <a:gd name="connsiteX0" fmla="*/ 0 w 2961540"/>
+                <a:gd name="connsiteY0" fmla="*/ 0 h 648072"/>
+                <a:gd name="connsiteX1" fmla="*/ 2961540 w 2961540"/>
+                <a:gd name="connsiteY1" fmla="*/ 0 h 648072"/>
+                <a:gd name="connsiteX2" fmla="*/ 2961540 w 2961540"/>
+                <a:gd name="connsiteY2" fmla="*/ 648072 h 648072"/>
+                <a:gd name="connsiteX3" fmla="*/ 0 w 2961540"/>
+                <a:gd name="connsiteY3" fmla="*/ 648072 h 648072"/>
+                <a:gd name="connsiteX4" fmla="*/ 0 w 2961540"/>
+                <a:gd name="connsiteY4" fmla="*/ 0 h 648072"/>
+                <a:gd name="connsiteX0-1" fmla="*/ 0 w 2961540"/>
+                <a:gd name="connsiteY0-2" fmla="*/ 0 h 648072"/>
+                <a:gd name="connsiteX1-3" fmla="*/ 2605255 w 2961540"/>
+                <a:gd name="connsiteY1-4" fmla="*/ 15401 h 648072"/>
+                <a:gd name="connsiteX2-5" fmla="*/ 2961540 w 2961540"/>
+                <a:gd name="connsiteY2-6" fmla="*/ 648072 h 648072"/>
+                <a:gd name="connsiteX3-7" fmla="*/ 0 w 2961540"/>
+                <a:gd name="connsiteY3-8" fmla="*/ 648072 h 648072"/>
+                <a:gd name="connsiteX4-9" fmla="*/ 0 w 2961540"/>
+                <a:gd name="connsiteY4-10" fmla="*/ 0 h 648072"/>
+                <a:gd name="connsiteX0-11" fmla="*/ 0 w 3260319"/>
+                <a:gd name="connsiteY0-12" fmla="*/ 58505 h 632671"/>
+                <a:gd name="connsiteX1-13" fmla="*/ 2904034 w 3260319"/>
+                <a:gd name="connsiteY1-14" fmla="*/ 0 h 632671"/>
+                <a:gd name="connsiteX2-15" fmla="*/ 3260319 w 3260319"/>
+                <a:gd name="connsiteY2-16" fmla="*/ 632671 h 632671"/>
+                <a:gd name="connsiteX3-17" fmla="*/ 298779 w 3260319"/>
+                <a:gd name="connsiteY3-18" fmla="*/ 632671 h 632671"/>
+                <a:gd name="connsiteX4-19" fmla="*/ 0 w 3260319"/>
+                <a:gd name="connsiteY4-20" fmla="*/ 58505 h 632671"/>
+              </a:gdLst>
+              <a:ahLst/>
+              <a:cxnLst>
+                <a:cxn ang="0">
+                  <a:pos x="connsiteX0-1" y="connsiteY0-2"/>
+                </a:cxn>
+                <a:cxn ang="0">
+                  <a:pos x="connsiteX1-3" y="connsiteY1-4"/>
+                </a:cxn>
+                <a:cxn ang="0">
+                  <a:pos x="connsiteX2-5" y="connsiteY2-6"/>
+                </a:cxn>
+                <a:cxn ang="0">
+                  <a:pos x="connsiteX3-7" y="connsiteY3-8"/>
+                </a:cxn>
+                <a:cxn ang="0">
+                  <a:pos x="connsiteX4-9" y="connsiteY4-10"/>
+                </a:cxn>
+              </a:cxnLst>
+              <a:rect l="l" t="t" r="r" b="b"/>
+              <a:pathLst>
+                <a:path w="3260319" h="632671">
+                  <a:moveTo>
+                    <a:pt x="0" y="58505"/>
+                  </a:moveTo>
+                  <a:lnTo>
+                    <a:pt x="2904034" y="0"/>
+                  </a:lnTo>
+                  <a:lnTo>
+                    <a:pt x="3260319" y="632671"/>
+                  </a:lnTo>
+                  <a:lnTo>
+                    <a:pt x="298779" y="632671"/>
+                  </a:lnTo>
+                  <a:lnTo>
+                    <a:pt x="0" y="58505"/>
+                  </a:lnTo>
+                  <a:close/>
+                </a:path>
+              </a:pathLst>
+            </a:custGeom>
+            <a:solidFill>
+              <a:schemeClr val="accent1">
+                <a:lumMod val="75000"/>
+              </a:schemeClr>
+            </a:solidFill>
+            <a:ln>
+              <a:noFill/>
+            </a:ln>
+          </p:spPr>
+          <p:style>
+            <a:lnRef idx="2">
+              <a:schemeClr val="accent1">
+                <a:shade val="50000"/>
+              </a:schemeClr>
+            </a:lnRef>
+            <a:fillRef idx="1">
+              <a:schemeClr val="accent1"/>
+            </a:fillRef>
+            <a:effectRef idx="0">
+              <a:schemeClr val="accent1"/>
+            </a:effectRef>
+            <a:fontRef idx="minor">
+              <a:schemeClr val="lt1"/>
+            </a:fontRef>
+          </p:style>
+          <p:txBody>
+            <a:bodyPr anchor="ctr"/>
+            <a:p>
+              <a:pPr algn="ctr">
+                <a:defRPr/>
+              </a:pPr>
+              <a:endParaRPr lang="ko-KR" altLang="en-US"/>
+            </a:p>
+          </p:txBody>
+        </p:sp>
+        <p:sp>
+          <p:nvSpPr>
+            <p:cNvPr id="13" name="자유형 17"/>
+            <p:cNvSpPr/>
+            <p:nvPr/>
+          </p:nvSpPr>
+          <p:spPr bwMode="auto">
+            <a:xfrm rot="1755302">
+              <a:off x="4984750" y="3118508"/>
+              <a:ext cx="2224087" cy="428625"/>
+            </a:xfrm>
+            <a:custGeom>
+              <a:avLst/>
+              <a:gdLst>
+                <a:gd name="connsiteX0" fmla="*/ 0 w 2961540"/>
+                <a:gd name="connsiteY0" fmla="*/ 0 h 648072"/>
+                <a:gd name="connsiteX1" fmla="*/ 2961540 w 2961540"/>
+                <a:gd name="connsiteY1" fmla="*/ 0 h 648072"/>
+                <a:gd name="connsiteX2" fmla="*/ 2961540 w 2961540"/>
+                <a:gd name="connsiteY2" fmla="*/ 648072 h 648072"/>
+                <a:gd name="connsiteX3" fmla="*/ 0 w 2961540"/>
+                <a:gd name="connsiteY3" fmla="*/ 648072 h 648072"/>
+                <a:gd name="connsiteX4" fmla="*/ 0 w 2961540"/>
+                <a:gd name="connsiteY4" fmla="*/ 0 h 648072"/>
+                <a:gd name="connsiteX0-1" fmla="*/ 0 w 2961540"/>
+                <a:gd name="connsiteY0-2" fmla="*/ 0 h 648072"/>
+                <a:gd name="connsiteX1-3" fmla="*/ 2605255 w 2961540"/>
+                <a:gd name="connsiteY1-4" fmla="*/ 15401 h 648072"/>
+                <a:gd name="connsiteX2-5" fmla="*/ 2961540 w 2961540"/>
+                <a:gd name="connsiteY2-6" fmla="*/ 648072 h 648072"/>
+                <a:gd name="connsiteX3-7" fmla="*/ 0 w 2961540"/>
+                <a:gd name="connsiteY3-8" fmla="*/ 648072 h 648072"/>
+                <a:gd name="connsiteX4-9" fmla="*/ 0 w 2961540"/>
+                <a:gd name="connsiteY4-10" fmla="*/ 0 h 648072"/>
+                <a:gd name="connsiteX0-11" fmla="*/ 0 w 3260319"/>
+                <a:gd name="connsiteY0-12" fmla="*/ 58505 h 632671"/>
+                <a:gd name="connsiteX1-13" fmla="*/ 2904034 w 3260319"/>
+                <a:gd name="connsiteY1-14" fmla="*/ 0 h 632671"/>
+                <a:gd name="connsiteX2-15" fmla="*/ 3260319 w 3260319"/>
+                <a:gd name="connsiteY2-16" fmla="*/ 632671 h 632671"/>
+                <a:gd name="connsiteX3-17" fmla="*/ 298779 w 3260319"/>
+                <a:gd name="connsiteY3-18" fmla="*/ 632671 h 632671"/>
+                <a:gd name="connsiteX4-19" fmla="*/ 0 w 3260319"/>
+                <a:gd name="connsiteY4-20" fmla="*/ 58505 h 632671"/>
+                <a:gd name="connsiteX0-21" fmla="*/ 0 w 3277939"/>
+                <a:gd name="connsiteY0-22" fmla="*/ 46540 h 632671"/>
+                <a:gd name="connsiteX1-23" fmla="*/ 2921654 w 3277939"/>
+                <a:gd name="connsiteY1-24" fmla="*/ 0 h 632671"/>
+                <a:gd name="connsiteX2-25" fmla="*/ 3277939 w 3277939"/>
+                <a:gd name="connsiteY2-26" fmla="*/ 632671 h 632671"/>
+                <a:gd name="connsiteX3-27" fmla="*/ 316399 w 3277939"/>
+                <a:gd name="connsiteY3-28" fmla="*/ 632671 h 632671"/>
+                <a:gd name="connsiteX4-29" fmla="*/ 0 w 3277939"/>
+                <a:gd name="connsiteY4-30" fmla="*/ 46540 h 632671"/>
+              </a:gdLst>
+              <a:ahLst/>
+              <a:cxnLst>
+                <a:cxn ang="0">
+                  <a:pos x="connsiteX0-1" y="connsiteY0-2"/>
+                </a:cxn>
+                <a:cxn ang="0">
+                  <a:pos x="connsiteX1-3" y="connsiteY1-4"/>
+                </a:cxn>
+                <a:cxn ang="0">
+                  <a:pos x="connsiteX2-5" y="connsiteY2-6"/>
+                </a:cxn>
+                <a:cxn ang="0">
+                  <a:pos x="connsiteX3-7" y="connsiteY3-8"/>
+                </a:cxn>
+                <a:cxn ang="0">
+                  <a:pos x="connsiteX4-9" y="connsiteY4-10"/>
+                </a:cxn>
+              </a:cxnLst>
+              <a:rect l="l" t="t" r="r" b="b"/>
+              <a:pathLst>
+                <a:path w="3277939" h="632671">
+                  <a:moveTo>
+                    <a:pt x="0" y="46540"/>
+                  </a:moveTo>
+                  <a:lnTo>
+                    <a:pt x="2921654" y="0"/>
+                  </a:lnTo>
+                  <a:lnTo>
+                    <a:pt x="3277939" y="632671"/>
+                  </a:lnTo>
+                  <a:lnTo>
+                    <a:pt x="316399" y="632671"/>
+                  </a:lnTo>
+                  <a:lnTo>
+                    <a:pt x="0" y="46540"/>
+                  </a:lnTo>
+                  <a:close/>
+                </a:path>
+              </a:pathLst>
+            </a:custGeom>
+            <a:solidFill>
+              <a:schemeClr val="accent1"/>
+            </a:solidFill>
+            <a:ln>
+              <a:noFill/>
+            </a:ln>
+          </p:spPr>
+          <p:style>
+            <a:lnRef idx="2">
+              <a:schemeClr val="accent1">
+                <a:shade val="50000"/>
+              </a:schemeClr>
+            </a:lnRef>
+            <a:fillRef idx="1">
+              <a:schemeClr val="accent1"/>
+            </a:fillRef>
+            <a:effectRef idx="0">
+              <a:schemeClr val="accent1"/>
+            </a:effectRef>
+            <a:fontRef idx="minor">
+              <a:schemeClr val="lt1"/>
+            </a:fontRef>
+          </p:style>
+          <p:txBody>
+            <a:bodyPr anchor="ctr"/>
+            <a:p>
+              <a:pPr algn="ctr">
+                <a:defRPr/>
+              </a:pPr>
+              <a:endParaRPr lang="ko-KR" altLang="en-US"/>
+            </a:p>
+          </p:txBody>
+        </p:sp>
+        <p:sp>
+          <p:nvSpPr>
+            <p:cNvPr id="14" name="자유형 19"/>
+            <p:cNvSpPr/>
+            <p:nvPr/>
+          </p:nvSpPr>
+          <p:spPr bwMode="auto">
+            <a:xfrm rot="19844698" flipH="1">
+              <a:off x="4972050" y="4074183"/>
+              <a:ext cx="2247900" cy="439737"/>
+            </a:xfrm>
+            <a:custGeom>
+              <a:avLst/>
+              <a:gdLst>
+                <a:gd name="connsiteX0" fmla="*/ 0 w 2961540"/>
+                <a:gd name="connsiteY0" fmla="*/ 0 h 648072"/>
+                <a:gd name="connsiteX1" fmla="*/ 2961540 w 2961540"/>
+                <a:gd name="connsiteY1" fmla="*/ 0 h 648072"/>
+                <a:gd name="connsiteX2" fmla="*/ 2961540 w 2961540"/>
+                <a:gd name="connsiteY2" fmla="*/ 648072 h 648072"/>
+                <a:gd name="connsiteX3" fmla="*/ 0 w 2961540"/>
+                <a:gd name="connsiteY3" fmla="*/ 648072 h 648072"/>
+                <a:gd name="connsiteX4" fmla="*/ 0 w 2961540"/>
+                <a:gd name="connsiteY4" fmla="*/ 0 h 648072"/>
+                <a:gd name="connsiteX0-1" fmla="*/ 0 w 2961540"/>
+                <a:gd name="connsiteY0-2" fmla="*/ 0 h 648072"/>
+                <a:gd name="connsiteX1-3" fmla="*/ 2961540 w 2961540"/>
+                <a:gd name="connsiteY1-4" fmla="*/ 0 h 648072"/>
+                <a:gd name="connsiteX2-5" fmla="*/ 2961540 w 2961540"/>
+                <a:gd name="connsiteY2-6" fmla="*/ 648072 h 648072"/>
+                <a:gd name="connsiteX3-7" fmla="*/ 383001 w 2961540"/>
+                <a:gd name="connsiteY3-8" fmla="*/ 645803 h 648072"/>
+                <a:gd name="connsiteX4-9" fmla="*/ 0 w 2961540"/>
+                <a:gd name="connsiteY4-10" fmla="*/ 0 h 648072"/>
+                <a:gd name="connsiteX0-11" fmla="*/ 0 w 3311251"/>
+                <a:gd name="connsiteY0-12" fmla="*/ 0 h 648698"/>
+                <a:gd name="connsiteX1-13" fmla="*/ 2961540 w 3311251"/>
+                <a:gd name="connsiteY1-14" fmla="*/ 0 h 648698"/>
+                <a:gd name="connsiteX2-15" fmla="*/ 3311251 w 3311251"/>
+                <a:gd name="connsiteY2-16" fmla="*/ 648698 h 648698"/>
+                <a:gd name="connsiteX3-17" fmla="*/ 383001 w 3311251"/>
+                <a:gd name="connsiteY3-18" fmla="*/ 645803 h 648698"/>
+                <a:gd name="connsiteX4-19" fmla="*/ 0 w 3311251"/>
+                <a:gd name="connsiteY4-20" fmla="*/ 0 h 648698"/>
+              </a:gdLst>
+              <a:ahLst/>
+              <a:cxnLst>
+                <a:cxn ang="0">
+                  <a:pos x="connsiteX0-1" y="connsiteY0-2"/>
+                </a:cxn>
+                <a:cxn ang="0">
+                  <a:pos x="connsiteX1-3" y="connsiteY1-4"/>
+                </a:cxn>
+                <a:cxn ang="0">
+                  <a:pos x="connsiteX2-5" y="connsiteY2-6"/>
+                </a:cxn>
+                <a:cxn ang="0">
+                  <a:pos x="connsiteX3-7" y="connsiteY3-8"/>
+                </a:cxn>
+                <a:cxn ang="0">
+                  <a:pos x="connsiteX4-9" y="connsiteY4-10"/>
+                </a:cxn>
+              </a:cxnLst>
+              <a:rect l="l" t="t" r="r" b="b"/>
+              <a:pathLst>
+                <a:path w="3311251" h="648698">
+                  <a:moveTo>
+                    <a:pt x="0" y="0"/>
+                  </a:moveTo>
+                  <a:lnTo>
+                    <a:pt x="2961540" y="0"/>
+                  </a:lnTo>
+                  <a:lnTo>
+                    <a:pt x="3311251" y="648698"/>
+                  </a:lnTo>
+                  <a:lnTo>
+                    <a:pt x="383001" y="645803"/>
+                  </a:lnTo>
+                  <a:lnTo>
+                    <a:pt x="0" y="0"/>
+                  </a:lnTo>
+                  <a:close/>
+                </a:path>
+              </a:pathLst>
+            </a:custGeom>
+            <a:solidFill>
+              <a:schemeClr val="accent1">
+                <a:lumMod val="40000"/>
+                <a:lumOff val="60000"/>
+              </a:schemeClr>
+            </a:solidFill>
+            <a:ln>
+              <a:noFill/>
+            </a:ln>
+          </p:spPr>
+          <p:style>
+            <a:lnRef idx="2">
+              <a:schemeClr val="accent1">
+                <a:shade val="50000"/>
+              </a:schemeClr>
+            </a:lnRef>
+            <a:fillRef idx="1">
+              <a:schemeClr val="accent1"/>
+            </a:fillRef>
+            <a:effectRef idx="0">
+              <a:schemeClr val="accent1"/>
+            </a:effectRef>
+            <a:fontRef idx="minor">
+              <a:schemeClr val="lt1"/>
+            </a:fontRef>
+          </p:style>
+          <p:txBody>
+            <a:bodyPr anchor="ctr"/>
+            <a:p>
+              <a:pPr algn="ctr">
+                <a:defRPr/>
+              </a:pPr>
+              <a:endParaRPr lang="ko-KR" altLang="en-US" dirty="0"/>
+            </a:p>
+          </p:txBody>
+        </p:sp>
+      </p:grpSp>
+      <p:sp>
+        <p:nvSpPr>
+          <p:cNvPr id="15" name="矩形: 圆角 19"/>
+          <p:cNvSpPr/>
+          <p:nvPr/>
+        </p:nvSpPr>
+        <p:spPr>
+          <a:xfrm>
+            <a:off x="4491026" y="5574131"/>
+            <a:ext cx="1208015" cy="107355"/>
+          </a:xfrm>
+          <a:prstGeom prst="roundRect">
+            <a:avLst>
+              <a:gd name="adj" fmla="val 50000"/>
+            </a:avLst>
+          </a:prstGeom>
+          <a:solidFill>
+            <a:schemeClr val="tx1"/>
+          </a:solidFill>
+          <a:ln>
+            <a:noFill/>
+          </a:ln>
+          <a:effectLst>
+            <a:outerShdw blurRad="50800" dist="38100" dir="5400000" algn="t" rotWithShape="0">
+              <a:prstClr val="black">
+                <a:alpha val="40000"/>
+              </a:prstClr>
+            </a:outerShdw>
+          </a:effectLst>
+        </p:spPr>
+        <p:style>
+          <a:lnRef idx="2">
+            <a:schemeClr val="accent1">
+              <a:shade val="50000"/>
+            </a:schemeClr>
+          </a:lnRef>
+          <a:fillRef idx="1">
+            <a:schemeClr val="accent1"/>
+          </a:fillRef>
+          <a:effectRef idx="0">
+            <a:schemeClr val="accent1"/>
+          </a:effectRef>
+          <a:fontRef idx="minor">
+            <a:schemeClr val="lt1"/>
+          </a:fontRef>
+        </p:style>
+        <p:txBody>
+          <a:bodyPr rtlCol="0" anchor="ctr"/>
+          <a:p>
+            <a:pPr algn="ctr"/>
+            <a:endParaRPr lang="zh-CN" altLang="en-US"/>
+          </a:p>
+        </p:txBody>
+      </p:sp>
+    </p:spTree>
+  </p:cSld>
+  <p:clrMapOvr>
+    <a:masterClrMapping/>
+  </p:clrMapOvr>
+  <p:timing>
+    <p:tnLst>
+      <p:par>
+        <p:cTn id="1" dur="indefinite" restart="never" nodeType="tmRoot"/>
+      </p:par>
+    </p:tnLst>
+  </p:timing>
+</p:sld>
+</file>
+
+<file path=ppt/slides/slide22.xml><?xml version="1.0" encoding="utf-8"?>
+<p:sld xmlns:a="http://schemas.openxmlformats.org/drawingml/2006/main" xmlns:r="http://schemas.openxmlformats.org/officeDocument/2006/relationships" xmlns:p="http://schemas.openxmlformats.org/presentationml/2006/main">
+  <p:cSld>
+    <p:spTree>
+      <p:nvGrpSpPr>
+        <p:cNvPr id="1" name=""/>
+        <p:cNvGrpSpPr/>
+        <p:nvPr/>
+      </p:nvGrpSpPr>
+      <p:grpSpPr>
+        <a:xfrm>
+          <a:off x="0" y="0"/>
+          <a:ext cx="0" cy="0"/>
+          <a:chOff x="0" y="0"/>
+          <a:chExt cx="0" cy="0"/>
+        </a:xfrm>
+      </p:grpSpPr>
+      <p:pic>
+        <p:nvPicPr>
+          <p:cNvPr id="6" name="Picture 5" descr="E:\PRD\logoWhite.png"/>
+          <p:cNvPicPr>
+            <a:picLocks noChangeAspect="1" noChangeArrowheads="1"/>
+          </p:cNvPicPr>
+          <p:nvPr/>
+        </p:nvPicPr>
+        <p:blipFill>
+          <a:blip r:embed="rId1" cstate="print"/>
+          <a:srcRect/>
+          <a:stretch>
+            <a:fillRect/>
+          </a:stretch>
+        </p:blipFill>
+        <p:spPr bwMode="auto">
+          <a:xfrm>
+            <a:off x="11577513" y="6241409"/>
+            <a:ext cx="614487" cy="616591"/>
+          </a:xfrm>
+          <a:prstGeom prst="rect">
+            <a:avLst/>
+          </a:prstGeom>
+          <a:noFill/>
+        </p:spPr>
+      </p:pic>
+      <p:sp>
+        <p:nvSpPr>
+          <p:cNvPr id="2" name="文本框 1"/>
+          <p:cNvSpPr txBox="1"/>
+          <p:nvPr/>
+        </p:nvSpPr>
+        <p:spPr>
+          <a:xfrm>
+            <a:off x="353695" y="504825"/>
+            <a:ext cx="3254375" cy="2676525"/>
+          </a:xfrm>
+          <a:prstGeom prst="rect">
+            <a:avLst/>
+          </a:prstGeom>
+          <a:noFill/>
+        </p:spPr>
+        <p:txBody>
+          <a:bodyPr wrap="square" rtlCol="0">
+            <a:spAutoFit/>
+          </a:bodyPr>
+          <a:p>
+            <a:r>
+              <a:rPr lang="en-US" altLang="zh-CN"/>
+              <a:t>“</a:t>
+            </a:r>
+            <a:r>
+              <a:rPr lang="zh-CN" altLang="en-US"/>
+              <a:t>组合结构图</a:t>
+            </a:r>
+            <a:r>
+              <a:rPr lang="en-US" altLang="zh-CN"/>
+              <a:t>”</a:t>
+            </a:r>
+            <a:r>
+              <a:rPr lang="zh-CN" altLang="en-US"/>
+              <a:t>描述系统中的某一部分的内部内容，包括该部分与系统其它部分的交互点，</a:t>
+            </a:r>
+            <a:r>
+              <a:rPr lang="en-US" altLang="zh-CN"/>
+              <a:t>“</a:t>
+            </a:r>
+            <a:r>
+              <a:rPr lang="zh-CN" altLang="en-US"/>
+              <a:t>组织结构图</a:t>
+            </a:r>
+            <a:r>
+              <a:rPr lang="en-US" altLang="zh-CN"/>
+              <a:t>”</a:t>
+            </a:r>
+            <a:r>
+              <a:rPr lang="zh-CN" altLang="en-US"/>
+              <a:t>能够展示该部分内容</a:t>
+            </a:r>
+            <a:r>
+              <a:rPr lang="en-US" altLang="zh-CN"/>
+              <a:t>“</a:t>
+            </a:r>
+            <a:r>
+              <a:rPr lang="zh-CN" altLang="en-US"/>
+              <a:t>内部</a:t>
+            </a:r>
+            <a:r>
+              <a:rPr lang="en-US" altLang="zh-CN"/>
+              <a:t>”</a:t>
+            </a:r>
+            <a:r>
+              <a:rPr lang="zh-CN" altLang="en-US"/>
+              <a:t>参与者的配置情况。</a:t>
+            </a:r>
+            <a:endParaRPr lang="zh-CN" altLang="en-US"/>
+          </a:p>
+        </p:txBody>
+      </p:sp>
+      <p:pic>
+        <p:nvPicPr>
+          <p:cNvPr id="3" name="图片 2"/>
+          <p:cNvPicPr>
+            <a:picLocks noChangeAspect="1"/>
+          </p:cNvPicPr>
+          <p:nvPr/>
+        </p:nvPicPr>
+        <p:blipFill>
+          <a:blip r:embed="rId2"/>
+          <a:stretch>
+            <a:fillRect/>
+          </a:stretch>
+        </p:blipFill>
+        <p:spPr>
+          <a:xfrm>
+            <a:off x="353695" y="4052570"/>
+            <a:ext cx="7675245" cy="2498725"/>
+          </a:xfrm>
+          <a:prstGeom prst="rect">
+            <a:avLst/>
+          </a:prstGeom>
+        </p:spPr>
+      </p:pic>
+      <p:sp>
+        <p:nvSpPr>
+          <p:cNvPr id="5" name="文本框 4"/>
+          <p:cNvSpPr txBox="1"/>
+          <p:nvPr/>
+        </p:nvSpPr>
+        <p:spPr>
+          <a:xfrm>
+            <a:off x="3088640" y="3387090"/>
+            <a:ext cx="2316480" cy="460375"/>
+          </a:xfrm>
+          <a:prstGeom prst="rect">
+            <a:avLst/>
+          </a:prstGeom>
+          <a:noFill/>
+        </p:spPr>
+        <p:txBody>
+          <a:bodyPr wrap="none" rtlCol="0" anchor="t">
+            <a:spAutoFit/>
+          </a:bodyPr>
+          <a:p>
+            <a:r>
+              <a:rPr lang="zh-CN" altLang="en-US">
+                <a:sym typeface="+mn-ea"/>
+              </a:rPr>
+              <a:t>组合结构图示例</a:t>
+            </a:r>
+            <a:endParaRPr lang="en-US" altLang="zh-CN">
+              <a:sym typeface="+mn-ea"/>
+            </a:endParaRPr>
+          </a:p>
+        </p:txBody>
+      </p:sp>
+      <p:sp>
+        <p:nvSpPr>
+          <p:cNvPr id="7" name="文本框 6"/>
+          <p:cNvSpPr txBox="1"/>
+          <p:nvPr/>
+        </p:nvSpPr>
+        <p:spPr>
+          <a:xfrm>
+            <a:off x="4257675" y="575310"/>
+            <a:ext cx="7216140" cy="1568450"/>
+          </a:xfrm>
+          <a:prstGeom prst="rect">
+            <a:avLst/>
+          </a:prstGeom>
+          <a:noFill/>
+        </p:spPr>
+        <p:txBody>
+          <a:bodyPr wrap="square" rtlCol="0">
+            <a:spAutoFit/>
+          </a:bodyPr>
+          <a:p>
+            <a:r>
+              <a:rPr lang="zh-CN" altLang="en-US"/>
+              <a:t>主要组成元素：</a:t>
+            </a:r>
+            <a:endParaRPr lang="zh-CN" altLang="en-US"/>
+          </a:p>
+          <a:p>
+            <a:r>
+              <a:rPr lang="zh-CN" altLang="en-US"/>
+              <a:t>   &gt;部件(Part)：表示被描述事物所拥有的内部成分。</a:t>
+            </a:r>
+            <a:endParaRPr lang="zh-CN" altLang="en-US"/>
+          </a:p>
+          <a:p>
+            <a:r>
+              <a:rPr lang="zh-CN" altLang="en-US"/>
+              <a:t>   &gt;连接件(Connector)：表示部件之间的关系。</a:t>
+            </a:r>
+            <a:endParaRPr lang="zh-CN" altLang="en-US"/>
+          </a:p>
+          <a:p>
+            <a:r>
+              <a:rPr lang="zh-CN" altLang="en-US"/>
+              <a:t>   &gt;端口(Port)：表示部件和外部环境的交互点。</a:t>
+            </a:r>
+            <a:endParaRPr lang="zh-CN" altLang="en-US"/>
+          </a:p>
+        </p:txBody>
+      </p:sp>
+      <p:sp>
+        <p:nvSpPr>
+          <p:cNvPr id="8" name="文本框 7"/>
+          <p:cNvSpPr txBox="1"/>
+          <p:nvPr/>
+        </p:nvSpPr>
+        <p:spPr>
+          <a:xfrm>
+            <a:off x="8471535" y="4052570"/>
+            <a:ext cx="3208020" cy="2306955"/>
+          </a:xfrm>
+          <a:prstGeom prst="rect">
+            <a:avLst/>
+          </a:prstGeom>
+          <a:noFill/>
+        </p:spPr>
+        <p:txBody>
+          <a:bodyPr wrap="square" rtlCol="0">
+            <a:spAutoFit/>
+          </a:bodyPr>
+          <a:p>
+            <a:r>
+              <a:rPr lang="zh-CN" altLang="en-US"/>
+              <a:t>小结：组合结构图将每一个类放在一个整体中，从类的内部结构来审视一个类，用于表示一个类的内部结构</a:t>
+            </a:r>
+            <a:endParaRPr lang="zh-CN" altLang="en-US"/>
+          </a:p>
+        </p:txBody>
+      </p:sp>
+    </p:spTree>
+  </p:cSld>
+  <p:clrMapOvr>
+    <a:masterClrMapping/>
+  </p:clrMapOvr>
+  <p:timing>
+    <p:tnLst>
+      <p:par>
+        <p:cTn id="1" dur="indefinite" restart="never" nodeType="tmRoot"/>
+      </p:par>
+    </p:tnLst>
+  </p:timing>
+</p:sld>
+</file>
+
+<file path=ppt/slides/slide23.xml><?xml version="1.0" encoding="utf-8"?>
+<p:sld xmlns:a="http://schemas.openxmlformats.org/drawingml/2006/main" xmlns:r="http://schemas.openxmlformats.org/officeDocument/2006/relationships" xmlns:p="http://schemas.openxmlformats.org/presentationml/2006/main">
+  <p:cSld>
+    <p:spTree>
+      <p:nvGrpSpPr>
+        <p:cNvPr id="1" name=""/>
+        <p:cNvGrpSpPr/>
+        <p:nvPr/>
+      </p:nvGrpSpPr>
+      <p:grpSpPr>
+        <a:xfrm>
+          <a:off x="0" y="0"/>
+          <a:ext cx="0" cy="0"/>
+          <a:chOff x="0" y="0"/>
+          <a:chExt cx="0" cy="0"/>
+        </a:xfrm>
+      </p:grpSpPr>
+      <p:pic>
+        <p:nvPicPr>
+          <p:cNvPr id="6" name="Picture 5" descr="E:\PRD\logoWhite.png"/>
+          <p:cNvPicPr>
+            <a:picLocks noChangeAspect="1" noChangeArrowheads="1"/>
+          </p:cNvPicPr>
+          <p:nvPr/>
+        </p:nvPicPr>
+        <p:blipFill>
+          <a:blip r:embed="rId1" cstate="print"/>
+          <a:srcRect/>
+          <a:stretch>
+            <a:fillRect/>
+          </a:stretch>
+        </p:blipFill>
+        <p:spPr bwMode="auto">
+          <a:xfrm>
+            <a:off x="11577513" y="6241409"/>
+            <a:ext cx="614487" cy="616591"/>
+          </a:xfrm>
+          <a:prstGeom prst="rect">
+            <a:avLst/>
+          </a:prstGeom>
+          <a:noFill/>
+        </p:spPr>
+      </p:pic>
+      <p:sp>
+        <p:nvSpPr>
+          <p:cNvPr id="2" name="文本框 1"/>
+          <p:cNvSpPr txBox="1"/>
+          <p:nvPr/>
+        </p:nvSpPr>
+        <p:spPr>
+          <a:xfrm>
+            <a:off x="266065" y="260985"/>
+            <a:ext cx="6336030" cy="2676525"/>
+          </a:xfrm>
+          <a:prstGeom prst="rect">
+            <a:avLst/>
+          </a:prstGeom>
+          <a:noFill/>
+        </p:spPr>
+        <p:txBody>
+          <a:bodyPr wrap="square" rtlCol="0" anchor="t">
+            <a:spAutoFit/>
+          </a:bodyPr>
+          <a:p>
+            <a:r>
+              <a:rPr lang="zh-CN" altLang="en-US"/>
+              <a:t>交互概览图是活动图的一种形式，它的节点代表交互图。交互图包含顺序图，通信图，交互概览图和时间图。 大多数交互概览图标注与活动图一样。例如：起始，结束，判断，合并，分叉和结合节点是完全相同。并且，交互概览图介绍了两种新的元素：交互发生和交互元素。</a:t>
+            </a:r>
+            <a:endParaRPr lang="zh-CN" altLang="en-US"/>
+          </a:p>
+        </p:txBody>
+      </p:sp>
+      <p:pic>
+        <p:nvPicPr>
+          <p:cNvPr id="3" name="图片 2"/>
+          <p:cNvPicPr>
+            <a:picLocks noChangeAspect="1"/>
+          </p:cNvPicPr>
+          <p:nvPr/>
+        </p:nvPicPr>
+        <p:blipFill>
+          <a:blip r:embed="rId2"/>
+          <a:stretch>
+            <a:fillRect/>
+          </a:stretch>
+        </p:blipFill>
+        <p:spPr>
+          <a:xfrm>
+            <a:off x="7593965" y="260985"/>
+            <a:ext cx="4238625" cy="6108065"/>
+          </a:xfrm>
+          <a:prstGeom prst="rect">
+            <a:avLst/>
+          </a:prstGeom>
+        </p:spPr>
+      </p:pic>
+      <p:sp>
+        <p:nvSpPr>
+          <p:cNvPr id="4" name="文本框 3"/>
+          <p:cNvSpPr txBox="1"/>
+          <p:nvPr/>
+        </p:nvSpPr>
+        <p:spPr>
+          <a:xfrm>
+            <a:off x="349885" y="3351530"/>
+            <a:ext cx="4902200" cy="2306955"/>
+          </a:xfrm>
+          <a:prstGeom prst="rect">
+            <a:avLst/>
+          </a:prstGeom>
+          <a:noFill/>
+        </p:spPr>
+        <p:txBody>
+          <a:bodyPr wrap="square" rtlCol="0" anchor="t">
+            <a:spAutoFit/>
+          </a:bodyPr>
+          <a:p>
+            <a:r>
+              <a:rPr lang="zh-CN" altLang="en-US"/>
+              <a:t>所有的活动图控件，都可以相同地被使用于交互概览图，如：分叉，结合，合并等等。它把控制逻辑放入较低一级的图中。下面的例子就说明了一个典型的销售过程。子过程是从交互发生抽象而来。</a:t>
+            </a:r>
+            <a:endParaRPr lang="zh-CN" altLang="en-US"/>
+          </a:p>
+        </p:txBody>
+      </p:sp>
+      <p:grpSp>
+        <p:nvGrpSpPr>
+          <p:cNvPr id="30" name="组合 29"/>
+          <p:cNvGrpSpPr/>
+          <p:nvPr/>
+        </p:nvGrpSpPr>
+        <p:grpSpPr>
+          <a:xfrm rot="0">
+            <a:off x="6409311" y="3743624"/>
+            <a:ext cx="868566" cy="713377"/>
+            <a:chOff x="4972050" y="2667658"/>
+            <a:chExt cx="2247900" cy="1846262"/>
+          </a:xfrm>
+        </p:grpSpPr>
+        <p:sp>
+          <p:nvSpPr>
+            <p:cNvPr id="31" name="자유형 24"/>
+            <p:cNvSpPr/>
+            <p:nvPr/>
+          </p:nvSpPr>
+          <p:spPr bwMode="auto">
+            <a:xfrm rot="19844698" flipH="1">
+              <a:off x="4978400" y="3628095"/>
+              <a:ext cx="2014537" cy="469900"/>
+            </a:xfrm>
+            <a:custGeom>
+              <a:avLst/>
+              <a:gdLst>
+                <a:gd name="connsiteX0" fmla="*/ 0 w 2961540"/>
+                <a:gd name="connsiteY0" fmla="*/ 0 h 648072"/>
+                <a:gd name="connsiteX1" fmla="*/ 2961540 w 2961540"/>
+                <a:gd name="connsiteY1" fmla="*/ 0 h 648072"/>
+                <a:gd name="connsiteX2" fmla="*/ 2961540 w 2961540"/>
+                <a:gd name="connsiteY2" fmla="*/ 648072 h 648072"/>
+                <a:gd name="connsiteX3" fmla="*/ 0 w 2961540"/>
+                <a:gd name="connsiteY3" fmla="*/ 648072 h 648072"/>
+                <a:gd name="connsiteX4" fmla="*/ 0 w 2961540"/>
+                <a:gd name="connsiteY4" fmla="*/ 0 h 648072"/>
+                <a:gd name="connsiteX0-1" fmla="*/ 203047 w 3164587"/>
+                <a:gd name="connsiteY0-2" fmla="*/ 0 h 650470"/>
+                <a:gd name="connsiteX1-3" fmla="*/ 3164587 w 3164587"/>
+                <a:gd name="connsiteY1-4" fmla="*/ 0 h 650470"/>
+                <a:gd name="connsiteX2-5" fmla="*/ 3164587 w 3164587"/>
+                <a:gd name="connsiteY2-6" fmla="*/ 648072 h 650470"/>
+                <a:gd name="connsiteX3-7" fmla="*/ 0 w 3164587"/>
+                <a:gd name="connsiteY3-8" fmla="*/ 650470 h 650470"/>
+                <a:gd name="connsiteX4-9" fmla="*/ 203047 w 3164587"/>
+                <a:gd name="connsiteY4-10" fmla="*/ 0 h 650470"/>
+                <a:gd name="connsiteX0-11" fmla="*/ 407488 w 3164587"/>
+                <a:gd name="connsiteY0-12" fmla="*/ 0 h 655811"/>
+                <a:gd name="connsiteX1-13" fmla="*/ 3164587 w 3164587"/>
+                <a:gd name="connsiteY1-14" fmla="*/ 5341 h 655811"/>
+                <a:gd name="connsiteX2-15" fmla="*/ 3164587 w 3164587"/>
+                <a:gd name="connsiteY2-16" fmla="*/ 653413 h 655811"/>
+                <a:gd name="connsiteX3-17" fmla="*/ 0 w 3164587"/>
+                <a:gd name="connsiteY3-18" fmla="*/ 655811 h 655811"/>
+                <a:gd name="connsiteX4-19" fmla="*/ 407488 w 3164587"/>
+                <a:gd name="connsiteY4-20" fmla="*/ 0 h 655811"/>
+                <a:gd name="connsiteX0-21" fmla="*/ 407488 w 3164587"/>
+                <a:gd name="connsiteY0-22" fmla="*/ 0 h 655811"/>
+                <a:gd name="connsiteX1-23" fmla="*/ 2615502 w 3164587"/>
+                <a:gd name="connsiteY1-24" fmla="*/ 57122 h 655811"/>
+                <a:gd name="connsiteX2-25" fmla="*/ 3164587 w 3164587"/>
+                <a:gd name="connsiteY2-26" fmla="*/ 653413 h 655811"/>
+                <a:gd name="connsiteX3-27" fmla="*/ 0 w 3164587"/>
+                <a:gd name="connsiteY3-28" fmla="*/ 655811 h 655811"/>
+                <a:gd name="connsiteX4-29" fmla="*/ 407488 w 3164587"/>
+                <a:gd name="connsiteY4-30" fmla="*/ 0 h 655811"/>
+                <a:gd name="connsiteX0-31" fmla="*/ 407488 w 2967403"/>
+                <a:gd name="connsiteY0-32" fmla="*/ 0 h 685357"/>
+                <a:gd name="connsiteX1-33" fmla="*/ 2615502 w 2967403"/>
+                <a:gd name="connsiteY1-34" fmla="*/ 57122 h 685357"/>
+                <a:gd name="connsiteX2-35" fmla="*/ 2967403 w 2967403"/>
+                <a:gd name="connsiteY2-36" fmla="*/ 685357 h 685357"/>
+                <a:gd name="connsiteX3-37" fmla="*/ 0 w 2967403"/>
+                <a:gd name="connsiteY3-38" fmla="*/ 655811 h 685357"/>
+                <a:gd name="connsiteX4-39" fmla="*/ 407488 w 2967403"/>
+                <a:gd name="connsiteY4-40" fmla="*/ 0 h 685357"/>
+                <a:gd name="connsiteX0-41" fmla="*/ 407488 w 2967403"/>
+                <a:gd name="connsiteY0-42" fmla="*/ 0 h 685357"/>
+                <a:gd name="connsiteX1-43" fmla="*/ 2583917 w 2967403"/>
+                <a:gd name="connsiteY1-44" fmla="*/ 20227 h 685357"/>
+                <a:gd name="connsiteX2-45" fmla="*/ 2967403 w 2967403"/>
+                <a:gd name="connsiteY2-46" fmla="*/ 685357 h 685357"/>
+                <a:gd name="connsiteX3-47" fmla="*/ 0 w 2967403"/>
+                <a:gd name="connsiteY3-48" fmla="*/ 655811 h 685357"/>
+                <a:gd name="connsiteX4-49" fmla="*/ 407488 w 2967403"/>
+                <a:gd name="connsiteY4-50" fmla="*/ 0 h 685357"/>
+                <a:gd name="connsiteX0-51" fmla="*/ 407488 w 2967403"/>
+                <a:gd name="connsiteY0-52" fmla="*/ 5703 h 691060"/>
+                <a:gd name="connsiteX1-53" fmla="*/ 2591228 w 2967403"/>
+                <a:gd name="connsiteY1-54" fmla="*/ 0 h 691060"/>
+                <a:gd name="connsiteX2-55" fmla="*/ 2967403 w 2967403"/>
+                <a:gd name="connsiteY2-56" fmla="*/ 691060 h 691060"/>
+                <a:gd name="connsiteX3-57" fmla="*/ 0 w 2967403"/>
+                <a:gd name="connsiteY3-58" fmla="*/ 661514 h 691060"/>
+                <a:gd name="connsiteX4-59" fmla="*/ 407488 w 2967403"/>
+                <a:gd name="connsiteY4-60" fmla="*/ 5703 h 691060"/>
+              </a:gdLst>
+              <a:ahLst/>
+              <a:cxnLst>
+                <a:cxn ang="0">
+                  <a:pos x="connsiteX0-1" y="connsiteY0-2"/>
+                </a:cxn>
+                <a:cxn ang="0">
+                  <a:pos x="connsiteX1-3" y="connsiteY1-4"/>
+                </a:cxn>
+                <a:cxn ang="0">
+                  <a:pos x="connsiteX2-5" y="connsiteY2-6"/>
+                </a:cxn>
+                <a:cxn ang="0">
+                  <a:pos x="connsiteX3-7" y="connsiteY3-8"/>
+                </a:cxn>
+                <a:cxn ang="0">
+                  <a:pos x="connsiteX4-9" y="connsiteY4-10"/>
+                </a:cxn>
+              </a:cxnLst>
+              <a:rect l="l" t="t" r="r" b="b"/>
+              <a:pathLst>
+                <a:path w="2967403" h="691060">
+                  <a:moveTo>
+                    <a:pt x="407488" y="5703"/>
+                  </a:moveTo>
+                  <a:lnTo>
+                    <a:pt x="2591228" y="0"/>
+                  </a:lnTo>
+                  <a:lnTo>
+                    <a:pt x="2967403" y="691060"/>
+                  </a:lnTo>
+                  <a:lnTo>
+                    <a:pt x="0" y="661514"/>
+                  </a:lnTo>
+                  <a:lnTo>
+                    <a:pt x="407488" y="5703"/>
+                  </a:lnTo>
+                  <a:close/>
+                </a:path>
+              </a:pathLst>
+            </a:custGeom>
+            <a:solidFill>
+              <a:schemeClr val="accent1">
+                <a:lumMod val="60000"/>
+                <a:lumOff val="40000"/>
+              </a:schemeClr>
+            </a:solidFill>
+            <a:ln>
+              <a:noFill/>
+            </a:ln>
+          </p:spPr>
+          <p:style>
+            <a:lnRef idx="2">
+              <a:schemeClr val="accent1">
+                <a:shade val="50000"/>
+              </a:schemeClr>
+            </a:lnRef>
+            <a:fillRef idx="1">
+              <a:schemeClr val="accent1"/>
+            </a:fillRef>
+            <a:effectRef idx="0">
+              <a:schemeClr val="accent1"/>
+            </a:effectRef>
+            <a:fontRef idx="minor">
+              <a:schemeClr val="lt1"/>
+            </a:fontRef>
+          </p:style>
+          <p:txBody>
+            <a:bodyPr anchor="ctr"/>
+            <a:p>
+              <a:pPr algn="ctr">
+                <a:defRPr/>
+              </a:pPr>
+              <a:endParaRPr lang="ko-KR" altLang="en-US"/>
+            </a:p>
+          </p:txBody>
+        </p:sp>
+        <p:sp>
+          <p:nvSpPr>
+            <p:cNvPr id="32" name="자유형 32"/>
+            <p:cNvSpPr/>
+            <p:nvPr/>
+          </p:nvSpPr>
+          <p:spPr bwMode="auto">
+            <a:xfrm rot="1755302">
+              <a:off x="5002212" y="2667658"/>
+              <a:ext cx="2212975" cy="428625"/>
+            </a:xfrm>
+            <a:custGeom>
+              <a:avLst/>
+              <a:gdLst>
+                <a:gd name="connsiteX0" fmla="*/ 0 w 2961540"/>
+                <a:gd name="connsiteY0" fmla="*/ 0 h 648072"/>
+                <a:gd name="connsiteX1" fmla="*/ 2961540 w 2961540"/>
+                <a:gd name="connsiteY1" fmla="*/ 0 h 648072"/>
+                <a:gd name="connsiteX2" fmla="*/ 2961540 w 2961540"/>
+                <a:gd name="connsiteY2" fmla="*/ 648072 h 648072"/>
+                <a:gd name="connsiteX3" fmla="*/ 0 w 2961540"/>
+                <a:gd name="connsiteY3" fmla="*/ 648072 h 648072"/>
+                <a:gd name="connsiteX4" fmla="*/ 0 w 2961540"/>
+                <a:gd name="connsiteY4" fmla="*/ 0 h 648072"/>
+                <a:gd name="connsiteX0-1" fmla="*/ 0 w 2961540"/>
+                <a:gd name="connsiteY0-2" fmla="*/ 0 h 648072"/>
+                <a:gd name="connsiteX1-3" fmla="*/ 2605255 w 2961540"/>
+                <a:gd name="connsiteY1-4" fmla="*/ 15401 h 648072"/>
+                <a:gd name="connsiteX2-5" fmla="*/ 2961540 w 2961540"/>
+                <a:gd name="connsiteY2-6" fmla="*/ 648072 h 648072"/>
+                <a:gd name="connsiteX3-7" fmla="*/ 0 w 2961540"/>
+                <a:gd name="connsiteY3-8" fmla="*/ 648072 h 648072"/>
+                <a:gd name="connsiteX4-9" fmla="*/ 0 w 2961540"/>
+                <a:gd name="connsiteY4-10" fmla="*/ 0 h 648072"/>
+                <a:gd name="connsiteX0-11" fmla="*/ 0 w 3260319"/>
+                <a:gd name="connsiteY0-12" fmla="*/ 58505 h 632671"/>
+                <a:gd name="connsiteX1-13" fmla="*/ 2904034 w 3260319"/>
+                <a:gd name="connsiteY1-14" fmla="*/ 0 h 632671"/>
+                <a:gd name="connsiteX2-15" fmla="*/ 3260319 w 3260319"/>
+                <a:gd name="connsiteY2-16" fmla="*/ 632671 h 632671"/>
+                <a:gd name="connsiteX3-17" fmla="*/ 298779 w 3260319"/>
+                <a:gd name="connsiteY3-18" fmla="*/ 632671 h 632671"/>
+                <a:gd name="connsiteX4-19" fmla="*/ 0 w 3260319"/>
+                <a:gd name="connsiteY4-20" fmla="*/ 58505 h 632671"/>
+              </a:gdLst>
+              <a:ahLst/>
+              <a:cxnLst>
+                <a:cxn ang="0">
+                  <a:pos x="connsiteX0-1" y="connsiteY0-2"/>
+                </a:cxn>
+                <a:cxn ang="0">
+                  <a:pos x="connsiteX1-3" y="connsiteY1-4"/>
+                </a:cxn>
+                <a:cxn ang="0">
+                  <a:pos x="connsiteX2-5" y="connsiteY2-6"/>
+                </a:cxn>
+                <a:cxn ang="0">
+                  <a:pos x="connsiteX3-7" y="connsiteY3-8"/>
+                </a:cxn>
+                <a:cxn ang="0">
+                  <a:pos x="connsiteX4-9" y="connsiteY4-10"/>
+                </a:cxn>
+              </a:cxnLst>
+              <a:rect l="l" t="t" r="r" b="b"/>
+              <a:pathLst>
+                <a:path w="3260319" h="632671">
+                  <a:moveTo>
+                    <a:pt x="0" y="58505"/>
+                  </a:moveTo>
+                  <a:lnTo>
+                    <a:pt x="2904034" y="0"/>
+                  </a:lnTo>
+                  <a:lnTo>
+                    <a:pt x="3260319" y="632671"/>
+                  </a:lnTo>
+                  <a:lnTo>
+                    <a:pt x="298779" y="632671"/>
+                  </a:lnTo>
+                  <a:lnTo>
+                    <a:pt x="0" y="58505"/>
+                  </a:lnTo>
+                  <a:close/>
+                </a:path>
+              </a:pathLst>
+            </a:custGeom>
+            <a:solidFill>
+              <a:schemeClr val="accent1">
+                <a:lumMod val="75000"/>
+              </a:schemeClr>
+            </a:solidFill>
+            <a:ln>
+              <a:noFill/>
+            </a:ln>
+          </p:spPr>
+          <p:style>
+            <a:lnRef idx="2">
+              <a:schemeClr val="accent1">
+                <a:shade val="50000"/>
+              </a:schemeClr>
+            </a:lnRef>
+            <a:fillRef idx="1">
+              <a:schemeClr val="accent1"/>
+            </a:fillRef>
+            <a:effectRef idx="0">
+              <a:schemeClr val="accent1"/>
+            </a:effectRef>
+            <a:fontRef idx="minor">
+              <a:schemeClr val="lt1"/>
+            </a:fontRef>
+          </p:style>
+          <p:txBody>
+            <a:bodyPr anchor="ctr"/>
+            <a:p>
+              <a:pPr algn="ctr">
+                <a:defRPr/>
+              </a:pPr>
+              <a:endParaRPr lang="ko-KR" altLang="en-US"/>
+            </a:p>
+          </p:txBody>
+        </p:sp>
+        <p:sp>
+          <p:nvSpPr>
+            <p:cNvPr id="33" name="자유형 17"/>
+            <p:cNvSpPr/>
+            <p:nvPr/>
+          </p:nvSpPr>
+          <p:spPr bwMode="auto">
+            <a:xfrm rot="1755302">
+              <a:off x="4984750" y="3118508"/>
+              <a:ext cx="2224087" cy="428625"/>
+            </a:xfrm>
+            <a:custGeom>
+              <a:avLst/>
+              <a:gdLst>
+                <a:gd name="connsiteX0" fmla="*/ 0 w 2961540"/>
+                <a:gd name="connsiteY0" fmla="*/ 0 h 648072"/>
+                <a:gd name="connsiteX1" fmla="*/ 2961540 w 2961540"/>
+                <a:gd name="connsiteY1" fmla="*/ 0 h 648072"/>
+                <a:gd name="connsiteX2" fmla="*/ 2961540 w 2961540"/>
+                <a:gd name="connsiteY2" fmla="*/ 648072 h 648072"/>
+                <a:gd name="connsiteX3" fmla="*/ 0 w 2961540"/>
+                <a:gd name="connsiteY3" fmla="*/ 648072 h 648072"/>
+                <a:gd name="connsiteX4" fmla="*/ 0 w 2961540"/>
+                <a:gd name="connsiteY4" fmla="*/ 0 h 648072"/>
+                <a:gd name="connsiteX0-1" fmla="*/ 0 w 2961540"/>
+                <a:gd name="connsiteY0-2" fmla="*/ 0 h 648072"/>
+                <a:gd name="connsiteX1-3" fmla="*/ 2605255 w 2961540"/>
+                <a:gd name="connsiteY1-4" fmla="*/ 15401 h 648072"/>
+                <a:gd name="connsiteX2-5" fmla="*/ 2961540 w 2961540"/>
+                <a:gd name="connsiteY2-6" fmla="*/ 648072 h 648072"/>
+                <a:gd name="connsiteX3-7" fmla="*/ 0 w 2961540"/>
+                <a:gd name="connsiteY3-8" fmla="*/ 648072 h 648072"/>
+                <a:gd name="connsiteX4-9" fmla="*/ 0 w 2961540"/>
+                <a:gd name="connsiteY4-10" fmla="*/ 0 h 648072"/>
+                <a:gd name="connsiteX0-11" fmla="*/ 0 w 3260319"/>
+                <a:gd name="connsiteY0-12" fmla="*/ 58505 h 632671"/>
+                <a:gd name="connsiteX1-13" fmla="*/ 2904034 w 3260319"/>
+                <a:gd name="connsiteY1-14" fmla="*/ 0 h 632671"/>
+                <a:gd name="connsiteX2-15" fmla="*/ 3260319 w 3260319"/>
+                <a:gd name="connsiteY2-16" fmla="*/ 632671 h 632671"/>
+                <a:gd name="connsiteX3-17" fmla="*/ 298779 w 3260319"/>
+                <a:gd name="connsiteY3-18" fmla="*/ 632671 h 632671"/>
+                <a:gd name="connsiteX4-19" fmla="*/ 0 w 3260319"/>
+                <a:gd name="connsiteY4-20" fmla="*/ 58505 h 632671"/>
+                <a:gd name="connsiteX0-21" fmla="*/ 0 w 3277939"/>
+                <a:gd name="connsiteY0-22" fmla="*/ 46540 h 632671"/>
+                <a:gd name="connsiteX1-23" fmla="*/ 2921654 w 3277939"/>
+                <a:gd name="connsiteY1-24" fmla="*/ 0 h 632671"/>
+                <a:gd name="connsiteX2-25" fmla="*/ 3277939 w 3277939"/>
+                <a:gd name="connsiteY2-26" fmla="*/ 632671 h 632671"/>
+                <a:gd name="connsiteX3-27" fmla="*/ 316399 w 3277939"/>
+                <a:gd name="connsiteY3-28" fmla="*/ 632671 h 632671"/>
+                <a:gd name="connsiteX4-29" fmla="*/ 0 w 3277939"/>
+                <a:gd name="connsiteY4-30" fmla="*/ 46540 h 632671"/>
+              </a:gdLst>
+              <a:ahLst/>
+              <a:cxnLst>
+                <a:cxn ang="0">
+                  <a:pos x="connsiteX0-1" y="connsiteY0-2"/>
+                </a:cxn>
+                <a:cxn ang="0">
+                  <a:pos x="connsiteX1-3" y="connsiteY1-4"/>
+                </a:cxn>
+                <a:cxn ang="0">
+                  <a:pos x="connsiteX2-5" y="connsiteY2-6"/>
+                </a:cxn>
+                <a:cxn ang="0">
+                  <a:pos x="connsiteX3-7" y="connsiteY3-8"/>
+                </a:cxn>
+                <a:cxn ang="0">
+                  <a:pos x="connsiteX4-9" y="connsiteY4-10"/>
+                </a:cxn>
+              </a:cxnLst>
+              <a:rect l="l" t="t" r="r" b="b"/>
+              <a:pathLst>
+                <a:path w="3277939" h="632671">
+                  <a:moveTo>
+                    <a:pt x="0" y="46540"/>
+                  </a:moveTo>
+                  <a:lnTo>
+                    <a:pt x="2921654" y="0"/>
+                  </a:lnTo>
+                  <a:lnTo>
+                    <a:pt x="3277939" y="632671"/>
+                  </a:lnTo>
+                  <a:lnTo>
+                    <a:pt x="316399" y="632671"/>
+                  </a:lnTo>
+                  <a:lnTo>
+                    <a:pt x="0" y="46540"/>
+                  </a:lnTo>
+                  <a:close/>
+                </a:path>
+              </a:pathLst>
+            </a:custGeom>
+            <a:solidFill>
+              <a:schemeClr val="accent1"/>
+            </a:solidFill>
+            <a:ln>
+              <a:noFill/>
+            </a:ln>
+          </p:spPr>
+          <p:style>
+            <a:lnRef idx="2">
+              <a:schemeClr val="accent1">
+                <a:shade val="50000"/>
+              </a:schemeClr>
+            </a:lnRef>
+            <a:fillRef idx="1">
+              <a:schemeClr val="accent1"/>
+            </a:fillRef>
+            <a:effectRef idx="0">
+              <a:schemeClr val="accent1"/>
+            </a:effectRef>
+            <a:fontRef idx="minor">
+              <a:schemeClr val="lt1"/>
+            </a:fontRef>
+          </p:style>
+          <p:txBody>
+            <a:bodyPr anchor="ctr"/>
+            <a:p>
+              <a:pPr algn="ctr">
+                <a:defRPr/>
+              </a:pPr>
+              <a:endParaRPr lang="ko-KR" altLang="en-US"/>
+            </a:p>
+          </p:txBody>
+        </p:sp>
+        <p:sp>
+          <p:nvSpPr>
+            <p:cNvPr id="34" name="자유형 19"/>
+            <p:cNvSpPr/>
+            <p:nvPr/>
+          </p:nvSpPr>
+          <p:spPr bwMode="auto">
+            <a:xfrm rot="19844698" flipH="1">
+              <a:off x="4972050" y="4074183"/>
+              <a:ext cx="2247900" cy="439737"/>
+            </a:xfrm>
+            <a:custGeom>
+              <a:avLst/>
+              <a:gdLst>
+                <a:gd name="connsiteX0" fmla="*/ 0 w 2961540"/>
+                <a:gd name="connsiteY0" fmla="*/ 0 h 648072"/>
+                <a:gd name="connsiteX1" fmla="*/ 2961540 w 2961540"/>
+                <a:gd name="connsiteY1" fmla="*/ 0 h 648072"/>
+                <a:gd name="connsiteX2" fmla="*/ 2961540 w 2961540"/>
+                <a:gd name="connsiteY2" fmla="*/ 648072 h 648072"/>
+                <a:gd name="connsiteX3" fmla="*/ 0 w 2961540"/>
+                <a:gd name="connsiteY3" fmla="*/ 648072 h 648072"/>
+                <a:gd name="connsiteX4" fmla="*/ 0 w 2961540"/>
+                <a:gd name="connsiteY4" fmla="*/ 0 h 648072"/>
+                <a:gd name="connsiteX0-1" fmla="*/ 0 w 2961540"/>
+                <a:gd name="connsiteY0-2" fmla="*/ 0 h 648072"/>
+                <a:gd name="connsiteX1-3" fmla="*/ 2961540 w 2961540"/>
+                <a:gd name="connsiteY1-4" fmla="*/ 0 h 648072"/>
+                <a:gd name="connsiteX2-5" fmla="*/ 2961540 w 2961540"/>
+                <a:gd name="connsiteY2-6" fmla="*/ 648072 h 648072"/>
+                <a:gd name="connsiteX3-7" fmla="*/ 383001 w 2961540"/>
+                <a:gd name="connsiteY3-8" fmla="*/ 645803 h 648072"/>
+                <a:gd name="connsiteX4-9" fmla="*/ 0 w 2961540"/>
+                <a:gd name="connsiteY4-10" fmla="*/ 0 h 648072"/>
+                <a:gd name="connsiteX0-11" fmla="*/ 0 w 3311251"/>
+                <a:gd name="connsiteY0-12" fmla="*/ 0 h 648698"/>
+                <a:gd name="connsiteX1-13" fmla="*/ 2961540 w 3311251"/>
+                <a:gd name="connsiteY1-14" fmla="*/ 0 h 648698"/>
+                <a:gd name="connsiteX2-15" fmla="*/ 3311251 w 3311251"/>
+                <a:gd name="connsiteY2-16" fmla="*/ 648698 h 648698"/>
+                <a:gd name="connsiteX3-17" fmla="*/ 383001 w 3311251"/>
+                <a:gd name="connsiteY3-18" fmla="*/ 645803 h 648698"/>
+                <a:gd name="connsiteX4-19" fmla="*/ 0 w 3311251"/>
+                <a:gd name="connsiteY4-20" fmla="*/ 0 h 648698"/>
+              </a:gdLst>
+              <a:ahLst/>
+              <a:cxnLst>
+                <a:cxn ang="0">
+                  <a:pos x="connsiteX0-1" y="connsiteY0-2"/>
+                </a:cxn>
+                <a:cxn ang="0">
+                  <a:pos x="connsiteX1-3" y="connsiteY1-4"/>
+                </a:cxn>
+                <a:cxn ang="0">
+                  <a:pos x="connsiteX2-5" y="connsiteY2-6"/>
+                </a:cxn>
+                <a:cxn ang="0">
+                  <a:pos x="connsiteX3-7" y="connsiteY3-8"/>
+                </a:cxn>
+                <a:cxn ang="0">
+                  <a:pos x="connsiteX4-9" y="connsiteY4-10"/>
+                </a:cxn>
+              </a:cxnLst>
+              <a:rect l="l" t="t" r="r" b="b"/>
+              <a:pathLst>
+                <a:path w="3311251" h="648698">
+                  <a:moveTo>
+                    <a:pt x="0" y="0"/>
+                  </a:moveTo>
+                  <a:lnTo>
+                    <a:pt x="2961540" y="0"/>
+                  </a:lnTo>
+                  <a:lnTo>
+                    <a:pt x="3311251" y="648698"/>
+                  </a:lnTo>
+                  <a:lnTo>
+                    <a:pt x="383001" y="645803"/>
+                  </a:lnTo>
+                  <a:lnTo>
+                    <a:pt x="0" y="0"/>
+                  </a:lnTo>
+                  <a:close/>
+                </a:path>
+              </a:pathLst>
+            </a:custGeom>
+            <a:solidFill>
+              <a:schemeClr val="accent1">
+                <a:lumMod val="40000"/>
+                <a:lumOff val="60000"/>
+              </a:schemeClr>
+            </a:solidFill>
+            <a:ln>
+              <a:noFill/>
+            </a:ln>
+          </p:spPr>
+          <p:style>
+            <a:lnRef idx="2">
+              <a:schemeClr val="accent1">
+                <a:shade val="50000"/>
+              </a:schemeClr>
+            </a:lnRef>
+            <a:fillRef idx="1">
+              <a:schemeClr val="accent1"/>
+            </a:fillRef>
+            <a:effectRef idx="0">
+              <a:schemeClr val="accent1"/>
+            </a:effectRef>
+            <a:fontRef idx="minor">
+              <a:schemeClr val="lt1"/>
+            </a:fontRef>
+          </p:style>
+          <p:txBody>
+            <a:bodyPr anchor="ctr"/>
+            <a:p>
+              <a:pPr algn="ctr">
+                <a:defRPr/>
+              </a:pPr>
+              <a:endParaRPr lang="ko-KR" altLang="en-US" dirty="0"/>
+            </a:p>
+          </p:txBody>
+        </p:sp>
+      </p:grpSp>
+      <p:sp>
+        <p:nvSpPr>
+          <p:cNvPr id="35" name="矩形: 圆角 19"/>
+          <p:cNvSpPr/>
+          <p:nvPr/>
+        </p:nvSpPr>
+        <p:spPr>
+          <a:xfrm rot="16200000">
+            <a:off x="5759756" y="4095851"/>
+            <a:ext cx="1208015" cy="107355"/>
+          </a:xfrm>
+          <a:prstGeom prst="roundRect">
+            <a:avLst>
+              <a:gd name="adj" fmla="val 50000"/>
+            </a:avLst>
+          </a:prstGeom>
+          <a:solidFill>
+            <a:schemeClr val="tx1"/>
+          </a:solidFill>
+          <a:ln>
+            <a:noFill/>
+          </a:ln>
+          <a:effectLst>
+            <a:outerShdw blurRad="50800" dist="38100" dir="5400000" algn="t" rotWithShape="0">
+              <a:prstClr val="black">
+                <a:alpha val="40000"/>
+              </a:prstClr>
+            </a:outerShdw>
+          </a:effectLst>
+        </p:spPr>
+        <p:style>
+          <a:lnRef idx="2">
+            <a:schemeClr val="accent1">
+              <a:shade val="50000"/>
+            </a:schemeClr>
+          </a:lnRef>
+          <a:fillRef idx="1">
+            <a:schemeClr val="accent1"/>
+          </a:fillRef>
+          <a:effectRef idx="0">
+            <a:schemeClr val="accent1"/>
+          </a:effectRef>
+          <a:fontRef idx="minor">
+            <a:schemeClr val="lt1"/>
+          </a:fontRef>
+        </p:style>
+        <p:txBody>
+          <a:bodyPr rtlCol="0" anchor="ctr"/>
+          <a:p>
+            <a:pPr algn="ctr"/>
+            <a:endParaRPr lang="zh-CN" altLang="en-US"/>
+          </a:p>
+        </p:txBody>
+      </p:sp>
+      <p:sp>
+        <p:nvSpPr>
+          <p:cNvPr id="9" name="文本框 8"/>
+          <p:cNvSpPr txBox="1"/>
+          <p:nvPr/>
+        </p:nvSpPr>
+        <p:spPr>
+          <a:xfrm>
+            <a:off x="5306695" y="3084830"/>
+            <a:ext cx="921385" cy="2573655"/>
+          </a:xfrm>
+          <a:prstGeom prst="rect">
+            <a:avLst/>
+          </a:prstGeom>
+          <a:noFill/>
+        </p:spPr>
+        <p:txBody>
+          <a:bodyPr vert="eaVert" wrap="square" rtlCol="0">
+            <a:spAutoFit/>
+          </a:bodyPr>
+          <a:p>
+            <a:r>
+              <a:rPr lang="zh-CN" altLang="en-US">
+                <a:sym typeface="+mn-ea"/>
+              </a:rPr>
+              <a:t>交互概览图示例</a:t>
+            </a:r>
+            <a:endParaRPr lang="zh-CN" altLang="en-US"/>
+          </a:p>
+          <a:p>
+            <a:endParaRPr lang="zh-CN" altLang="en-US"/>
+          </a:p>
+        </p:txBody>
+      </p:sp>
+    </p:spTree>
+  </p:cSld>
+  <p:clrMapOvr>
+    <a:masterClrMapping/>
+  </p:clrMapOvr>
+  <p:timing>
+    <p:tnLst>
+      <p:par>
+        <p:cTn id="1" dur="indefinite" restart="never" nodeType="tmRoot"/>
+      </p:par>
+    </p:tnLst>
+  </p:timing>
+</p:sld>
+</file>
+
+<file path=ppt/slides/slide24.xml><?xml version="1.0" encoding="utf-8"?>
+<p:sld xmlns:a="http://schemas.openxmlformats.org/drawingml/2006/main" xmlns:r="http://schemas.openxmlformats.org/officeDocument/2006/relationships" xmlns:p="http://schemas.openxmlformats.org/presentationml/2006/main">
+  <p:cSld>
+    <p:spTree>
+      <p:nvGrpSpPr>
+        <p:cNvPr id="1" name=""/>
+        <p:cNvGrpSpPr/>
+        <p:nvPr/>
+      </p:nvGrpSpPr>
+      <p:grpSpPr>
+        <a:xfrm>
+          <a:off x="0" y="0"/>
+          <a:ext cx="0" cy="0"/>
+          <a:chOff x="0" y="0"/>
+          <a:chExt cx="0" cy="0"/>
+        </a:xfrm>
+      </p:grpSpPr>
+      <p:pic>
+        <p:nvPicPr>
+          <p:cNvPr id="6" name="Picture 5" descr="E:\PRD\logoWhite.png"/>
+          <p:cNvPicPr>
+            <a:picLocks noChangeAspect="1" noChangeArrowheads="1"/>
+          </p:cNvPicPr>
+          <p:nvPr/>
+        </p:nvPicPr>
+        <p:blipFill>
+          <a:blip r:embed="rId1" cstate="print"/>
+          <a:srcRect/>
+          <a:stretch>
+            <a:fillRect/>
+          </a:stretch>
+        </p:blipFill>
+        <p:spPr bwMode="auto">
+          <a:xfrm>
+            <a:off x="11577513" y="6241409"/>
+            <a:ext cx="614487" cy="616591"/>
+          </a:xfrm>
+          <a:prstGeom prst="rect">
+            <a:avLst/>
+          </a:prstGeom>
+          <a:noFill/>
+        </p:spPr>
+      </p:pic>
+      <p:sp>
+        <p:nvSpPr>
+          <p:cNvPr id="2" name="文本框 1"/>
+          <p:cNvSpPr txBox="1"/>
+          <p:nvPr/>
+        </p:nvSpPr>
+        <p:spPr>
+          <a:xfrm>
+            <a:off x="983615" y="342265"/>
+            <a:ext cx="8561070" cy="1198880"/>
+          </a:xfrm>
+          <a:prstGeom prst="rect">
+            <a:avLst/>
+          </a:prstGeom>
+          <a:noFill/>
+        </p:spPr>
+        <p:txBody>
+          <a:bodyPr wrap="square" rtlCol="0" anchor="t">
+            <a:spAutoFit/>
+          </a:bodyPr>
+          <a:p>
+            <a:r>
+              <a:rPr lang="zh-CN" altLang="en-US"/>
+              <a:t> 时间图被用来显示随时间变化，一个或多个元素的值或状态的更改。也显示时控事件之间的交互和管理它们的时间和期限约束</a:t>
+            </a:r>
+            <a:endParaRPr lang="zh-CN" altLang="en-US"/>
+          </a:p>
+        </p:txBody>
+      </p:sp>
+      <p:sp>
+        <p:nvSpPr>
+          <p:cNvPr id="3" name="文本框 2"/>
+          <p:cNvSpPr txBox="1"/>
+          <p:nvPr/>
+        </p:nvSpPr>
+        <p:spPr>
+          <a:xfrm>
+            <a:off x="3101975" y="1618615"/>
+            <a:ext cx="5553075" cy="460375"/>
+          </a:xfrm>
+          <a:prstGeom prst="rect">
+            <a:avLst/>
+          </a:prstGeom>
+          <a:noFill/>
+        </p:spPr>
+        <p:txBody>
+          <a:bodyPr wrap="square" rtlCol="0">
+            <a:spAutoFit/>
+          </a:bodyPr>
+          <a:p>
+            <a:r>
+              <a:rPr lang="zh-CN" altLang="en-US"/>
+              <a:t>时间图由状态生命线和值生命线组成</a:t>
+            </a:r>
+            <a:endParaRPr lang="zh-CN" altLang="en-US"/>
+          </a:p>
+        </p:txBody>
+      </p:sp>
+      <p:sp>
+        <p:nvSpPr>
+          <p:cNvPr id="4" name="文本框 3"/>
+          <p:cNvSpPr txBox="1"/>
+          <p:nvPr/>
+        </p:nvSpPr>
+        <p:spPr>
+          <a:xfrm>
+            <a:off x="386080" y="2165350"/>
+            <a:ext cx="4469765" cy="1938020"/>
+          </a:xfrm>
+          <a:prstGeom prst="rect">
+            <a:avLst/>
+          </a:prstGeom>
+          <a:noFill/>
+        </p:spPr>
+        <p:txBody>
+          <a:bodyPr wrap="square" rtlCol="0" anchor="t">
+            <a:spAutoFit/>
+          </a:bodyPr>
+          <a:p>
+            <a:r>
+              <a:rPr lang="zh-CN" altLang="en-US"/>
+              <a:t>状态生命线显示随时间变化，一个单项状态的改变。不论时间单位如何选择，X轴显示经过的时间，Y轴被标为给出状态的列表。状态生命线如下所示：</a:t>
+            </a:r>
+            <a:endParaRPr lang="zh-CN" altLang="en-US"/>
+          </a:p>
+        </p:txBody>
+      </p:sp>
+      <p:sp>
+        <p:nvSpPr>
+          <p:cNvPr id="5" name="文本框 4"/>
+          <p:cNvSpPr txBox="1"/>
+          <p:nvPr/>
+        </p:nvSpPr>
+        <p:spPr>
+          <a:xfrm>
+            <a:off x="5808980" y="2165350"/>
+            <a:ext cx="5490845" cy="1938020"/>
+          </a:xfrm>
+          <a:prstGeom prst="rect">
+            <a:avLst/>
+          </a:prstGeom>
+          <a:noFill/>
+        </p:spPr>
+        <p:txBody>
+          <a:bodyPr wrap="square" rtlCol="0" anchor="t">
+            <a:spAutoFit/>
+          </a:bodyPr>
+          <a:p>
+            <a:r>
+              <a:rPr lang="zh-CN" altLang="en-US"/>
+              <a:t>值生命线显示随时间变化，一个单项的值的变化。X轴显示经过的时间，时间单位为任意，和状态生命线一样。平行线之间显示值，每次值变化，平行线交叉。如下图所示。</a:t>
+            </a:r>
+            <a:endParaRPr lang="zh-CN" altLang="en-US"/>
+          </a:p>
+        </p:txBody>
+      </p:sp>
+      <p:pic>
+        <p:nvPicPr>
+          <p:cNvPr id="7" name="图片 6"/>
+          <p:cNvPicPr>
+            <a:picLocks noChangeAspect="1"/>
+          </p:cNvPicPr>
+          <p:nvPr/>
+        </p:nvPicPr>
+        <p:blipFill>
+          <a:blip r:embed="rId2"/>
+          <a:stretch>
+            <a:fillRect/>
+          </a:stretch>
+        </p:blipFill>
+        <p:spPr>
+          <a:xfrm>
+            <a:off x="386080" y="4379595"/>
+            <a:ext cx="4772025" cy="1960880"/>
+          </a:xfrm>
+          <a:prstGeom prst="rect">
+            <a:avLst/>
+          </a:prstGeom>
+        </p:spPr>
+      </p:pic>
+      <p:pic>
+        <p:nvPicPr>
+          <p:cNvPr id="8" name="图片 7"/>
+          <p:cNvPicPr>
+            <a:picLocks noChangeAspect="1"/>
+          </p:cNvPicPr>
+          <p:nvPr/>
+        </p:nvPicPr>
+        <p:blipFill>
+          <a:blip r:embed="rId2"/>
+          <a:stretch>
+            <a:fillRect/>
+          </a:stretch>
+        </p:blipFill>
+        <p:spPr>
+          <a:xfrm>
+            <a:off x="6017895" y="4379595"/>
+            <a:ext cx="4959350" cy="1960880"/>
+          </a:xfrm>
+          <a:prstGeom prst="rect">
+            <a:avLst/>
+          </a:prstGeom>
+        </p:spPr>
+      </p:pic>
+    </p:spTree>
+  </p:cSld>
+  <p:clrMapOvr>
+    <a:masterClrMapping/>
+  </p:clrMapOvr>
+  <p:timing>
+    <p:tnLst>
+      <p:par>
+        <p:cTn id="1" dur="indefinite" restart="never" nodeType="tmRoot"/>
+      </p:par>
+    </p:tnLst>
+  </p:timing>
+</p:sld>
+</file>
+
+<file path=ppt/slides/slide25.xml><?xml version="1.0" encoding="utf-8"?>
+<p:sld xmlns:a="http://schemas.openxmlformats.org/drawingml/2006/main" xmlns:r="http://schemas.openxmlformats.org/officeDocument/2006/relationships" xmlns:p="http://schemas.openxmlformats.org/presentationml/2006/main">
+  <p:cSld>
+    <p:spTree>
+      <p:nvGrpSpPr>
+        <p:cNvPr id="1" name=""/>
+        <p:cNvGrpSpPr/>
+        <p:nvPr/>
+      </p:nvGrpSpPr>
+      <p:grpSpPr>
+        <a:xfrm>
+          <a:off x="0" y="0"/>
+          <a:ext cx="0" cy="0"/>
+          <a:chOff x="0" y="0"/>
+          <a:chExt cx="0" cy="0"/>
+        </a:xfrm>
+      </p:grpSpPr>
+      <p:pic>
+        <p:nvPicPr>
+          <p:cNvPr id="6" name="Picture 5" descr="E:\PRD\logoWhite.png"/>
+          <p:cNvPicPr>
+            <a:picLocks noChangeAspect="1" noChangeArrowheads="1"/>
+          </p:cNvPicPr>
+          <p:nvPr/>
+        </p:nvPicPr>
+        <p:blipFill>
+          <a:blip r:embed="rId1" cstate="print"/>
+          <a:srcRect/>
+          <a:stretch>
+            <a:fillRect/>
+          </a:stretch>
+        </p:blipFill>
+        <p:spPr bwMode="auto">
+          <a:xfrm>
+            <a:off x="11577513" y="6241409"/>
+            <a:ext cx="614487" cy="616591"/>
+          </a:xfrm>
+          <a:prstGeom prst="rect">
+            <a:avLst/>
+          </a:prstGeom>
+          <a:noFill/>
+        </p:spPr>
+      </p:pic>
+      <p:sp>
+        <p:nvSpPr>
+          <p:cNvPr id="2" name="文本框 1"/>
+          <p:cNvSpPr txBox="1"/>
+          <p:nvPr/>
+        </p:nvSpPr>
+        <p:spPr>
+          <a:xfrm>
+            <a:off x="478790" y="155575"/>
+            <a:ext cx="6988175" cy="2306955"/>
+          </a:xfrm>
+          <a:prstGeom prst="rect">
+            <a:avLst/>
+          </a:prstGeom>
+          <a:noFill/>
+        </p:spPr>
+        <p:txBody>
+          <a:bodyPr wrap="square" rtlCol="0" anchor="t">
+            <a:spAutoFit/>
+          </a:bodyPr>
+          <a:p>
+            <a:r>
+              <a:rPr lang="zh-CN" altLang="en-US"/>
+              <a:t>状态和值的生命线能叠加组合。它们必须有相同的X轴。 消息可以从一个生命线传递到另一个。每一个状态和值的变换能有一个定义的事件，一个时间限制是指一个事件何时必须发生，和一个期限限制说明状态或值多长时间必须有效。一旦这些已经被应用，其时间图可能显示如下。</a:t>
+            </a:r>
+            <a:endParaRPr lang="zh-CN" altLang="en-US"/>
+          </a:p>
+        </p:txBody>
+      </p:sp>
+      <p:pic>
+        <p:nvPicPr>
+          <p:cNvPr id="4" name="图片 3"/>
+          <p:cNvPicPr>
+            <a:picLocks noChangeAspect="1"/>
+          </p:cNvPicPr>
+          <p:nvPr/>
+        </p:nvPicPr>
+        <p:blipFill>
+          <a:blip r:embed="rId2"/>
+          <a:stretch>
+            <a:fillRect/>
+          </a:stretch>
+        </p:blipFill>
+        <p:spPr>
+          <a:xfrm>
+            <a:off x="478790" y="2462530"/>
+            <a:ext cx="8012430" cy="3921125"/>
+          </a:xfrm>
+          <a:prstGeom prst="rect">
+            <a:avLst/>
+          </a:prstGeom>
+        </p:spPr>
+      </p:pic>
+    </p:spTree>
+  </p:cSld>
+  <p:clrMapOvr>
+    <a:masterClrMapping/>
+  </p:clrMapOvr>
+  <p:timing>
+    <p:tnLst>
+      <p:par>
+        <p:cTn id="1" dur="indefinite" restart="never" nodeType="tmRoot"/>
+      </p:par>
+    </p:tnLst>
+  </p:timing>
+</p:sld>
+</file>
+
+<file path=ppt/slides/slide26.xml><?xml version="1.0" encoding="utf-8"?>
+<p:sld xmlns:a="http://schemas.openxmlformats.org/drawingml/2006/main" xmlns:r="http://schemas.openxmlformats.org/officeDocument/2006/relationships" xmlns:p="http://schemas.openxmlformats.org/presentationml/2006/main">
+  <p:cSld>
+    <p:spTree>
+      <p:nvGrpSpPr>
+        <p:cNvPr id="1" name=""/>
+        <p:cNvGrpSpPr/>
+        <p:nvPr/>
+      </p:nvGrpSpPr>
+      <p:grpSpPr>
+        <a:xfrm>
+          <a:off x="0" y="0"/>
+          <a:ext cx="0" cy="0"/>
+          <a:chOff x="0" y="0"/>
+          <a:chExt cx="0" cy="0"/>
+        </a:xfrm>
+      </p:grpSpPr>
+      <p:sp>
+        <p:nvSpPr>
+          <p:cNvPr id="3" name="文本框 2"/>
+          <p:cNvSpPr txBox="1"/>
+          <p:nvPr/>
+        </p:nvSpPr>
+        <p:spPr>
+          <a:xfrm>
+            <a:off x="5162833" y="3668398"/>
+            <a:ext cx="1816100" cy="583565"/>
+          </a:xfrm>
+          <a:prstGeom prst="rect">
+            <a:avLst/>
+          </a:prstGeom>
+          <a:noFill/>
+        </p:spPr>
+        <p:txBody>
+          <a:bodyPr wrap="none" rtlCol="0">
+            <a:spAutoFit/>
+          </a:bodyPr>
+          <a:lstStyle/>
+          <a:p>
+            <a:pPr algn="ctr"/>
+            <a:r>
+              <a:rPr lang="zh-CN" altLang="en-US" sz="3200" b="1" dirty="0" smtClean="0">
+                <a:solidFill>
+                  <a:schemeClr val="accent1"/>
+                </a:solidFill>
+                <a:latin typeface="+mn-ea"/>
+              </a:rPr>
+              <a:t>三个问题</a:t>
+            </a:r>
+            <a:endParaRPr lang="zh-CN" altLang="en-US" sz="3200" b="1" dirty="0" smtClean="0">
+              <a:solidFill>
+                <a:schemeClr val="accent1"/>
+              </a:solidFill>
+              <a:latin typeface="+mn-ea"/>
+            </a:endParaRPr>
+          </a:p>
+        </p:txBody>
+      </p:sp>
+      <p:sp>
+        <p:nvSpPr>
+          <p:cNvPr id="7" name="椭圆 6"/>
+          <p:cNvSpPr/>
+          <p:nvPr/>
+        </p:nvSpPr>
+        <p:spPr>
+          <a:xfrm>
+            <a:off x="5243014" y="1763974"/>
+            <a:ext cx="1705972" cy="1705970"/>
+          </a:xfrm>
+          <a:prstGeom prst="ellipse">
+            <a:avLst/>
+          </a:prstGeom>
+          <a:solidFill>
+            <a:srgbClr val="7DA5C8"/>
+          </a:solidFill>
+          <a:ln>
+            <a:noFill/>
+          </a:ln>
+        </p:spPr>
+        <p:style>
+          <a:lnRef idx="2">
+            <a:schemeClr val="accent1">
+              <a:shade val="50000"/>
+            </a:schemeClr>
+          </a:lnRef>
+          <a:fillRef idx="1">
+            <a:schemeClr val="accent1"/>
+          </a:fillRef>
+          <a:effectRef idx="0">
+            <a:schemeClr val="accent1"/>
+          </a:effectRef>
+          <a:fontRef idx="minor">
+            <a:schemeClr val="lt1"/>
+          </a:fontRef>
+        </p:style>
+        <p:txBody>
+          <a:bodyPr rtlCol="0" anchor="ctr"/>
+          <a:lstStyle/>
+          <a:p>
+            <a:pPr algn="ctr"/>
+            <a:r>
+              <a:rPr lang="en-US" altLang="zh-CN" sz="6000" dirty="0">
+                <a:solidFill>
+                  <a:schemeClr val="tx1"/>
+                </a:solidFill>
+              </a:rPr>
+              <a:t>8</a:t>
+            </a:r>
+            <a:endParaRPr lang="en-US" altLang="zh-CN" sz="6000" dirty="0">
+              <a:solidFill>
+                <a:schemeClr val="tx1"/>
+              </a:solidFill>
+            </a:endParaRPr>
+          </a:p>
+        </p:txBody>
+      </p:sp>
+      <p:pic>
+        <p:nvPicPr>
+          <p:cNvPr id="6" name="Picture 5" descr="E:\PRD\logoWhite.png"/>
+          <p:cNvPicPr>
+            <a:picLocks noChangeAspect="1" noChangeArrowheads="1"/>
+          </p:cNvPicPr>
+          <p:nvPr/>
+        </p:nvPicPr>
+        <p:blipFill>
+          <a:blip r:embed="rId1" cstate="print"/>
+          <a:srcRect/>
+          <a:stretch>
+            <a:fillRect/>
+          </a:stretch>
+        </p:blipFill>
+        <p:spPr bwMode="auto">
+          <a:xfrm>
+            <a:off x="11577513" y="6241409"/>
+            <a:ext cx="614487" cy="616591"/>
+          </a:xfrm>
+          <a:prstGeom prst="rect">
+            <a:avLst/>
+          </a:prstGeom>
+          <a:noFill/>
+        </p:spPr>
+      </p:pic>
+    </p:spTree>
+  </p:cSld>
+  <p:clrMapOvr>
+    <a:masterClrMapping/>
+  </p:clrMapOvr>
+  <p:timing>
+    <p:tnLst>
+      <p:par>
+        <p:cTn id="1" dur="indefinite" restart="never" nodeType="tmRoot"/>
+      </p:par>
+    </p:tnLst>
+  </p:timing>
+</p:sld>
+</file>
+
+<file path=ppt/slides/slide27.xml><?xml version="1.0" encoding="utf-8"?>
 <p:sld xmlns:a="http://schemas.openxmlformats.org/drawingml/2006/main" xmlns:r="http://schemas.openxmlformats.org/officeDocument/2006/relationships" xmlns:p="http://schemas.openxmlformats.org/presentationml/2006/main">
   <p:cSld>
     <p:spTree>
@@ -16646,7 +20674,29 @@
                 <a:cs typeface="Tahoma" panose="020B0604030504040204" pitchFamily="34" charset="0"/>
                 <a:sym typeface="+mn-ea"/>
               </a:rPr>
-              <a:t>4+1view分别有哪些</a:t>
+              <a:t>4+1</a:t>
+            </a:r>
+            <a:r>
+              <a:rPr lang="en-US" sz="2000" dirty="0" smtClean="0">
+                <a:solidFill>
+                  <a:schemeClr val="tx1"/>
+                </a:solidFill>
+                <a:latin typeface="幼圆" panose="02010509060101010101" pitchFamily="49" charset="-122"/>
+                <a:ea typeface="幼圆" panose="02010509060101010101" pitchFamily="49" charset="-122"/>
+                <a:sym typeface="+mn-ea"/>
+              </a:rPr>
+              <a:t>View</a:t>
+            </a:r>
+            <a:r>
+              <a:rPr lang="en-US" altLang="zh-CN" sz="2000" b="1" smtClean="0">
+                <a:solidFill>
+                  <a:schemeClr val="tx1"/>
+                </a:solidFill>
+                <a:ea typeface="Tahoma" panose="020B0604030504040204" pitchFamily="34" charset="0"/>
+                <a:cs typeface="Tahoma" panose="020B0604030504040204" pitchFamily="34" charset="0"/>
+                <a:sym typeface="+mn-ea"/>
+              </a:rPr>
+              <a:t>分别有哪些</a:t>
             </a:r>
             <a:endParaRPr lang="en-US" altLang="zh-CN" sz="2000" b="1" dirty="0" smtClean="0">
               <a:solidFill>
@@ -17845,613 +21895,7 @@
 </p:sld>
 </file>
 
-<file path=ppt/slides/slide2.xml><?xml version="1.0" encoding="utf-8"?>
-<p:sld xmlns:a="http://schemas.openxmlformats.org/drawingml/2006/main" xmlns:r="http://schemas.openxmlformats.org/officeDocument/2006/relationships" xmlns:p="http://schemas.openxmlformats.org/presentationml/2006/main">
-  <p:cSld>
-    <p:spTree>
-      <p:nvGrpSpPr>
-        <p:cNvPr id="1" name=""/>
-        <p:cNvGrpSpPr/>
-        <p:nvPr/>
-      </p:nvGrpSpPr>
-      <p:grpSpPr>
-        <a:xfrm>
-          <a:off x="0" y="0"/>
-          <a:ext cx="0" cy="0"/>
-          <a:chOff x="0" y="0"/>
-          <a:chExt cx="0" cy="0"/>
-        </a:xfrm>
-      </p:grpSpPr>
-      <p:sp>
-        <p:nvSpPr>
-          <p:cNvPr id="4" name="椭圆 3"/>
-          <p:cNvSpPr/>
-          <p:nvPr/>
-        </p:nvSpPr>
-        <p:spPr>
-          <a:xfrm>
-            <a:off x="1442905" y="1935940"/>
-            <a:ext cx="3029998" cy="3029998"/>
-          </a:xfrm>
-          <a:prstGeom prst="ellipse">
-            <a:avLst/>
-          </a:prstGeom>
-          <a:ln>
-            <a:noFill/>
-          </a:ln>
-        </p:spPr>
-        <p:style>
-          <a:lnRef idx="2">
-            <a:schemeClr val="accent1">
-              <a:shade val="50000"/>
-            </a:schemeClr>
-          </a:lnRef>
-          <a:fillRef idx="1">
-            <a:schemeClr val="accent1"/>
-          </a:fillRef>
-          <a:effectRef idx="0">
-            <a:schemeClr val="accent1"/>
-          </a:effectRef>
-          <a:fontRef idx="minor">
-            <a:schemeClr val="lt1"/>
-          </a:fontRef>
-        </p:style>
-        <p:txBody>
-          <a:bodyPr rtlCol="0" anchor="ctr"/>
-          <a:lstStyle/>
-          <a:p>
-            <a:pPr algn="ctr"/>
-            <a:r>
-              <a:rPr lang="zh-CN" altLang="en-US" sz="3200" b="1" dirty="0" smtClean="0">
-                <a:solidFill>
-                  <a:schemeClr val="tx1"/>
-                </a:solidFill>
-              </a:rPr>
-              <a:t>目录</a:t>
-            </a:r>
-            <a:endParaRPr lang="zh-CN" altLang="en-US" sz="3200" b="1" dirty="0">
-              <a:solidFill>
-                <a:schemeClr val="tx1"/>
-              </a:solidFill>
-            </a:endParaRPr>
-          </a:p>
-        </p:txBody>
-      </p:sp>
-      <p:sp>
-        <p:nvSpPr>
-          <p:cNvPr id="5" name="文本框 4"/>
-          <p:cNvSpPr txBox="1"/>
-          <p:nvPr/>
-        </p:nvSpPr>
-        <p:spPr>
-          <a:xfrm>
-            <a:off x="6621753" y="619099"/>
-            <a:ext cx="1889760" cy="460375"/>
-          </a:xfrm>
-          <a:prstGeom prst="rect">
-            <a:avLst/>
-          </a:prstGeom>
-          <a:noFill/>
-        </p:spPr>
-        <p:txBody>
-          <a:bodyPr wrap="none" rtlCol="0">
-            <a:spAutoFit/>
-          </a:bodyPr>
-          <a:lstStyle/>
-          <a:p>
-            <a:r>
-              <a:rPr lang="en-US" altLang="zh-CN" b="1" dirty="0" smtClean="0"/>
-              <a:t>4+1View</a:t>
-            </a:r>
-            <a:r>
-              <a:rPr lang="zh-CN" altLang="en-US" b="1" dirty="0" smtClean="0"/>
-              <a:t>介绍</a:t>
-            </a:r>
-            <a:endParaRPr lang="zh-CN" altLang="en-US" b="1" dirty="0" smtClean="0"/>
-          </a:p>
-        </p:txBody>
-      </p:sp>
-      <p:sp>
-        <p:nvSpPr>
-          <p:cNvPr id="7" name="文本框 6"/>
-          <p:cNvSpPr txBox="1"/>
-          <p:nvPr/>
-        </p:nvSpPr>
-        <p:spPr>
-          <a:xfrm>
-            <a:off x="6621753" y="1645617"/>
-            <a:ext cx="1407160" cy="460375"/>
-          </a:xfrm>
-          <a:prstGeom prst="rect">
-            <a:avLst/>
-          </a:prstGeom>
-          <a:noFill/>
-        </p:spPr>
-        <p:txBody>
-          <a:bodyPr wrap="none" rtlCol="0">
-            <a:spAutoFit/>
-          </a:bodyPr>
-          <a:lstStyle/>
-          <a:p>
-            <a:r>
-              <a:rPr lang="zh-CN" altLang="en-US" b="1" dirty="0" smtClean="0"/>
-              <a:t>逻辑视图</a:t>
-            </a:r>
-            <a:endParaRPr lang="zh-CN" altLang="en-US" b="1" dirty="0"/>
-          </a:p>
-        </p:txBody>
-      </p:sp>
-      <p:sp>
-        <p:nvSpPr>
-          <p:cNvPr id="9" name="文本框 8"/>
-          <p:cNvSpPr txBox="1"/>
-          <p:nvPr/>
-        </p:nvSpPr>
-        <p:spPr>
-          <a:xfrm>
-            <a:off x="6621753" y="2666553"/>
-            <a:ext cx="1407160" cy="460375"/>
-          </a:xfrm>
-          <a:prstGeom prst="rect">
-            <a:avLst/>
-          </a:prstGeom>
-          <a:noFill/>
-        </p:spPr>
-        <p:txBody>
-          <a:bodyPr wrap="none" rtlCol="0">
-            <a:spAutoFit/>
-          </a:bodyPr>
-          <a:lstStyle/>
-          <a:p>
-            <a:r>
-              <a:rPr lang="zh-CN" b="1" dirty="0" smtClean="0"/>
-              <a:t>开发视图</a:t>
-            </a:r>
-            <a:endParaRPr lang="zh-CN" b="1" dirty="0" smtClean="0"/>
-          </a:p>
-        </p:txBody>
-      </p:sp>
-      <p:sp>
-        <p:nvSpPr>
-          <p:cNvPr id="11" name="文本框 10"/>
-          <p:cNvSpPr txBox="1"/>
-          <p:nvPr/>
-        </p:nvSpPr>
-        <p:spPr>
-          <a:xfrm>
-            <a:off x="6621753" y="3682379"/>
-            <a:ext cx="1407160" cy="460375"/>
-          </a:xfrm>
-          <a:prstGeom prst="rect">
-            <a:avLst/>
-          </a:prstGeom>
-          <a:noFill/>
-        </p:spPr>
-        <p:txBody>
-          <a:bodyPr wrap="none" rtlCol="0">
-            <a:spAutoFit/>
-          </a:bodyPr>
-          <a:lstStyle/>
-          <a:p>
-            <a:r>
-              <a:rPr lang="zh-CN" altLang="en-US" b="1" dirty="0" smtClean="0"/>
-              <a:t>进程视图</a:t>
-            </a:r>
-            <a:endParaRPr lang="zh-CN" altLang="en-US" b="1" dirty="0"/>
-          </a:p>
-        </p:txBody>
-      </p:sp>
-      <p:cxnSp>
-        <p:nvCxnSpPr>
-          <p:cNvPr id="13" name="直接连接符 12"/>
-          <p:cNvCxnSpPr/>
-          <p:nvPr/>
-        </p:nvCxnSpPr>
-        <p:spPr>
-          <a:xfrm>
-            <a:off x="6348793" y="619099"/>
-            <a:ext cx="0" cy="593334"/>
-          </a:xfrm>
-          <a:prstGeom prst="line">
-            <a:avLst/>
-          </a:prstGeom>
-          <a:ln w="38100"/>
-        </p:spPr>
-        <p:style>
-          <a:lnRef idx="1">
-            <a:schemeClr val="accent1"/>
-          </a:lnRef>
-          <a:fillRef idx="0">
-            <a:schemeClr val="accent1"/>
-          </a:fillRef>
-          <a:effectRef idx="0">
-            <a:schemeClr val="accent1"/>
-          </a:effectRef>
-          <a:fontRef idx="minor">
-            <a:schemeClr val="tx1"/>
-          </a:fontRef>
-        </p:style>
-      </p:cxnSp>
-      <p:cxnSp>
-        <p:nvCxnSpPr>
-          <p:cNvPr id="14" name="直接连接符 13"/>
-          <p:cNvCxnSpPr/>
-          <p:nvPr/>
-        </p:nvCxnSpPr>
-        <p:spPr>
-          <a:xfrm>
-            <a:off x="6348793" y="1645617"/>
-            <a:ext cx="0" cy="593334"/>
-          </a:xfrm>
-          <a:prstGeom prst="line">
-            <a:avLst/>
-          </a:prstGeom>
-          <a:ln w="38100"/>
-        </p:spPr>
-        <p:style>
-          <a:lnRef idx="1">
-            <a:schemeClr val="accent1"/>
-          </a:lnRef>
-          <a:fillRef idx="0">
-            <a:schemeClr val="accent1"/>
-          </a:fillRef>
-          <a:effectRef idx="0">
-            <a:schemeClr val="accent1"/>
-          </a:effectRef>
-          <a:fontRef idx="minor">
-            <a:schemeClr val="tx1"/>
-          </a:fontRef>
-        </p:style>
-      </p:cxnSp>
-      <p:cxnSp>
-        <p:nvCxnSpPr>
-          <p:cNvPr id="15" name="直接连接符 14"/>
-          <p:cNvCxnSpPr/>
-          <p:nvPr/>
-        </p:nvCxnSpPr>
-        <p:spPr>
-          <a:xfrm>
-            <a:off x="6348793" y="2631363"/>
-            <a:ext cx="0" cy="593334"/>
-          </a:xfrm>
-          <a:prstGeom prst="line">
-            <a:avLst/>
-          </a:prstGeom>
-          <a:ln w="38100"/>
-        </p:spPr>
-        <p:style>
-          <a:lnRef idx="1">
-            <a:schemeClr val="accent1"/>
-          </a:lnRef>
-          <a:fillRef idx="0">
-            <a:schemeClr val="accent1"/>
-          </a:fillRef>
-          <a:effectRef idx="0">
-            <a:schemeClr val="accent1"/>
-          </a:effectRef>
-          <a:fontRef idx="minor">
-            <a:schemeClr val="tx1"/>
-          </a:fontRef>
-        </p:style>
-      </p:cxnSp>
-      <p:cxnSp>
-        <p:nvCxnSpPr>
-          <p:cNvPr id="16" name="直接连接符 15"/>
-          <p:cNvCxnSpPr/>
-          <p:nvPr/>
-        </p:nvCxnSpPr>
-        <p:spPr>
-          <a:xfrm>
-            <a:off x="6348793" y="3682379"/>
-            <a:ext cx="0" cy="593334"/>
-          </a:xfrm>
-          <a:prstGeom prst="line">
-            <a:avLst/>
-          </a:prstGeom>
-          <a:ln w="38100"/>
-        </p:spPr>
-        <p:style>
-          <a:lnRef idx="1">
-            <a:schemeClr val="accent1"/>
-          </a:lnRef>
-          <a:fillRef idx="0">
-            <a:schemeClr val="accent1"/>
-          </a:fillRef>
-          <a:effectRef idx="0">
-            <a:schemeClr val="accent1"/>
-          </a:effectRef>
-          <a:fontRef idx="minor">
-            <a:schemeClr val="tx1"/>
-          </a:fontRef>
-        </p:style>
-      </p:cxnSp>
-      <p:pic>
-        <p:nvPicPr>
-          <p:cNvPr id="17" name="Picture 5" descr="E:\PRD\logoWhite.png"/>
-          <p:cNvPicPr>
-            <a:picLocks noChangeAspect="1" noChangeArrowheads="1"/>
-          </p:cNvPicPr>
-          <p:nvPr/>
-        </p:nvPicPr>
-        <p:blipFill>
-          <a:blip r:embed="rId1" cstate="print"/>
-          <a:srcRect/>
-          <a:stretch>
-            <a:fillRect/>
-          </a:stretch>
-        </p:blipFill>
-        <p:spPr bwMode="auto">
-          <a:xfrm>
-            <a:off x="11577513" y="6241409"/>
-            <a:ext cx="614487" cy="616591"/>
-          </a:xfrm>
-          <a:prstGeom prst="rect">
-            <a:avLst/>
-          </a:prstGeom>
-          <a:noFill/>
-        </p:spPr>
-      </p:pic>
-      <p:sp>
-        <p:nvSpPr>
-          <p:cNvPr id="18" name="文本框 10"/>
-          <p:cNvSpPr txBox="1"/>
-          <p:nvPr/>
-        </p:nvSpPr>
-        <p:spPr>
-          <a:xfrm>
-            <a:off x="6631540" y="4698845"/>
-            <a:ext cx="1407160" cy="460375"/>
-          </a:xfrm>
-          <a:prstGeom prst="rect">
-            <a:avLst/>
-          </a:prstGeom>
-          <a:noFill/>
-        </p:spPr>
-        <p:txBody>
-          <a:bodyPr wrap="none" rtlCol="0">
-            <a:spAutoFit/>
-          </a:bodyPr>
-          <a:lstStyle/>
-          <a:p>
-            <a:r>
-              <a:rPr lang="zh-CN" altLang="en-US" b="1" dirty="0" smtClean="0"/>
-              <a:t>物理视图</a:t>
-            </a:r>
-            <a:endParaRPr lang="zh-CN" altLang="en-US" b="1" dirty="0"/>
-          </a:p>
-        </p:txBody>
-      </p:sp>
-      <p:cxnSp>
-        <p:nvCxnSpPr>
-          <p:cNvPr id="19" name="直接连接符 18"/>
-          <p:cNvCxnSpPr/>
-          <p:nvPr/>
-        </p:nvCxnSpPr>
-        <p:spPr>
-          <a:xfrm>
-            <a:off x="6358580" y="4698845"/>
-            <a:ext cx="0" cy="593334"/>
-          </a:xfrm>
-          <a:prstGeom prst="line">
-            <a:avLst/>
-          </a:prstGeom>
-          <a:ln w="38100"/>
-        </p:spPr>
-        <p:style>
-          <a:lnRef idx="1">
-            <a:schemeClr val="accent1"/>
-          </a:lnRef>
-          <a:fillRef idx="0">
-            <a:schemeClr val="accent1"/>
-          </a:fillRef>
-          <a:effectRef idx="0">
-            <a:schemeClr val="accent1"/>
-          </a:effectRef>
-          <a:fontRef idx="minor">
-            <a:schemeClr val="tx1"/>
-          </a:fontRef>
-        </p:style>
-      </p:cxnSp>
-      <p:sp>
-        <p:nvSpPr>
-          <p:cNvPr id="2" name="文本框 10"/>
-          <p:cNvSpPr txBox="1"/>
-          <p:nvPr/>
-        </p:nvSpPr>
-        <p:spPr>
-          <a:xfrm>
-            <a:off x="9821780" y="618970"/>
-            <a:ext cx="1255395" cy="460375"/>
-          </a:xfrm>
-          <a:prstGeom prst="rect">
-            <a:avLst/>
-          </a:prstGeom>
-          <a:noFill/>
-        </p:spPr>
-        <p:txBody>
-          <a:bodyPr wrap="none" rtlCol="0">
-            <a:spAutoFit/>
-          </a:bodyPr>
-          <a:p>
-            <a:r>
-              <a:rPr lang="en-US" altLang="zh-CN" b="1" dirty="0" smtClean="0"/>
-              <a:t>3</a:t>
-            </a:r>
-            <a:r>
-              <a:rPr lang="zh-CN" altLang="en-US" b="1" dirty="0" smtClean="0"/>
-              <a:t>个问题</a:t>
-            </a:r>
-            <a:endParaRPr lang="zh-CN" altLang="en-US" b="1" dirty="0" smtClean="0"/>
-          </a:p>
-        </p:txBody>
-      </p:sp>
-      <p:cxnSp>
-        <p:nvCxnSpPr>
-          <p:cNvPr id="3" name="直接连接符 2"/>
-          <p:cNvCxnSpPr/>
-          <p:nvPr/>
-        </p:nvCxnSpPr>
-        <p:spPr>
-          <a:xfrm>
-            <a:off x="6358580" y="5618325"/>
-            <a:ext cx="0" cy="593334"/>
-          </a:xfrm>
-          <a:prstGeom prst="line">
-            <a:avLst/>
-          </a:prstGeom>
-          <a:ln w="38100"/>
-        </p:spPr>
-        <p:style>
-          <a:lnRef idx="1">
-            <a:schemeClr val="accent1"/>
-          </a:lnRef>
-          <a:fillRef idx="0">
-            <a:schemeClr val="accent1"/>
-          </a:fillRef>
-          <a:effectRef idx="0">
-            <a:schemeClr val="accent1"/>
-          </a:effectRef>
-          <a:fontRef idx="minor">
-            <a:schemeClr val="tx1"/>
-          </a:fontRef>
-        </p:style>
-      </p:cxnSp>
-      <p:sp>
-        <p:nvSpPr>
-          <p:cNvPr id="6" name="文本框 10"/>
-          <p:cNvSpPr txBox="1"/>
-          <p:nvPr/>
-        </p:nvSpPr>
-        <p:spPr>
-          <a:xfrm>
-            <a:off x="6631540" y="5685000"/>
-            <a:ext cx="1407160" cy="460375"/>
-          </a:xfrm>
-          <a:prstGeom prst="rect">
-            <a:avLst/>
-          </a:prstGeom>
-          <a:noFill/>
-        </p:spPr>
-        <p:txBody>
-          <a:bodyPr wrap="none" rtlCol="0">
-            <a:spAutoFit/>
-          </a:bodyPr>
-          <a:p>
-            <a:r>
-              <a:rPr lang="zh-CN" altLang="en-US" b="1" dirty="0" smtClean="0"/>
-              <a:t>场景视图</a:t>
-            </a:r>
-            <a:endParaRPr lang="zh-CN" altLang="en-US" b="1" dirty="0"/>
-          </a:p>
-        </p:txBody>
-      </p:sp>
-      <p:cxnSp>
-        <p:nvCxnSpPr>
-          <p:cNvPr id="8" name="直接连接符 7"/>
-          <p:cNvCxnSpPr/>
-          <p:nvPr/>
-        </p:nvCxnSpPr>
-        <p:spPr>
-          <a:xfrm>
-            <a:off x="9714555" y="552930"/>
-            <a:ext cx="0" cy="593334"/>
-          </a:xfrm>
-          <a:prstGeom prst="line">
-            <a:avLst/>
-          </a:prstGeom>
-          <a:ln w="38100"/>
-        </p:spPr>
-        <p:style>
-          <a:lnRef idx="1">
-            <a:schemeClr val="accent1"/>
-          </a:lnRef>
-          <a:fillRef idx="0">
-            <a:schemeClr val="accent1"/>
-          </a:fillRef>
-          <a:effectRef idx="0">
-            <a:schemeClr val="accent1"/>
-          </a:effectRef>
-          <a:fontRef idx="minor">
-            <a:schemeClr val="tx1"/>
-          </a:fontRef>
-        </p:style>
-      </p:cxnSp>
-      <p:sp>
-        <p:nvSpPr>
-          <p:cNvPr id="10" name="文本框 10"/>
-          <p:cNvSpPr txBox="1"/>
-          <p:nvPr/>
-        </p:nvSpPr>
-        <p:spPr>
-          <a:xfrm>
-            <a:off x="9821780" y="1645765"/>
-            <a:ext cx="1407160" cy="460375"/>
-          </a:xfrm>
-          <a:prstGeom prst="rect">
-            <a:avLst/>
-          </a:prstGeom>
-          <a:noFill/>
-        </p:spPr>
-        <p:txBody>
-          <a:bodyPr wrap="none" rtlCol="0">
-            <a:spAutoFit/>
-          </a:bodyPr>
-          <a:p>
-            <a:r>
-              <a:rPr lang="zh-CN" b="1" dirty="0" smtClean="0"/>
-              <a:t>绩效评价</a:t>
-            </a:r>
-            <a:endParaRPr lang="zh-CN" b="1" dirty="0" smtClean="0"/>
-          </a:p>
-        </p:txBody>
-      </p:sp>
-      <p:cxnSp>
-        <p:nvCxnSpPr>
-          <p:cNvPr id="12" name="直接连接符 11"/>
-          <p:cNvCxnSpPr/>
-          <p:nvPr/>
-        </p:nvCxnSpPr>
-        <p:spPr>
-          <a:xfrm>
-            <a:off x="9714555" y="1579725"/>
-            <a:ext cx="0" cy="593334"/>
-          </a:xfrm>
-          <a:prstGeom prst="line">
-            <a:avLst/>
-          </a:prstGeom>
-          <a:ln w="38100"/>
-        </p:spPr>
-        <p:style>
-          <a:lnRef idx="1">
-            <a:schemeClr val="accent1"/>
-          </a:lnRef>
-          <a:fillRef idx="0">
-            <a:schemeClr val="accent1"/>
-          </a:fillRef>
-          <a:effectRef idx="0">
-            <a:schemeClr val="accent1"/>
-          </a:effectRef>
-          <a:fontRef idx="minor">
-            <a:schemeClr val="tx1"/>
-          </a:fontRef>
-        </p:style>
-      </p:cxnSp>
-    </p:spTree>
-  </p:cSld>
-  <p:clrMapOvr>
-    <a:masterClrMapping/>
-  </p:clrMapOvr>
-  <p:timing>
-    <p:tnLst>
-      <p:par>
-        <p:cTn id="1" dur="indefinite" restart="never" nodeType="tmRoot"/>
-      </p:par>
-    </p:tnLst>
-  </p:timing>
-</p:sld>
-</file>
-
-<file path=ppt/slides/slide20.xml><?xml version="1.0" encoding="utf-8"?>
+<file path=ppt/slides/slide28.xml><?xml version="1.0" encoding="utf-8"?>
 <p:sld xmlns:a="http://schemas.openxmlformats.org/drawingml/2006/main" xmlns:r="http://schemas.openxmlformats.org/officeDocument/2006/relationships" xmlns:p="http://schemas.openxmlformats.org/presentationml/2006/main">
   <p:cSld>
     <p:spTree>
@@ -18626,7 +22070,7 @@
 </p:sld>
 </file>
 
-<file path=ppt/slides/slide21.xml><?xml version="1.0" encoding="utf-8"?>
+<file path=ppt/slides/slide29.xml><?xml version="1.0" encoding="utf-8"?>
 <p:sld xmlns:a="http://schemas.openxmlformats.org/drawingml/2006/main" xmlns:r="http://schemas.openxmlformats.org/officeDocument/2006/relationships" xmlns:p="http://schemas.openxmlformats.org/presentationml/2006/main">
   <p:cSld>
     <p:spTree>
@@ -19022,7 +22466,173 @@
 </p:sld>
 </file>
 
-<file path=ppt/slides/slide22.xml><?xml version="1.0" encoding="utf-8"?>
+<file path=ppt/slides/slide3.xml><?xml version="1.0" encoding="utf-8"?>
+<p:sld xmlns:a="http://schemas.openxmlformats.org/drawingml/2006/main" xmlns:r="http://schemas.openxmlformats.org/officeDocument/2006/relationships" xmlns:p="http://schemas.openxmlformats.org/presentationml/2006/main">
+  <p:cSld>
+    <p:spTree>
+      <p:nvGrpSpPr>
+        <p:cNvPr id="1" name=""/>
+        <p:cNvGrpSpPr/>
+        <p:nvPr/>
+      </p:nvGrpSpPr>
+      <p:grpSpPr>
+        <a:xfrm>
+          <a:off x="0" y="0"/>
+          <a:ext cx="0" cy="0"/>
+          <a:chOff x="0" y="0"/>
+          <a:chExt cx="0" cy="0"/>
+        </a:xfrm>
+      </p:grpSpPr>
+      <p:sp>
+        <p:nvSpPr>
+          <p:cNvPr id="3" name="文本框 2"/>
+          <p:cNvSpPr txBox="1"/>
+          <p:nvPr/>
+        </p:nvSpPr>
+        <p:spPr>
+          <a:xfrm>
+            <a:off x="4853270" y="3668398"/>
+            <a:ext cx="2435225" cy="583565"/>
+          </a:xfrm>
+          <a:prstGeom prst="rect">
+            <a:avLst/>
+          </a:prstGeom>
+          <a:noFill/>
+        </p:spPr>
+        <p:txBody>
+          <a:bodyPr wrap="none" rtlCol="0">
+            <a:spAutoFit/>
+          </a:bodyPr>
+          <a:lstStyle/>
+          <a:p>
+            <a:pPr algn="ctr"/>
+            <a:r>
+              <a:rPr lang="en-US" altLang="zh-CN" sz="3200" b="1" dirty="0" smtClean="0">
+                <a:solidFill>
+                  <a:schemeClr val="accent1"/>
+                </a:solidFill>
+                <a:latin typeface="+mn-ea"/>
+              </a:rPr>
+              <a:t>4+1View</a:t>
+            </a:r>
+            <a:r>
+              <a:rPr lang="zh-CN" altLang="en-US" sz="3200" b="1" dirty="0" smtClean="0">
+                <a:solidFill>
+                  <a:schemeClr val="accent1"/>
+                </a:solidFill>
+                <a:latin typeface="+mn-ea"/>
+              </a:rPr>
+              <a:t>介绍</a:t>
+            </a:r>
+            <a:endParaRPr lang="zh-CN" altLang="en-US" sz="3200" b="1" dirty="0" smtClean="0">
+              <a:solidFill>
+                <a:schemeClr val="accent1"/>
+              </a:solidFill>
+              <a:latin typeface="+mn-ea"/>
+            </a:endParaRPr>
+          </a:p>
+        </p:txBody>
+      </p:sp>
+      <p:sp>
+        <p:nvSpPr>
+          <p:cNvPr id="7" name="椭圆 6"/>
+          <p:cNvSpPr/>
+          <p:nvPr/>
+        </p:nvSpPr>
+        <p:spPr>
+          <a:xfrm>
+            <a:off x="5243014" y="1763974"/>
+            <a:ext cx="1705972" cy="1705970"/>
+          </a:xfrm>
+          <a:prstGeom prst="ellipse">
+            <a:avLst/>
+          </a:prstGeom>
+          <a:solidFill>
+            <a:srgbClr val="7DA5C8"/>
+          </a:solidFill>
+          <a:ln>
+            <a:noFill/>
+          </a:ln>
+        </p:spPr>
+        <p:style>
+          <a:lnRef idx="2">
+            <a:schemeClr val="accent1">
+              <a:shade val="50000"/>
+            </a:schemeClr>
+          </a:lnRef>
+          <a:fillRef idx="1">
+            <a:schemeClr val="accent1"/>
+          </a:fillRef>
+          <a:effectRef idx="0">
+            <a:schemeClr val="accent1"/>
+          </a:effectRef>
+          <a:fontRef idx="minor">
+            <a:schemeClr val="lt1"/>
+          </a:fontRef>
+        </p:style>
+        <p:txBody>
+          <a:bodyPr rtlCol="0" anchor="ctr"/>
+          <a:lstStyle/>
+          <a:p>
+            <a:pPr algn="ctr"/>
+            <a:r>
+              <a:rPr lang="en-US" altLang="zh-CN" sz="6000" dirty="0" smtClean="0">
+                <a:solidFill>
+                  <a:schemeClr val="tx1"/>
+                </a:solidFill>
+              </a:rPr>
+              <a:t>1</a:t>
+            </a:r>
+            <a:endParaRPr lang="zh-CN" altLang="en-US" sz="6000" dirty="0">
+              <a:solidFill>
+                <a:schemeClr val="tx1"/>
+              </a:solidFill>
+            </a:endParaRPr>
+          </a:p>
+        </p:txBody>
+      </p:sp>
+      <p:pic>
+        <p:nvPicPr>
+          <p:cNvPr id="6" name="Picture 5" descr="E:\PRD\logoWhite.png"/>
+          <p:cNvPicPr>
+            <a:picLocks noChangeAspect="1" noChangeArrowheads="1"/>
+          </p:cNvPicPr>
+          <p:nvPr/>
+        </p:nvPicPr>
+        <p:blipFill>
+          <a:blip r:embed="rId1" cstate="print"/>
+          <a:srcRect/>
+          <a:stretch>
+            <a:fillRect/>
+          </a:stretch>
+        </p:blipFill>
+        <p:spPr bwMode="auto">
+          <a:xfrm>
+            <a:off x="11577513" y="6241409"/>
+            <a:ext cx="614487" cy="616591"/>
+          </a:xfrm>
+          <a:prstGeom prst="rect">
+            <a:avLst/>
+          </a:prstGeom>
+          <a:noFill/>
+        </p:spPr>
+      </p:pic>
+    </p:spTree>
+  </p:cSld>
+  <p:clrMapOvr>
+    <a:masterClrMapping/>
+  </p:clrMapOvr>
+  <p:timing>
+    <p:tnLst>
+      <p:par>
+        <p:cTn id="1" dur="indefinite" restart="never" nodeType="tmRoot"/>
+      </p:par>
+    </p:tnLst>
+  </p:timing>
+</p:sld>
+</file>
+
+<file path=ppt/slides/slide30.xml><?xml version="1.0" encoding="utf-8"?>
 <p:sld xmlns:a="http://schemas.openxmlformats.org/drawingml/2006/main" xmlns:r="http://schemas.openxmlformats.org/officeDocument/2006/relationships" xmlns:p="http://schemas.openxmlformats.org/presentationml/2006/main">
   <p:cSld>
     <p:spTree>
@@ -19493,7 +23103,7 @@
 </p:sld>
 </file>
 
-<file path=ppt/slides/slide23.xml><?xml version="1.0" encoding="utf-8"?>
+<file path=ppt/slides/slide31.xml><?xml version="1.0" encoding="utf-8"?>
 <p:sld xmlns:a="http://schemas.openxmlformats.org/drawingml/2006/main" xmlns:r="http://schemas.openxmlformats.org/officeDocument/2006/relationships" xmlns:p="http://schemas.openxmlformats.org/presentationml/2006/main">
   <p:cSld>
     <p:spTree>
@@ -19638,172 +23248,6 @@
           <a:xfrm>
             <a:off x="5302548" y="2013358"/>
             <a:ext cx="1517702" cy="1522899"/>
-          </a:xfrm>
-          <a:prstGeom prst="rect">
-            <a:avLst/>
-          </a:prstGeom>
-          <a:noFill/>
-        </p:spPr>
-      </p:pic>
-    </p:spTree>
-  </p:cSld>
-  <p:clrMapOvr>
-    <a:masterClrMapping/>
-  </p:clrMapOvr>
-  <p:timing>
-    <p:tnLst>
-      <p:par>
-        <p:cTn id="1" dur="indefinite" restart="never" nodeType="tmRoot"/>
-      </p:par>
-    </p:tnLst>
-  </p:timing>
-</p:sld>
-</file>
-
-<file path=ppt/slides/slide3.xml><?xml version="1.0" encoding="utf-8"?>
-<p:sld xmlns:a="http://schemas.openxmlformats.org/drawingml/2006/main" xmlns:r="http://schemas.openxmlformats.org/officeDocument/2006/relationships" xmlns:p="http://schemas.openxmlformats.org/presentationml/2006/main">
-  <p:cSld>
-    <p:spTree>
-      <p:nvGrpSpPr>
-        <p:cNvPr id="1" name=""/>
-        <p:cNvGrpSpPr/>
-        <p:nvPr/>
-      </p:nvGrpSpPr>
-      <p:grpSpPr>
-        <a:xfrm>
-          <a:off x="0" y="0"/>
-          <a:ext cx="0" cy="0"/>
-          <a:chOff x="0" y="0"/>
-          <a:chExt cx="0" cy="0"/>
-        </a:xfrm>
-      </p:grpSpPr>
-      <p:sp>
-        <p:nvSpPr>
-          <p:cNvPr id="3" name="文本框 2"/>
-          <p:cNvSpPr txBox="1"/>
-          <p:nvPr/>
-        </p:nvSpPr>
-        <p:spPr>
-          <a:xfrm>
-            <a:off x="4853270" y="3668398"/>
-            <a:ext cx="2435225" cy="583565"/>
-          </a:xfrm>
-          <a:prstGeom prst="rect">
-            <a:avLst/>
-          </a:prstGeom>
-          <a:noFill/>
-        </p:spPr>
-        <p:txBody>
-          <a:bodyPr wrap="none" rtlCol="0">
-            <a:spAutoFit/>
-          </a:bodyPr>
-          <a:lstStyle/>
-          <a:p>
-            <a:pPr algn="ctr"/>
-            <a:r>
-              <a:rPr lang="en-US" altLang="zh-CN" sz="3200" b="1" dirty="0" smtClean="0">
-                <a:solidFill>
-                  <a:schemeClr val="accent1"/>
-                </a:solidFill>
-                <a:latin typeface="+mn-ea"/>
-              </a:rPr>
-              <a:t>4+1View</a:t>
-            </a:r>
-            <a:r>
-              <a:rPr lang="zh-CN" altLang="en-US" sz="3200" b="1" dirty="0" smtClean="0">
-                <a:solidFill>
-                  <a:schemeClr val="accent1"/>
-                </a:solidFill>
-                <a:latin typeface="+mn-ea"/>
-              </a:rPr>
-              <a:t>介绍</a:t>
-            </a:r>
-            <a:endParaRPr lang="zh-CN" altLang="en-US" sz="3200" b="1" dirty="0" smtClean="0">
-              <a:solidFill>
-                <a:schemeClr val="accent1"/>
-              </a:solidFill>
-              <a:latin typeface="+mn-ea"/>
-            </a:endParaRPr>
-          </a:p>
-        </p:txBody>
-      </p:sp>
-      <p:sp>
-        <p:nvSpPr>
-          <p:cNvPr id="7" name="椭圆 6"/>
-          <p:cNvSpPr/>
-          <p:nvPr/>
-        </p:nvSpPr>
-        <p:spPr>
-          <a:xfrm>
-            <a:off x="5243014" y="1763974"/>
-            <a:ext cx="1705972" cy="1705970"/>
-          </a:xfrm>
-          <a:prstGeom prst="ellipse">
-            <a:avLst/>
-          </a:prstGeom>
-          <a:solidFill>
-            <a:srgbClr val="7DA5C8"/>
-          </a:solidFill>
-          <a:ln>
-            <a:noFill/>
-          </a:ln>
-        </p:spPr>
-        <p:style>
-          <a:lnRef idx="2">
-            <a:schemeClr val="accent1">
-              <a:shade val="50000"/>
-            </a:schemeClr>
-          </a:lnRef>
-          <a:fillRef idx="1">
-            <a:schemeClr val="accent1"/>
-          </a:fillRef>
-          <a:effectRef idx="0">
-            <a:schemeClr val="accent1"/>
-          </a:effectRef>
-          <a:fontRef idx="minor">
-            <a:schemeClr val="lt1"/>
-          </a:fontRef>
-        </p:style>
-        <p:txBody>
-          <a:bodyPr rtlCol="0" anchor="ctr"/>
-          <a:lstStyle/>
-          <a:p>
-            <a:pPr algn="ctr"/>
-            <a:r>
-              <a:rPr lang="en-US" altLang="zh-CN" sz="6000" dirty="0" smtClean="0">
-                <a:solidFill>
-                  <a:schemeClr val="tx1"/>
-                </a:solidFill>
-              </a:rPr>
-              <a:t>01</a:t>
-            </a:r>
-            <a:endParaRPr lang="zh-CN" altLang="en-US" sz="6000" dirty="0">
-              <a:solidFill>
-                <a:schemeClr val="tx1"/>
-              </a:solidFill>
-            </a:endParaRPr>
-          </a:p>
-        </p:txBody>
-      </p:sp>
-      <p:pic>
-        <p:nvPicPr>
-          <p:cNvPr id="6" name="Picture 5" descr="E:\PRD\logoWhite.png"/>
-          <p:cNvPicPr>
-            <a:picLocks noChangeAspect="1" noChangeArrowheads="1"/>
-          </p:cNvPicPr>
-          <p:nvPr/>
-        </p:nvPicPr>
-        <p:blipFill>
-          <a:blip r:embed="rId1" cstate="print"/>
-          <a:srcRect/>
-          <a:stretch>
-            <a:fillRect/>
-          </a:stretch>
-        </p:blipFill>
-        <p:spPr bwMode="auto">
-          <a:xfrm>
-            <a:off x="11577513" y="6241409"/>
-            <a:ext cx="614487" cy="616591"/>
           </a:xfrm>
           <a:prstGeom prst="rect">
             <a:avLst/>
@@ -20555,7 +23999,41 @@
                 </a:solidFill>
                 <a:sym typeface="+mn-ea"/>
               </a:rPr>
-              <a:t>：  Kruchten 提出了一个"4+1"视图模型，从5个不同的视角包括包括</a:t>
+              <a:t>：</a:t>
+            </a:r>
+            <a:endParaRPr lang="en-US" sz="1800" dirty="0">
+              <a:solidFill>
+                <a:schemeClr val="tx1"/>
+              </a:solidFill>
+              <a:latin typeface="幼圆" panose="02010509060101010101" pitchFamily="49" charset="-122"/>
+              <a:ea typeface="幼圆" panose="02010509060101010101" pitchFamily="49" charset="-122"/>
+            </a:endParaRPr>
+          </a:p>
+          <a:p>
+            <a:pPr algn="ctr">
+              <a:lnSpc>
+                <a:spcPct val="150000"/>
+              </a:lnSpc>
+            </a:pPr>
+            <a:r>
+              <a:rPr lang="en-US" sz="1800" dirty="0" smtClean="0">
+                <a:solidFill>
+                  <a:schemeClr val="tx1"/>
+                </a:solidFill>
+                <a:latin typeface="幼圆" panose="02010509060101010101" pitchFamily="49" charset="-122"/>
+                <a:ea typeface="幼圆" panose="02010509060101010101" pitchFamily="49" charset="-122"/>
+                <a:sym typeface="+mn-ea"/>
+              </a:rPr>
+              <a:t>Kruchten</a:t>
+            </a:r>
+            <a:r>
+              <a:rPr lang="zh-CN" altLang="en-US" sz="1800">
+                <a:solidFill>
+                  <a:schemeClr val="tx1"/>
+                </a:solidFill>
+                <a:sym typeface="+mn-ea"/>
+              </a:rPr>
+              <a:t>（克鲁奇特）提出了一个"4+1"视图模型，从5个不同的视角包括</a:t>
             </a:r>
             <a:r>
               <a:rPr lang="zh-CN" altLang="en-US" sz="1800" b="1" u="sng">
@@ -22663,7 +26141,7 @@
                   <a:schemeClr val="tx1"/>
                 </a:solidFill>
               </a:rPr>
-              <a:t>02</a:t>
+              <a:t>2</a:t>
             </a:r>
             <a:endParaRPr lang="zh-CN" altLang="en-US" sz="6000" dirty="0">
               <a:solidFill>
@@ -33060,7 +36538,7 @@
                   <a:schemeClr val="tx1"/>
                 </a:solidFill>
               </a:rPr>
-              <a:t>03</a:t>
+              <a:t>3</a:t>
             </a:r>
             <a:endParaRPr lang="zh-CN" altLang="en-US" sz="6000" dirty="0">
               <a:solidFill>
@@ -33808,7 +37286,7 @@
               </a:lnSpc>
             </a:pPr>
             <a:r>
-              <a:rPr altLang="en-US" sz="2000" dirty="0" smtClean="0">
+              <a:rPr lang="zh-CN" altLang="en-US" sz="2000" dirty="0" smtClean="0">
                 <a:solidFill>
                   <a:schemeClr val="tx1"/>
                 </a:solidFill>
@@ -33816,11 +37294,22 @@
               </a:rPr>
               <a:t>开发视图</a:t>
             </a:r>
-            <a:endParaRPr altLang="en-US" sz="2000" dirty="0" smtClean="0">
+            <a:r>
+              <a:rPr lang="en-US" altLang="zh-CN" sz="2000" dirty="0" smtClean="0">
+                <a:solidFill>
+                  <a:schemeClr val="tx1"/>
+                </a:solidFill>
+                <a:latin typeface="+mj-ea"/>
+                <a:ea typeface="+mj-ea"/>
+              </a:rPr>
+              <a:t>development/module view</a:t>
+            </a:r>
+            <a:endParaRPr lang="en-US" altLang="zh-CN" sz="2000" dirty="0" smtClean="0">
               <a:solidFill>
                 <a:schemeClr val="tx1"/>
               </a:solidFill>
-              <a:ea typeface="幼圆" panose="02010509060101010101" pitchFamily="49" charset="-122"/>
+              <a:latin typeface="+mj-ea"/>
+              <a:ea typeface="+mj-ea"/>
             </a:endParaRPr>
           </a:p>
           <a:p>
@@ -33836,7 +37325,25 @@
                 </a:solidFill>
                 <a:ea typeface="幼圆" panose="02010509060101010101" pitchFamily="49" charset="-122"/>
               </a:rPr>
-              <a:t>（Development/Module View)     开发视图主要用来描述软件模块的组织与管理（通过程序库或子系统）。</a:t>
+              <a:t>    开发视图</a:t>
+            </a:r>
+            <a:r>
+              <a:rPr lang="zh-CN" sz="2000" dirty="0" smtClean="0">
+                <a:solidFill>
+                  <a:schemeClr val="tx1"/>
+                </a:solidFill>
+                <a:ea typeface="幼圆" panose="02010509060101010101" pitchFamily="49" charset="-122"/>
+              </a:rPr>
+              <a:t>（）</a:t>
+            </a:r>
+            <a:r>
+              <a:rPr altLang="en-US" sz="2000" dirty="0" smtClean="0">
+                <a:solidFill>
+                  <a:schemeClr val="tx1"/>
+                </a:solidFill>
+                <a:ea typeface="幼圆" panose="02010509060101010101" pitchFamily="49" charset="-122"/>
+              </a:rPr>
+              <a:t>主要用来描述软件模块的组织与管理（通过程序库或子系统）。</a:t>
             </a:r>
             <a:endParaRPr altLang="en-US" sz="2000" dirty="0" smtClean="0">
               <a:solidFill>
@@ -33982,7 +37489,56 @@
                 </a:solidFill>
                 <a:ea typeface="幼圆" panose="02010509060101010101" pitchFamily="49" charset="-122"/>
               </a:rPr>
-              <a:t>（底层库：Java SDK，图像处理软件包）。如下图: 构件：模块、子系统、层 连接件：参照相关性、模块/过程调用（针对编程人员和软件管理者）</a:t>
+              <a:t>（底层库</a:t>
+            </a:r>
+            <a:r>
+              <a:rPr sz="1800" dirty="0" smtClean="0">
+                <a:solidFill>
+                  <a:schemeClr val="tx1"/>
+                </a:solidFill>
+                <a:latin typeface="+mj-ea"/>
+                <a:ea typeface="+mj-ea"/>
+              </a:rPr>
+              <a:t>：</a:t>
+            </a:r>
+            <a:r>
+              <a:rPr lang="en-US" sz="1800" dirty="0" smtClean="0">
+                <a:solidFill>
+                  <a:schemeClr val="tx1"/>
+                </a:solidFill>
+                <a:latin typeface="+mj-ea"/>
+                <a:ea typeface="+mj-ea"/>
+              </a:rPr>
+              <a:t>java</a:t>
+            </a:r>
+            <a:r>
+              <a:rPr sz="1800" dirty="0" smtClean="0">
+                <a:solidFill>
+                  <a:schemeClr val="tx1"/>
+                </a:solidFill>
+                <a:latin typeface="+mj-ea"/>
+                <a:ea typeface="+mj-ea"/>
+              </a:rPr>
+              <a:t> </a:t>
+            </a:r>
+            <a:r>
+              <a:rPr lang="en-US" sz="1800" dirty="0" smtClean="0">
+                <a:solidFill>
+                  <a:schemeClr val="tx1"/>
+                </a:solidFill>
+                <a:latin typeface="+mj-ea"/>
+                <a:ea typeface="+mj-ea"/>
+              </a:rPr>
+              <a:t>SDK</a:t>
+            </a:r>
+            <a:r>
+              <a:rPr sz="1800" dirty="0" smtClean="0">
+                <a:solidFill>
+                  <a:schemeClr val="tx1"/>
+                </a:solidFill>
+                <a:ea typeface="幼圆" panose="02010509060101010101" pitchFamily="49" charset="-122"/>
+              </a:rPr>
+              <a:t>，图像处理软件包）。如下图: 构件：模块、子系统、层 连接件：参照相关性、模块/过程调用（针对编程人员和软件管理者）</a:t>
             </a:r>
             <a:endParaRPr sz="1800" dirty="0" smtClean="0">
               <a:solidFill>

--- a/翻转课堂/翻转课堂4+1View.pptx
+++ b/翻转课堂/翻转课堂4+1View.pptx
@@ -10369,11 +10369,7 @@
             </a:r>
             <a:r>
               <a:rPr lang="en-US" altLang="zh-CN" b="1" dirty="0" smtClean="0"/>
-              <a:t>UML</a:t>
-            </a:r>
-            <a:r>
-              <a:rPr lang="en-US" altLang="zh-CN" b="1" dirty="0" smtClean="0"/>
-              <a:t>2.0</a:t>
+              <a:t>UML2.0</a:t>
             </a:r>
             <a:r>
               <a:rPr lang="zh-CN" altLang="en-US" b="1" dirty="0" smtClean="0"/>
@@ -22148,7 +22144,7 @@
         </p:nvGraphicFramePr>
         <p:xfrm>
           <a:off x="1251952" y="1103991"/>
-          <a:ext cx="9372600" cy="5055870"/>
+          <a:ext cx="9372600" cy="3470275"/>
         </p:xfrm>
         <a:graphic>
           <a:graphicData uri="http://schemas.openxmlformats.org/drawingml/2006/table">
@@ -22416,6 +22412,104 @@
                           <a:latin typeface="+mj-lt"/>
                         </a:rPr>
                         <a:t>制作</a:t>
+                      </a:r>
+                      <a:r>
+                        <a:rPr lang="en-US" altLang="zh-CN" b="1">
+                          <a:solidFill>
+                            <a:schemeClr val="bg1"/>
+                          </a:solidFill>
+                          <a:latin typeface="+mj-lt"/>
+                        </a:rPr>
+                        <a:t>PPT</a:t>
+                      </a:r>
+                      <a:r>
+                        <a:rPr lang="zh-CN" altLang="en-US" b="1">
+                          <a:solidFill>
+                            <a:schemeClr val="bg1"/>
+                          </a:solidFill>
+                          <a:latin typeface="+mj-lt"/>
+                        </a:rPr>
+                        <a:t>。</a:t>
+                      </a:r>
+                      <a:endParaRPr lang="zh-CN" altLang="en-US" b="1">
+                        <a:solidFill>
+                          <a:schemeClr val="bg1"/>
+                        </a:solidFill>
+                        <a:latin typeface="+mj-lt"/>
+                      </a:endParaRPr>
+                    </a:p>
+                  </a:txBody>
+                  <a:tcPr/>
+                </a:tc>
+              </a:tr>
+              <a:tr h="672465">
+                <a:tc>
+                  <a:txBody>
+                    <a:bodyPr/>
+                    <a:p>
+                      <a:pPr>
+                        <a:buNone/>
+                      </a:pPr>
+                      <a:r>
+                        <a:rPr lang="zh-CN" altLang="en-US" b="1">
+                          <a:solidFill>
+                            <a:schemeClr val="bg1"/>
+                          </a:solidFill>
+                          <a:latin typeface="+mj-lt"/>
+                        </a:rPr>
+                        <a:t>徐柯杰</a:t>
+                      </a:r>
+                      <a:endParaRPr lang="zh-CN" altLang="en-US" b="1">
+                        <a:solidFill>
+                          <a:schemeClr val="bg1"/>
+                        </a:solidFill>
+                        <a:latin typeface="+mj-lt"/>
+                      </a:endParaRPr>
+                    </a:p>
+                  </a:txBody>
+                  <a:tcPr/>
+                </a:tc>
+                <a:tc>
+                  <a:txBody>
+                    <a:bodyPr/>
+                    <a:p>
+                      <a:pPr>
+                        <a:buNone/>
+                      </a:pPr>
+                      <a:r>
+                        <a:rPr lang="en-US" altLang="zh-CN" b="1" dirty="0">
+                          <a:solidFill>
+                            <a:schemeClr val="bg1"/>
+                          </a:solidFill>
+                          <a:latin typeface="+mj-lt"/>
+                        </a:rPr>
+                        <a:t>8</a:t>
+                      </a:r>
+                      <a:endParaRPr lang="en-US" altLang="zh-CN" b="1" dirty="0">
+                        <a:solidFill>
+                          <a:schemeClr val="bg1"/>
+                        </a:solidFill>
+                        <a:latin typeface="+mj-lt"/>
+                      </a:endParaRPr>
+                    </a:p>
+                  </a:txBody>
+                  <a:tcPr/>
+                </a:tc>
+                <a:tc>
+                  <a:txBody>
+                    <a:bodyPr/>
+                    <a:p>
+                      <a:pPr>
+                        <a:buNone/>
+                      </a:pPr>
+                      <a:r>
+                        <a:rPr lang="zh-CN" altLang="en-US" b="1">
+                          <a:solidFill>
+                            <a:schemeClr val="bg1"/>
+                          </a:solidFill>
+                          <a:latin typeface="+mj-lt"/>
+                        </a:rPr>
+                        <a:t>修改</a:t>
                       </a:r>
                       <a:r>
                         <a:rPr lang="en-US" altLang="zh-CN" b="1">

--- a/翻转课堂/翻转课堂4+1View.pptx
+++ b/翻转课堂/翻转课堂4+1View.pptx
@@ -22010,14 +22010,14 @@
           <a:p>
             <a:pPr algn="ctr"/>
             <a:r>
-              <a:rPr lang="en-US" altLang="zh-CN" sz="6000" dirty="0" smtClean="0">
+              <a:rPr lang="en-US" altLang="zh-CN" sz="6000" dirty="0">
                 <a:solidFill>
                   <a:schemeClr val="tx1"/>
                 </a:solidFill>
               </a:rPr>
-              <a:t>05</a:t>
+              <a:t>9</a:t>
             </a:r>
-            <a:endParaRPr lang="zh-CN" altLang="en-US" sz="6000" dirty="0">
+            <a:endParaRPr lang="en-US" altLang="zh-CN" sz="6000" dirty="0">
               <a:solidFill>
                 <a:schemeClr val="tx1"/>
               </a:solidFill>
